--- a/Python3.pptx
+++ b/Python3.pptx
@@ -5,26 +5,30 @@
     <p:sldMasterId id="2147483696" r:id="rId1"/>
   </p:sldMasterIdLst>
   <p:notesMasterIdLst>
-    <p:notesMasterId r:id="rId16"/>
+    <p:notesMasterId r:id="rId20"/>
   </p:notesMasterIdLst>
   <p:handoutMasterIdLst>
-    <p:handoutMasterId r:id="rId17"/>
+    <p:handoutMasterId r:id="rId21"/>
   </p:handoutMasterIdLst>
   <p:sldIdLst>
     <p:sldId id="257" r:id="rId2"/>
     <p:sldId id="258" r:id="rId3"/>
     <p:sldId id="260" r:id="rId4"/>
-    <p:sldId id="271" r:id="rId5"/>
-    <p:sldId id="261" r:id="rId6"/>
-    <p:sldId id="262" r:id="rId7"/>
-    <p:sldId id="263" r:id="rId8"/>
-    <p:sldId id="264" r:id="rId9"/>
-    <p:sldId id="265" r:id="rId10"/>
-    <p:sldId id="266" r:id="rId11"/>
-    <p:sldId id="267" r:id="rId12"/>
-    <p:sldId id="268" r:id="rId13"/>
-    <p:sldId id="269" r:id="rId14"/>
-    <p:sldId id="270" r:id="rId15"/>
+    <p:sldId id="272" r:id="rId5"/>
+    <p:sldId id="273" r:id="rId6"/>
+    <p:sldId id="271" r:id="rId7"/>
+    <p:sldId id="261" r:id="rId8"/>
+    <p:sldId id="274" r:id="rId9"/>
+    <p:sldId id="275" r:id="rId10"/>
+    <p:sldId id="262" r:id="rId11"/>
+    <p:sldId id="263" r:id="rId12"/>
+    <p:sldId id="264" r:id="rId13"/>
+    <p:sldId id="265" r:id="rId14"/>
+    <p:sldId id="266" r:id="rId15"/>
+    <p:sldId id="267" r:id="rId16"/>
+    <p:sldId id="268" r:id="rId17"/>
+    <p:sldId id="269" r:id="rId18"/>
+    <p:sldId id="270" r:id="rId19"/>
   </p:sldIdLst>
   <p:sldSz cx="12192000" cy="6858000"/>
   <p:notesSz cx="6858000" cy="9144000"/>
@@ -245,7 +249,7 @@
                 <a:latin typeface="微软雅黑" panose="020B0503020204020204" pitchFamily="34" charset="-122"/>
                 <a:ea typeface="微软雅黑" panose="020B0503020204020204" pitchFamily="34" charset="-122"/>
               </a:rPr>
-              <a:t>2019年3月12日</a:t>
+              <a:t>2019年3月13日</a:t>
             </a:fld>
             <a:endParaRPr lang="en-US" dirty="0">
               <a:latin typeface="微软雅黑" panose="020B0503020204020204" pitchFamily="34" charset="-122"/>
@@ -432,7 +436,7 @@
             <a:fld id="{13A28818-8057-4794-A7BE-842FF700294D}" type="datetime2">
               <a:rPr lang="zh-CN" altLang="en-US" smtClean="0"/>
               <a:pPr/>
-              <a:t>2019年3月12日</a:t>
+              <a:t>2019年3月13日</a:t>
             </a:fld>
             <a:endParaRPr lang="en-US" dirty="0"/>
           </a:p>
@@ -860,7 +864,7 @@
             <a:fld id="{32674CE4-FBD8-4481-AEFB-CA53E599A745}" type="slidenum">
               <a:rPr lang="en-US" smtClean="0"/>
               <a:pPr/>
-              <a:t>10</a:t>
+              <a:t>12</a:t>
             </a:fld>
             <a:endParaRPr lang="en-US" dirty="0"/>
           </a:p>
@@ -869,7 +873,7 @@
     </p:spTree>
     <p:extLst>
       <p:ext uri="{BB962C8B-B14F-4D97-AF65-F5344CB8AC3E}">
-        <p14:creationId xmlns:p14="http://schemas.microsoft.com/office/powerpoint/2010/main" val="1276211587"/>
+        <p14:creationId xmlns:p14="http://schemas.microsoft.com/office/powerpoint/2010/main" val="3794078311"/>
       </p:ext>
     </p:extLst>
   </p:cSld>
@@ -945,7 +949,7 @@
             <a:fld id="{32674CE4-FBD8-4481-AEFB-CA53E599A745}" type="slidenum">
               <a:rPr lang="en-US" smtClean="0"/>
               <a:pPr/>
-              <a:t>11</a:t>
+              <a:t>13</a:t>
             </a:fld>
             <a:endParaRPr lang="en-US" dirty="0"/>
           </a:p>
@@ -954,7 +958,7 @@
     </p:spTree>
     <p:extLst>
       <p:ext uri="{BB962C8B-B14F-4D97-AF65-F5344CB8AC3E}">
-        <p14:creationId xmlns:p14="http://schemas.microsoft.com/office/powerpoint/2010/main" val="3703086298"/>
+        <p14:creationId xmlns:p14="http://schemas.microsoft.com/office/powerpoint/2010/main" val="3172656665"/>
       </p:ext>
     </p:extLst>
   </p:cSld>
@@ -1030,7 +1034,7 @@
             <a:fld id="{32674CE4-FBD8-4481-AEFB-CA53E599A745}" type="slidenum">
               <a:rPr lang="en-US" smtClean="0"/>
               <a:pPr/>
-              <a:t>12</a:t>
+              <a:t>14</a:t>
             </a:fld>
             <a:endParaRPr lang="en-US" dirty="0"/>
           </a:p>
@@ -1039,7 +1043,7 @@
     </p:spTree>
     <p:extLst>
       <p:ext uri="{BB962C8B-B14F-4D97-AF65-F5344CB8AC3E}">
-        <p14:creationId xmlns:p14="http://schemas.microsoft.com/office/powerpoint/2010/main" val="3955741776"/>
+        <p14:creationId xmlns:p14="http://schemas.microsoft.com/office/powerpoint/2010/main" val="1276211587"/>
       </p:ext>
     </p:extLst>
   </p:cSld>
@@ -1115,7 +1119,7 @@
             <a:fld id="{32674CE4-FBD8-4481-AEFB-CA53E599A745}" type="slidenum">
               <a:rPr lang="en-US" smtClean="0"/>
               <a:pPr/>
-              <a:t>13</a:t>
+              <a:t>15</a:t>
             </a:fld>
             <a:endParaRPr lang="en-US" dirty="0"/>
           </a:p>
@@ -1124,7 +1128,7 @@
     </p:spTree>
     <p:extLst>
       <p:ext uri="{BB962C8B-B14F-4D97-AF65-F5344CB8AC3E}">
-        <p14:creationId xmlns:p14="http://schemas.microsoft.com/office/powerpoint/2010/main" val="2530895102"/>
+        <p14:creationId xmlns:p14="http://schemas.microsoft.com/office/powerpoint/2010/main" val="3703086298"/>
       </p:ext>
     </p:extLst>
   </p:cSld>
@@ -1198,9 +1202,179 @@
           <a:lstStyle/>
           <a:p>
             <a:fld id="{32674CE4-FBD8-4481-AEFB-CA53E599A745}" type="slidenum">
+              <a:rPr lang="en-US" smtClean="0"/>
+              <a:pPr/>
+              <a:t>16</a:t>
+            </a:fld>
+            <a:endParaRPr lang="en-US" dirty="0"/>
+          </a:p>
+        </p:txBody>
+      </p:sp>
+    </p:spTree>
+    <p:extLst>
+      <p:ext uri="{BB962C8B-B14F-4D97-AF65-F5344CB8AC3E}">
+        <p14:creationId xmlns:p14="http://schemas.microsoft.com/office/powerpoint/2010/main" val="3955741776"/>
+      </p:ext>
+    </p:extLst>
+  </p:cSld>
+  <p:clrMapOvr>
+    <a:masterClrMapping/>
+  </p:clrMapOvr>
+</p:notes>
+</file>
+
+<file path=ppt/notesSlides/notesSlide15.xml><?xml version="1.0" encoding="utf-8"?>
+<p:notes xmlns:a="http://schemas.openxmlformats.org/drawingml/2006/main" xmlns:r="http://schemas.openxmlformats.org/officeDocument/2006/relationships" xmlns:p="http://schemas.openxmlformats.org/presentationml/2006/main">
+  <p:cSld>
+    <p:spTree>
+      <p:nvGrpSpPr>
+        <p:cNvPr id="1" name=""/>
+        <p:cNvGrpSpPr/>
+        <p:nvPr/>
+      </p:nvGrpSpPr>
+      <p:grpSpPr>
+        <a:xfrm>
+          <a:off x="0" y="0"/>
+          <a:ext cx="0" cy="0"/>
+          <a:chOff x="0" y="0"/>
+          <a:chExt cx="0" cy="0"/>
+        </a:xfrm>
+      </p:grpSpPr>
+      <p:sp>
+        <p:nvSpPr>
+          <p:cNvPr id="2" name="幻灯片图像占位符 1"/>
+          <p:cNvSpPr>
+            <a:spLocks noGrp="1" noRot="1" noChangeAspect="1"/>
+          </p:cNvSpPr>
+          <p:nvPr>
+            <p:ph type="sldImg"/>
+          </p:nvPr>
+        </p:nvSpPr>
+        <p:spPr/>
+      </p:sp>
+      <p:sp>
+        <p:nvSpPr>
+          <p:cNvPr id="3" name="备注占位符 2"/>
+          <p:cNvSpPr>
+            <a:spLocks noGrp="1"/>
+          </p:cNvSpPr>
+          <p:nvPr>
+            <p:ph type="body" idx="1"/>
+          </p:nvPr>
+        </p:nvSpPr>
+        <p:spPr/>
+        <p:txBody>
+          <a:bodyPr/>
+          <a:lstStyle/>
+          <a:p>
+            <a:endParaRPr lang="zh-CN" altLang="en-US" dirty="0"/>
+          </a:p>
+        </p:txBody>
+      </p:sp>
+      <p:sp>
+        <p:nvSpPr>
+          <p:cNvPr id="4" name="灯片编号占位符 3"/>
+          <p:cNvSpPr>
+            <a:spLocks noGrp="1"/>
+          </p:cNvSpPr>
+          <p:nvPr>
+            <p:ph type="sldNum" sz="quarter" idx="10"/>
+          </p:nvPr>
+        </p:nvSpPr>
+        <p:spPr/>
+        <p:txBody>
+          <a:bodyPr/>
+          <a:lstStyle/>
+          <a:p>
+            <a:fld id="{32674CE4-FBD8-4481-AEFB-CA53E599A745}" type="slidenum">
+              <a:rPr lang="en-US" smtClean="0"/>
+              <a:pPr/>
+              <a:t>17</a:t>
+            </a:fld>
+            <a:endParaRPr lang="en-US" dirty="0"/>
+          </a:p>
+        </p:txBody>
+      </p:sp>
+    </p:spTree>
+    <p:extLst>
+      <p:ext uri="{BB962C8B-B14F-4D97-AF65-F5344CB8AC3E}">
+        <p14:creationId xmlns:p14="http://schemas.microsoft.com/office/powerpoint/2010/main" val="2530895102"/>
+      </p:ext>
+    </p:extLst>
+  </p:cSld>
+  <p:clrMapOvr>
+    <a:masterClrMapping/>
+  </p:clrMapOvr>
+</p:notes>
+</file>
+
+<file path=ppt/notesSlides/notesSlide16.xml><?xml version="1.0" encoding="utf-8"?>
+<p:notes xmlns:a="http://schemas.openxmlformats.org/drawingml/2006/main" xmlns:r="http://schemas.openxmlformats.org/officeDocument/2006/relationships" xmlns:p="http://schemas.openxmlformats.org/presentationml/2006/main">
+  <p:cSld>
+    <p:spTree>
+      <p:nvGrpSpPr>
+        <p:cNvPr id="1" name=""/>
+        <p:cNvGrpSpPr/>
+        <p:nvPr/>
+      </p:nvGrpSpPr>
+      <p:grpSpPr>
+        <a:xfrm>
+          <a:off x="0" y="0"/>
+          <a:ext cx="0" cy="0"/>
+          <a:chOff x="0" y="0"/>
+          <a:chExt cx="0" cy="0"/>
+        </a:xfrm>
+      </p:grpSpPr>
+      <p:sp>
+        <p:nvSpPr>
+          <p:cNvPr id="2" name="幻灯片图像占位符 1"/>
+          <p:cNvSpPr>
+            <a:spLocks noGrp="1" noRot="1" noChangeAspect="1"/>
+          </p:cNvSpPr>
+          <p:nvPr>
+            <p:ph type="sldImg"/>
+          </p:nvPr>
+        </p:nvSpPr>
+        <p:spPr/>
+      </p:sp>
+      <p:sp>
+        <p:nvSpPr>
+          <p:cNvPr id="3" name="备注占位符 2"/>
+          <p:cNvSpPr>
+            <a:spLocks noGrp="1"/>
+          </p:cNvSpPr>
+          <p:nvPr>
+            <p:ph type="body" idx="1"/>
+          </p:nvPr>
+        </p:nvSpPr>
+        <p:spPr/>
+        <p:txBody>
+          <a:bodyPr/>
+          <a:lstStyle/>
+          <a:p>
+            <a:endParaRPr lang="zh-CN" altLang="en-US" dirty="0"/>
+          </a:p>
+        </p:txBody>
+      </p:sp>
+      <p:sp>
+        <p:nvSpPr>
+          <p:cNvPr id="4" name="灯片编号占位符 3"/>
+          <p:cNvSpPr>
+            <a:spLocks noGrp="1"/>
+          </p:cNvSpPr>
+          <p:nvPr>
+            <p:ph type="sldNum" sz="quarter" idx="10"/>
+          </p:nvPr>
+        </p:nvSpPr>
+        <p:spPr/>
+        <p:txBody>
+          <a:bodyPr/>
+          <a:lstStyle/>
+          <a:p>
+            <a:fld id="{32674CE4-FBD8-4481-AEFB-CA53E599A745}" type="slidenum">
               <a:rPr lang="en-US" altLang="zh-CN" smtClean="0"/>
               <a:pPr/>
-              <a:t>14</a:t>
+              <a:t>18</a:t>
             </a:fld>
             <a:endParaRPr lang="zh-CN" altLang="en-US"/>
           </a:p>
@@ -1624,7 +1798,7 @@
             <a:pPr rtl="0"/>
             <a:fld id="{CF2FD335-6D8E-486A-8F5F-DFC7325903FF}" type="slidenum">
               <a:rPr lang="en-US" smtClean="0"/>
-              <a:t>4</a:t>
+              <a:t>6</a:t>
             </a:fld>
             <a:endParaRPr lang="en-US" dirty="0"/>
           </a:p>
@@ -1709,7 +1883,7 @@
             <a:fld id="{32674CE4-FBD8-4481-AEFB-CA53E599A745}" type="slidenum">
               <a:rPr lang="en-US" smtClean="0"/>
               <a:pPr/>
-              <a:t>5</a:t>
+              <a:t>7</a:t>
             </a:fld>
             <a:endParaRPr lang="en-US" dirty="0"/>
           </a:p>
@@ -1794,7 +1968,7 @@
             <a:fld id="{32674CE4-FBD8-4481-AEFB-CA53E599A745}" type="slidenum">
               <a:rPr lang="en-US" smtClean="0"/>
               <a:pPr/>
-              <a:t>6</a:t>
+              <a:t>8</a:t>
             </a:fld>
             <a:endParaRPr lang="en-US" dirty="0"/>
           </a:p>
@@ -1803,7 +1977,7 @@
     </p:spTree>
     <p:extLst>
       <p:ext uri="{BB962C8B-B14F-4D97-AF65-F5344CB8AC3E}">
-        <p14:creationId xmlns:p14="http://schemas.microsoft.com/office/powerpoint/2010/main" val="1776232727"/>
+        <p14:creationId xmlns:p14="http://schemas.microsoft.com/office/powerpoint/2010/main" val="3664968335"/>
       </p:ext>
     </p:extLst>
   </p:cSld>
@@ -1854,10 +2028,9 @@
         </p:nvSpPr>
         <p:spPr/>
         <p:txBody>
-          <a:bodyPr rtlCol="0"/>
-          <a:lstStyle/>
-          <a:p>
-            <a:pPr rtl="0"/>
+          <a:bodyPr/>
+          <a:lstStyle/>
+          <a:p>
             <a:endParaRPr lang="zh-CN" altLang="en-US" dirty="0"/>
           </a:p>
         </p:txBody>
@@ -1874,13 +2047,13 @@
         </p:nvSpPr>
         <p:spPr/>
         <p:txBody>
-          <a:bodyPr rtlCol="0"/>
-          <a:lstStyle/>
-          <a:p>
-            <a:pPr rtl="0"/>
-            <a:fld id="{5800B302-F4DC-4547-9C74-CF794137D166}" type="slidenum">
+          <a:bodyPr/>
+          <a:lstStyle/>
+          <a:p>
+            <a:fld id="{32674CE4-FBD8-4481-AEFB-CA53E599A745}" type="slidenum">
               <a:rPr lang="en-US" smtClean="0"/>
-              <a:t>7</a:t>
+              <a:pPr/>
+              <a:t>9</a:t>
             </a:fld>
             <a:endParaRPr lang="en-US" dirty="0"/>
           </a:p>
@@ -1889,7 +2062,7 @@
     </p:spTree>
     <p:extLst>
       <p:ext uri="{BB962C8B-B14F-4D97-AF65-F5344CB8AC3E}">
-        <p14:creationId xmlns:p14="http://schemas.microsoft.com/office/powerpoint/2010/main" val="908655586"/>
+        <p14:creationId xmlns:p14="http://schemas.microsoft.com/office/powerpoint/2010/main" val="1446185093"/>
       </p:ext>
     </p:extLst>
   </p:cSld>
@@ -1965,7 +2138,7 @@
             <a:fld id="{32674CE4-FBD8-4481-AEFB-CA53E599A745}" type="slidenum">
               <a:rPr lang="en-US" smtClean="0"/>
               <a:pPr/>
-              <a:t>8</a:t>
+              <a:t>10</a:t>
             </a:fld>
             <a:endParaRPr lang="en-US" dirty="0"/>
           </a:p>
@@ -1974,7 +2147,7 @@
     </p:spTree>
     <p:extLst>
       <p:ext uri="{BB962C8B-B14F-4D97-AF65-F5344CB8AC3E}">
-        <p14:creationId xmlns:p14="http://schemas.microsoft.com/office/powerpoint/2010/main" val="3794078311"/>
+        <p14:creationId xmlns:p14="http://schemas.microsoft.com/office/powerpoint/2010/main" val="1776232727"/>
       </p:ext>
     </p:extLst>
   </p:cSld>
@@ -2025,9 +2198,10 @@
         </p:nvSpPr>
         <p:spPr/>
         <p:txBody>
-          <a:bodyPr/>
-          <a:lstStyle/>
-          <a:p>
+          <a:bodyPr rtlCol="0"/>
+          <a:lstStyle/>
+          <a:p>
+            <a:pPr rtl="0"/>
             <a:endParaRPr lang="zh-CN" altLang="en-US" dirty="0"/>
           </a:p>
         </p:txBody>
@@ -2044,13 +2218,13 @@
         </p:nvSpPr>
         <p:spPr/>
         <p:txBody>
-          <a:bodyPr/>
-          <a:lstStyle/>
-          <a:p>
-            <a:fld id="{32674CE4-FBD8-4481-AEFB-CA53E599A745}" type="slidenum">
+          <a:bodyPr rtlCol="0"/>
+          <a:lstStyle/>
+          <a:p>
+            <a:pPr rtl="0"/>
+            <a:fld id="{5800B302-F4DC-4547-9C74-CF794137D166}" type="slidenum">
               <a:rPr lang="en-US" smtClean="0"/>
-              <a:pPr/>
-              <a:t>9</a:t>
+              <a:t>11</a:t>
             </a:fld>
             <a:endParaRPr lang="en-US" dirty="0"/>
           </a:p>
@@ -2059,7 +2233,7 @@
     </p:spTree>
     <p:extLst>
       <p:ext uri="{BB962C8B-B14F-4D97-AF65-F5344CB8AC3E}">
-        <p14:creationId xmlns:p14="http://schemas.microsoft.com/office/powerpoint/2010/main" val="3172656665"/>
+        <p14:creationId xmlns:p14="http://schemas.microsoft.com/office/powerpoint/2010/main" val="908655586"/>
       </p:ext>
     </p:extLst>
   </p:cSld>
@@ -2801,7 +2975,7 @@
             <a:pPr rtl="0"/>
             <a:fld id="{6B961ADF-D8F6-45E0-ADA4-96ABDF6BF8CB}" type="datetime2">
               <a:rPr lang="zh-CN" altLang="en-US" smtClean="0"/>
-              <a:t>2019年3月12日</a:t>
+              <a:t>2019年3月13日</a:t>
             </a:fld>
             <a:endParaRPr lang="en-US" dirty="0"/>
           </a:p>
@@ -3010,7 +3184,7 @@
             <a:pPr rtl="0"/>
             <a:fld id="{BB356EF1-FDAD-4932-8CB1-BA1EF1306CA8}" type="datetime2">
               <a:rPr lang="zh-CN" altLang="en-US" smtClean="0"/>
-              <a:t>2019年3月12日</a:t>
+              <a:t>2019年3月13日</a:t>
             </a:fld>
             <a:endParaRPr lang="en-US" dirty="0"/>
           </a:p>
@@ -3216,7 +3390,7 @@
             <a:pPr rtl="0"/>
             <a:fld id="{C48D6003-6DBF-4E01-9D6B-13062B4B3967}" type="datetime2">
               <a:rPr lang="zh-CN" altLang="en-US" smtClean="0"/>
-              <a:t>2019年3月12日</a:t>
+              <a:t>2019年3月13日</a:t>
             </a:fld>
             <a:endParaRPr lang="en-US" dirty="0"/>
           </a:p>
@@ -3415,7 +3589,7 @@
             <a:pPr rtl="0"/>
             <a:fld id="{420542E2-407D-43B9-B0EF-A90942F87D18}" type="datetime2">
               <a:rPr lang="zh-CN" altLang="en-US" smtClean="0"/>
-              <a:t>2019年3月12日</a:t>
+              <a:t>2019年3月13日</a:t>
             </a:fld>
             <a:endParaRPr lang="en-US" dirty="0"/>
           </a:p>
@@ -3654,7 +3828,7 @@
             <a:pPr rtl="0"/>
             <a:fld id="{B9F9B539-0CEC-4146-8886-BECE2105FFB7}" type="datetime2">
               <a:rPr lang="zh-CN" altLang="en-US" smtClean="0"/>
-              <a:t>2019年3月12日</a:t>
+              <a:t>2019年3月13日</a:t>
             </a:fld>
             <a:endParaRPr lang="en-US" dirty="0"/>
           </a:p>
@@ -3937,7 +4111,7 @@
             <a:pPr rtl="0"/>
             <a:fld id="{6C5E7D52-F468-426A-BB36-87D372E56047}" type="datetime2">
               <a:rPr lang="zh-CN" altLang="en-US" smtClean="0"/>
-              <a:t>2019年3月12日</a:t>
+              <a:t>2019年3月13日</a:t>
             </a:fld>
             <a:endParaRPr lang="en-US" dirty="0"/>
           </a:p>
@@ -4383,7 +4557,7 @@
             <a:pPr rtl="0"/>
             <a:fld id="{59527240-084C-4424-94CC-C29C5C16B56C}" type="datetime2">
               <a:rPr lang="zh-CN" altLang="en-US" smtClean="0"/>
-              <a:t>2019年3月12日</a:t>
+              <a:t>2019年3月13日</a:t>
             </a:fld>
             <a:endParaRPr lang="en-US" dirty="0"/>
           </a:p>
@@ -4543,7 +4717,7 @@
             <a:pPr rtl="0"/>
             <a:fld id="{74E24FF4-28FC-4F17-A1F7-EEBB40A672F6}" type="datetime2">
               <a:rPr lang="zh-CN" altLang="en-US" smtClean="0"/>
-              <a:t>2019年3月12日</a:t>
+              <a:t>2019年3月13日</a:t>
             </a:fld>
             <a:endParaRPr lang="en-US" dirty="0"/>
           </a:p>
@@ -4661,7 +4835,7 @@
             <a:pPr rtl="0"/>
             <a:fld id="{3A8AE2AB-609C-4B7B-8E16-0AB865CFA893}" type="datetime2">
               <a:rPr lang="zh-CN" altLang="en-US" smtClean="0"/>
-              <a:t>2019年3月12日</a:t>
+              <a:t>2019年3月13日</a:t>
             </a:fld>
             <a:endParaRPr lang="en-US" dirty="0"/>
           </a:p>
@@ -4929,7 +5103,7 @@
             <a:pPr rtl="0"/>
             <a:fld id="{EC9132B7-0125-457C-84B9-733C76542A57}" type="datetime2">
               <a:rPr lang="zh-CN" altLang="en-US" smtClean="0"/>
-              <a:t>2019年3月12日</a:t>
+              <a:t>2019年3月13日</a:t>
             </a:fld>
             <a:endParaRPr lang="en-US" dirty="0"/>
           </a:p>
@@ -5198,7 +5372,7 @@
             <a:pPr rtl="0"/>
             <a:fld id="{F5C82D64-44BB-44B8-8D12-C6B23D3DB24F}" type="datetime2">
               <a:rPr lang="zh-CN" altLang="en-US" smtClean="0"/>
-              <a:t>2019年3月12日</a:t>
+              <a:t>2019年3月13日</a:t>
             </a:fld>
             <a:endParaRPr lang="en-US" dirty="0"/>
           </a:p>
@@ -6107,7 +6281,7 @@
             <a:fld id="{EFF7E999-41AB-432C-B3A7-BEA980E4A096}" type="datetime2">
               <a:rPr lang="zh-CN" altLang="en-US" smtClean="0"/>
               <a:pPr/>
-              <a:t>2019年3月12日</a:t>
+              <a:t>2019年3月13日</a:t>
             </a:fld>
             <a:endParaRPr lang="en-US" dirty="0"/>
           </a:p>
@@ -6631,8 +6805,8 @@
           <a:p>
             <a:pPr rtl="0"/>
             <a:r>
-              <a:rPr lang="zh-cn"/>
-              <a:t>课程 3：目标</a:t>
+              <a:rPr lang="zh-cn" dirty="0"/>
+              <a:t>课程 1：小结</a:t>
             </a:r>
           </a:p>
         </p:txBody>
@@ -6655,14 +6829,14 @@
             <a:pPr rtl="0"/>
             <a:r>
               <a:rPr lang="zh-cn" dirty="0"/>
-              <a:t>列出此培训课程的预期结果。</a:t>
+              <a:t>概述要点。</a:t>
             </a:r>
           </a:p>
           <a:p>
             <a:pPr rtl="0"/>
             <a:r>
               <a:rPr lang="zh-cn" dirty="0"/>
-              <a:t>各目标均应简明扼要，包含一个动词和一个可衡量的结果。</a:t>
+              <a:t>留出提问时间。</a:t>
             </a:r>
           </a:p>
         </p:txBody>
@@ -6670,7 +6844,7 @@
     </p:spTree>
     <p:extLst>
       <p:ext uri="{BB962C8B-B14F-4D97-AF65-F5344CB8AC3E}">
-        <p14:creationId xmlns:p14="http://schemas.microsoft.com/office/powerpoint/2010/main" val="4155348868"/>
+        <p14:creationId xmlns:p14="http://schemas.microsoft.com/office/powerpoint/2010/main" val="3514341159"/>
       </p:ext>
     </p:extLst>
   </p:cSld>
@@ -6727,19 +6901,19 @@
             <a:pPr rtl="0"/>
             <a:r>
               <a:rPr lang="zh-cn" dirty="0"/>
-              <a:t>课程 3：内容</a:t>
-            </a:r>
-          </a:p>
-        </p:txBody>
-      </p:sp>
-      <p:sp>
-        <p:nvSpPr>
-          <p:cNvPr id="4" name="文本占位符 3"/>
-          <p:cNvSpPr>
-            <a:spLocks noGrp="1"/>
-          </p:cNvSpPr>
-          <p:nvPr>
-            <p:ph sz="half" idx="1"/>
+              <a:t>课程 2：目标</a:t>
+            </a:r>
+          </a:p>
+        </p:txBody>
+      </p:sp>
+      <p:sp>
+        <p:nvSpPr>
+          <p:cNvPr id="3" name="内容占位符 2"/>
+          <p:cNvSpPr>
+            <a:spLocks noGrp="1"/>
+          </p:cNvSpPr>
+          <p:nvPr>
+            <p:ph idx="1"/>
           </p:nvPr>
         </p:nvSpPr>
         <p:spPr/>
@@ -6750,49 +6924,22 @@
             <a:pPr rtl="0"/>
             <a:r>
               <a:rPr lang="zh-cn" dirty="0"/>
-              <a:t>在此处添加文本。 </a:t>
+              <a:t>列出此培训课程的预期结果。</a:t>
             </a:r>
           </a:p>
           <a:p>
             <a:pPr rtl="0"/>
             <a:r>
               <a:rPr lang="zh-cn" dirty="0"/>
-              <a:t>若要在右列中添加图片、图表或其他内容，请单击相应的图标。</a:t>
-            </a:r>
-          </a:p>
-          <a:p>
-            <a:pPr rtl="0"/>
-            <a:r>
-              <a:rPr lang="zh-cn" dirty="0"/>
-              <a:t>若要添加幻灯片，请单击“插入”菜单中的“新建幻灯片”或按 CTRL+M。</a:t>
-            </a:r>
-          </a:p>
-        </p:txBody>
-      </p:sp>
-      <p:sp>
-        <p:nvSpPr>
-          <p:cNvPr id="5" name="内容占位符 4"/>
-          <p:cNvSpPr>
-            <a:spLocks noGrp="1"/>
-          </p:cNvSpPr>
-          <p:nvPr>
-            <p:ph sz="half" idx="2"/>
-          </p:nvPr>
-        </p:nvSpPr>
-        <p:spPr/>
-        <p:txBody>
-          <a:bodyPr rtlCol="0"/>
-          <a:lstStyle/>
-          <a:p>
-            <a:pPr rtl="0"/>
-            <a:endParaRPr lang="zh-CN" altLang="en-US" dirty="0"/>
+              <a:t>各目标均应简明扼要，包含一个动词和一个可衡量的结果。</a:t>
+            </a:r>
           </a:p>
         </p:txBody>
       </p:sp>
     </p:spTree>
     <p:extLst>
       <p:ext uri="{BB962C8B-B14F-4D97-AF65-F5344CB8AC3E}">
-        <p14:creationId xmlns:p14="http://schemas.microsoft.com/office/powerpoint/2010/main" val="3389132344"/>
+        <p14:creationId xmlns:p14="http://schemas.microsoft.com/office/powerpoint/2010/main" val="3046085847"/>
       </p:ext>
     </p:extLst>
   </p:cSld>
@@ -6849,19 +6996,19 @@
             <a:pPr rtl="0"/>
             <a:r>
               <a:rPr lang="zh-cn" dirty="0"/>
-              <a:t>课程 3：小结</a:t>
-            </a:r>
-          </a:p>
-        </p:txBody>
-      </p:sp>
-      <p:sp>
-        <p:nvSpPr>
-          <p:cNvPr id="3" name="文本占位符 2"/>
-          <p:cNvSpPr>
-            <a:spLocks noGrp="1"/>
-          </p:cNvSpPr>
-          <p:nvPr>
-            <p:ph idx="1"/>
+              <a:t>课程 2：内容</a:t>
+            </a:r>
+          </a:p>
+        </p:txBody>
+      </p:sp>
+      <p:sp>
+        <p:nvSpPr>
+          <p:cNvPr id="4" name="文本占位符 3"/>
+          <p:cNvSpPr>
+            <a:spLocks noGrp="1"/>
+          </p:cNvSpPr>
+          <p:nvPr>
+            <p:ph sz="half" idx="1"/>
           </p:nvPr>
         </p:nvSpPr>
         <p:spPr/>
@@ -6872,22 +7019,53 @@
             <a:pPr rtl="0"/>
             <a:r>
               <a:rPr lang="zh-cn" dirty="0"/>
-              <a:t>概述要点。</a:t>
+              <a:t>在此处添加文本。 </a:t>
             </a:r>
           </a:p>
           <a:p>
             <a:pPr rtl="0"/>
             <a:r>
               <a:rPr lang="zh-cn" dirty="0"/>
-              <a:t>留出提问时间。</a:t>
-            </a:r>
+              <a:t>若要在右列中添加图片、图表或其他内容，请单击相应的图标。</a:t>
+            </a:r>
+          </a:p>
+          <a:p>
+            <a:pPr rtl="0"/>
+            <a:r>
+              <a:rPr lang="zh-cn" dirty="0"/>
+              <a:t>若要添加幻灯片，请单击“插入”菜单中的“新建幻灯片”或按 CTRL+M。</a:t>
+            </a:r>
+          </a:p>
+          <a:p>
+            <a:pPr rtl="0"/>
+            <a:endParaRPr lang="en-US" dirty="0"/>
+          </a:p>
+        </p:txBody>
+      </p:sp>
+      <p:sp>
+        <p:nvSpPr>
+          <p:cNvPr id="5" name="内容占位符 4"/>
+          <p:cNvSpPr>
+            <a:spLocks noGrp="1"/>
+          </p:cNvSpPr>
+          <p:nvPr>
+            <p:ph sz="half" idx="2"/>
+          </p:nvPr>
+        </p:nvSpPr>
+        <p:spPr/>
+        <p:txBody>
+          <a:bodyPr rtlCol="0"/>
+          <a:lstStyle/>
+          <a:p>
+            <a:pPr rtl="0"/>
+            <a:endParaRPr lang="zh-CN" altLang="en-US" dirty="0"/>
           </a:p>
         </p:txBody>
       </p:sp>
     </p:spTree>
     <p:extLst>
       <p:ext uri="{BB962C8B-B14F-4D97-AF65-F5344CB8AC3E}">
-        <p14:creationId xmlns:p14="http://schemas.microsoft.com/office/powerpoint/2010/main" val="1531528155"/>
+        <p14:creationId xmlns:p14="http://schemas.microsoft.com/office/powerpoint/2010/main" val="411993636"/>
       </p:ext>
     </p:extLst>
   </p:cSld>
@@ -6944,6 +7122,413 @@
             <a:pPr rtl="0"/>
             <a:r>
               <a:rPr lang="zh-cn" dirty="0"/>
+              <a:t>课程 2：小结</a:t>
+            </a:r>
+          </a:p>
+        </p:txBody>
+      </p:sp>
+      <p:sp>
+        <p:nvSpPr>
+          <p:cNvPr id="3" name="文本占位符 2"/>
+          <p:cNvSpPr>
+            <a:spLocks noGrp="1"/>
+          </p:cNvSpPr>
+          <p:nvPr>
+            <p:ph idx="1"/>
+          </p:nvPr>
+        </p:nvSpPr>
+        <p:spPr/>
+        <p:txBody>
+          <a:bodyPr rtlCol="0"/>
+          <a:lstStyle/>
+          <a:p>
+            <a:pPr rtl="0"/>
+            <a:r>
+              <a:rPr lang="zh-cn" dirty="0"/>
+              <a:t>概述要点。</a:t>
+            </a:r>
+          </a:p>
+          <a:p>
+            <a:pPr rtl="0"/>
+            <a:r>
+              <a:rPr lang="zh-cn" dirty="0"/>
+              <a:t>留出提问时间。</a:t>
+            </a:r>
+          </a:p>
+        </p:txBody>
+      </p:sp>
+    </p:spTree>
+    <p:extLst>
+      <p:ext uri="{BB962C8B-B14F-4D97-AF65-F5344CB8AC3E}">
+        <p14:creationId xmlns:p14="http://schemas.microsoft.com/office/powerpoint/2010/main" val="2822598965"/>
+      </p:ext>
+    </p:extLst>
+  </p:cSld>
+  <p:clrMapOvr>
+    <a:masterClrMapping/>
+  </p:clrMapOvr>
+  <mc:AlternateContent xmlns:mc="http://schemas.openxmlformats.org/markup-compatibility/2006" xmlns:p14="http://schemas.microsoft.com/office/powerpoint/2010/main">
+    <mc:Choice Requires="p14">
+      <p:transition spd="med" p14:dur="700">
+        <p:fade/>
+      </p:transition>
+    </mc:Choice>
+    <mc:Fallback xmlns="">
+      <p:transition spd="med">
+        <p:fade/>
+      </p:transition>
+    </mc:Fallback>
+  </mc:AlternateContent>
+</p:sld>
+</file>
+
+<file path=ppt/slides/slide14.xml><?xml version="1.0" encoding="utf-8"?>
+<p:sld xmlns:a="http://schemas.openxmlformats.org/drawingml/2006/main" xmlns:r="http://schemas.openxmlformats.org/officeDocument/2006/relationships" xmlns:p="http://schemas.openxmlformats.org/presentationml/2006/main">
+  <p:cSld>
+    <p:spTree>
+      <p:nvGrpSpPr>
+        <p:cNvPr id="1" name=""/>
+        <p:cNvGrpSpPr/>
+        <p:nvPr/>
+      </p:nvGrpSpPr>
+      <p:grpSpPr>
+        <a:xfrm>
+          <a:off x="0" y="0"/>
+          <a:ext cx="0" cy="0"/>
+          <a:chOff x="0" y="0"/>
+          <a:chExt cx="0" cy="0"/>
+        </a:xfrm>
+      </p:grpSpPr>
+      <p:sp>
+        <p:nvSpPr>
+          <p:cNvPr id="2" name="标题 1"/>
+          <p:cNvSpPr>
+            <a:spLocks noGrp="1"/>
+          </p:cNvSpPr>
+          <p:nvPr>
+            <p:ph type="title"/>
+          </p:nvPr>
+        </p:nvSpPr>
+        <p:spPr/>
+        <p:txBody>
+          <a:bodyPr rtlCol="0"/>
+          <a:lstStyle/>
+          <a:p>
+            <a:pPr rtl="0"/>
+            <a:r>
+              <a:rPr lang="zh-cn"/>
+              <a:t>课程 3：目标</a:t>
+            </a:r>
+          </a:p>
+        </p:txBody>
+      </p:sp>
+      <p:sp>
+        <p:nvSpPr>
+          <p:cNvPr id="3" name="内容占位符 2"/>
+          <p:cNvSpPr>
+            <a:spLocks noGrp="1"/>
+          </p:cNvSpPr>
+          <p:nvPr>
+            <p:ph idx="1"/>
+          </p:nvPr>
+        </p:nvSpPr>
+        <p:spPr/>
+        <p:txBody>
+          <a:bodyPr rtlCol="0"/>
+          <a:lstStyle/>
+          <a:p>
+            <a:pPr rtl="0"/>
+            <a:r>
+              <a:rPr lang="zh-cn" dirty="0"/>
+              <a:t>列出此培训课程的预期结果。</a:t>
+            </a:r>
+          </a:p>
+          <a:p>
+            <a:pPr rtl="0"/>
+            <a:r>
+              <a:rPr lang="zh-cn" dirty="0"/>
+              <a:t>各目标均应简明扼要，包含一个动词和一个可衡量的结果。</a:t>
+            </a:r>
+          </a:p>
+        </p:txBody>
+      </p:sp>
+    </p:spTree>
+    <p:extLst>
+      <p:ext uri="{BB962C8B-B14F-4D97-AF65-F5344CB8AC3E}">
+        <p14:creationId xmlns:p14="http://schemas.microsoft.com/office/powerpoint/2010/main" val="4155348868"/>
+      </p:ext>
+    </p:extLst>
+  </p:cSld>
+  <p:clrMapOvr>
+    <a:masterClrMapping/>
+  </p:clrMapOvr>
+  <mc:AlternateContent xmlns:mc="http://schemas.openxmlformats.org/markup-compatibility/2006" xmlns:p14="http://schemas.microsoft.com/office/powerpoint/2010/main">
+    <mc:Choice Requires="p14">
+      <p:transition spd="med" p14:dur="700">
+        <p:fade/>
+      </p:transition>
+    </mc:Choice>
+    <mc:Fallback xmlns="">
+      <p:transition spd="med">
+        <p:fade/>
+      </p:transition>
+    </mc:Fallback>
+  </mc:AlternateContent>
+</p:sld>
+</file>
+
+<file path=ppt/slides/slide15.xml><?xml version="1.0" encoding="utf-8"?>
+<p:sld xmlns:a="http://schemas.openxmlformats.org/drawingml/2006/main" xmlns:r="http://schemas.openxmlformats.org/officeDocument/2006/relationships" xmlns:p="http://schemas.openxmlformats.org/presentationml/2006/main">
+  <p:cSld>
+    <p:spTree>
+      <p:nvGrpSpPr>
+        <p:cNvPr id="1" name=""/>
+        <p:cNvGrpSpPr/>
+        <p:nvPr/>
+      </p:nvGrpSpPr>
+      <p:grpSpPr>
+        <a:xfrm>
+          <a:off x="0" y="0"/>
+          <a:ext cx="0" cy="0"/>
+          <a:chOff x="0" y="0"/>
+          <a:chExt cx="0" cy="0"/>
+        </a:xfrm>
+      </p:grpSpPr>
+      <p:sp>
+        <p:nvSpPr>
+          <p:cNvPr id="2" name="标题 1"/>
+          <p:cNvSpPr>
+            <a:spLocks noGrp="1"/>
+          </p:cNvSpPr>
+          <p:nvPr>
+            <p:ph type="title"/>
+          </p:nvPr>
+        </p:nvSpPr>
+        <p:spPr/>
+        <p:txBody>
+          <a:bodyPr rtlCol="0"/>
+          <a:lstStyle/>
+          <a:p>
+            <a:pPr rtl="0"/>
+            <a:r>
+              <a:rPr lang="zh-cn" dirty="0"/>
+              <a:t>课程 3：内容</a:t>
+            </a:r>
+          </a:p>
+        </p:txBody>
+      </p:sp>
+      <p:sp>
+        <p:nvSpPr>
+          <p:cNvPr id="4" name="文本占位符 3"/>
+          <p:cNvSpPr>
+            <a:spLocks noGrp="1"/>
+          </p:cNvSpPr>
+          <p:nvPr>
+            <p:ph sz="half" idx="1"/>
+          </p:nvPr>
+        </p:nvSpPr>
+        <p:spPr/>
+        <p:txBody>
+          <a:bodyPr rtlCol="0"/>
+          <a:lstStyle/>
+          <a:p>
+            <a:pPr rtl="0"/>
+            <a:r>
+              <a:rPr lang="zh-cn" dirty="0"/>
+              <a:t>在此处添加文本。 </a:t>
+            </a:r>
+          </a:p>
+          <a:p>
+            <a:pPr rtl="0"/>
+            <a:r>
+              <a:rPr lang="zh-cn" dirty="0"/>
+              <a:t>若要在右列中添加图片、图表或其他内容，请单击相应的图标。</a:t>
+            </a:r>
+          </a:p>
+          <a:p>
+            <a:pPr rtl="0"/>
+            <a:r>
+              <a:rPr lang="zh-cn" dirty="0"/>
+              <a:t>若要添加幻灯片，请单击“插入”菜单中的“新建幻灯片”或按 CTRL+M。</a:t>
+            </a:r>
+          </a:p>
+        </p:txBody>
+      </p:sp>
+      <p:sp>
+        <p:nvSpPr>
+          <p:cNvPr id="5" name="内容占位符 4"/>
+          <p:cNvSpPr>
+            <a:spLocks noGrp="1"/>
+          </p:cNvSpPr>
+          <p:nvPr>
+            <p:ph sz="half" idx="2"/>
+          </p:nvPr>
+        </p:nvSpPr>
+        <p:spPr/>
+        <p:txBody>
+          <a:bodyPr rtlCol="0"/>
+          <a:lstStyle/>
+          <a:p>
+            <a:pPr rtl="0"/>
+            <a:endParaRPr lang="zh-CN" altLang="en-US" dirty="0"/>
+          </a:p>
+        </p:txBody>
+      </p:sp>
+    </p:spTree>
+    <p:extLst>
+      <p:ext uri="{BB962C8B-B14F-4D97-AF65-F5344CB8AC3E}">
+        <p14:creationId xmlns:p14="http://schemas.microsoft.com/office/powerpoint/2010/main" val="3389132344"/>
+      </p:ext>
+    </p:extLst>
+  </p:cSld>
+  <p:clrMapOvr>
+    <a:masterClrMapping/>
+  </p:clrMapOvr>
+  <mc:AlternateContent xmlns:mc="http://schemas.openxmlformats.org/markup-compatibility/2006" xmlns:p14="http://schemas.microsoft.com/office/powerpoint/2010/main">
+    <mc:Choice Requires="p14">
+      <p:transition spd="med" p14:dur="700">
+        <p:fade/>
+      </p:transition>
+    </mc:Choice>
+    <mc:Fallback xmlns="">
+      <p:transition spd="med">
+        <p:fade/>
+      </p:transition>
+    </mc:Fallback>
+  </mc:AlternateContent>
+</p:sld>
+</file>
+
+<file path=ppt/slides/slide16.xml><?xml version="1.0" encoding="utf-8"?>
+<p:sld xmlns:a="http://schemas.openxmlformats.org/drawingml/2006/main" xmlns:r="http://schemas.openxmlformats.org/officeDocument/2006/relationships" xmlns:p="http://schemas.openxmlformats.org/presentationml/2006/main">
+  <p:cSld>
+    <p:spTree>
+      <p:nvGrpSpPr>
+        <p:cNvPr id="1" name=""/>
+        <p:cNvGrpSpPr/>
+        <p:nvPr/>
+      </p:nvGrpSpPr>
+      <p:grpSpPr>
+        <a:xfrm>
+          <a:off x="0" y="0"/>
+          <a:ext cx="0" cy="0"/>
+          <a:chOff x="0" y="0"/>
+          <a:chExt cx="0" cy="0"/>
+        </a:xfrm>
+      </p:grpSpPr>
+      <p:sp>
+        <p:nvSpPr>
+          <p:cNvPr id="2" name="标题 1"/>
+          <p:cNvSpPr>
+            <a:spLocks noGrp="1"/>
+          </p:cNvSpPr>
+          <p:nvPr>
+            <p:ph type="title"/>
+          </p:nvPr>
+        </p:nvSpPr>
+        <p:spPr/>
+        <p:txBody>
+          <a:bodyPr rtlCol="0"/>
+          <a:lstStyle/>
+          <a:p>
+            <a:pPr rtl="0"/>
+            <a:r>
+              <a:rPr lang="zh-cn" dirty="0"/>
+              <a:t>课程 3：小结</a:t>
+            </a:r>
+          </a:p>
+        </p:txBody>
+      </p:sp>
+      <p:sp>
+        <p:nvSpPr>
+          <p:cNvPr id="3" name="文本占位符 2"/>
+          <p:cNvSpPr>
+            <a:spLocks noGrp="1"/>
+          </p:cNvSpPr>
+          <p:nvPr>
+            <p:ph idx="1"/>
+          </p:nvPr>
+        </p:nvSpPr>
+        <p:spPr/>
+        <p:txBody>
+          <a:bodyPr rtlCol="0"/>
+          <a:lstStyle/>
+          <a:p>
+            <a:pPr rtl="0"/>
+            <a:r>
+              <a:rPr lang="zh-cn" dirty="0"/>
+              <a:t>概述要点。</a:t>
+            </a:r>
+          </a:p>
+          <a:p>
+            <a:pPr rtl="0"/>
+            <a:r>
+              <a:rPr lang="zh-cn" dirty="0"/>
+              <a:t>留出提问时间。</a:t>
+            </a:r>
+          </a:p>
+        </p:txBody>
+      </p:sp>
+    </p:spTree>
+    <p:extLst>
+      <p:ext uri="{BB962C8B-B14F-4D97-AF65-F5344CB8AC3E}">
+        <p14:creationId xmlns:p14="http://schemas.microsoft.com/office/powerpoint/2010/main" val="1531528155"/>
+      </p:ext>
+    </p:extLst>
+  </p:cSld>
+  <p:clrMapOvr>
+    <a:masterClrMapping/>
+  </p:clrMapOvr>
+  <mc:AlternateContent xmlns:mc="http://schemas.openxmlformats.org/markup-compatibility/2006" xmlns:p14="http://schemas.microsoft.com/office/powerpoint/2010/main">
+    <mc:Choice Requires="p14">
+      <p:transition spd="med" p14:dur="700">
+        <p:fade/>
+      </p:transition>
+    </mc:Choice>
+    <mc:Fallback xmlns="">
+      <p:transition spd="med">
+        <p:fade/>
+      </p:transition>
+    </mc:Fallback>
+  </mc:AlternateContent>
+</p:sld>
+</file>
+
+<file path=ppt/slides/slide17.xml><?xml version="1.0" encoding="utf-8"?>
+<p:sld xmlns:a="http://schemas.openxmlformats.org/drawingml/2006/main" xmlns:r="http://schemas.openxmlformats.org/officeDocument/2006/relationships" xmlns:p="http://schemas.openxmlformats.org/presentationml/2006/main">
+  <p:cSld>
+    <p:spTree>
+      <p:nvGrpSpPr>
+        <p:cNvPr id="1" name=""/>
+        <p:cNvGrpSpPr/>
+        <p:nvPr/>
+      </p:nvGrpSpPr>
+      <p:grpSpPr>
+        <a:xfrm>
+          <a:off x="0" y="0"/>
+          <a:ext cx="0" cy="0"/>
+          <a:chOff x="0" y="0"/>
+          <a:chExt cx="0" cy="0"/>
+        </a:xfrm>
+      </p:grpSpPr>
+      <p:sp>
+        <p:nvSpPr>
+          <p:cNvPr id="2" name="标题 1"/>
+          <p:cNvSpPr>
+            <a:spLocks noGrp="1"/>
+          </p:cNvSpPr>
+          <p:nvPr>
+            <p:ph type="title"/>
+          </p:nvPr>
+        </p:nvSpPr>
+        <p:spPr/>
+        <p:txBody>
+          <a:bodyPr rtlCol="0"/>
+          <a:lstStyle/>
+          <a:p>
+            <a:pPr rtl="0"/>
+            <a:r>
+              <a:rPr lang="zh-cn" dirty="0"/>
               <a:t>培训总结</a:t>
             </a:r>
           </a:p>
@@ -7018,7 +7603,7 @@
 </p:sld>
 </file>
 
-<file path=ppt/slides/slide14.xml><?xml version="1.0" encoding="utf-8"?>
+<file path=ppt/slides/slide18.xml><?xml version="1.0" encoding="utf-8"?>
 <p:sld xmlns:a="http://schemas.openxmlformats.org/drawingml/2006/main" xmlns:r="http://schemas.openxmlformats.org/officeDocument/2006/relationships" xmlns:p="http://schemas.openxmlformats.org/presentationml/2006/main">
   <p:cSld>
     <p:spTree>
@@ -7140,7 +7725,12 @@
             <p:ph type="title"/>
           </p:nvPr>
         </p:nvSpPr>
-        <p:spPr/>
+        <p:spPr>
+          <a:xfrm>
+            <a:off x="609600" y="777236"/>
+            <a:ext cx="10972800" cy="1066800"/>
+          </a:xfrm>
+        </p:spPr>
         <p:txBody>
           <a:bodyPr rtlCol="0"/>
           <a:lstStyle/>
@@ -7163,66 +7753,91 @@
             <p:ph idx="1"/>
           </p:nvPr>
         </p:nvSpPr>
-        <p:spPr/>
-        <p:txBody>
-          <a:bodyPr rtlCol="0"/>
-          <a:lstStyle/>
-          <a:p>
-            <a:pPr rtl="0"/>
+        <p:spPr>
+          <a:xfrm>
+            <a:off x="609600" y="1883660"/>
+            <a:ext cx="10972800" cy="4325112"/>
+          </a:xfrm>
+        </p:spPr>
+        <p:txBody>
+          <a:bodyPr wrap="square" rtlCol="0">
+            <a:noAutofit/>
+          </a:bodyPr>
+          <a:lstStyle/>
+          <a:p>
+            <a:pPr rtl="0">
+              <a:lnSpc>
+                <a:spcPct val="150000"/>
+              </a:lnSpc>
+            </a:pPr>
             <a:r>
               <a:rPr lang="zh-CN" altLang="en-US" dirty="0"/>
-              <a:t>需求分析。</a:t>
-            </a:r>
-          </a:p>
-          <a:p>
-            <a:pPr rtl="0"/>
+              <a:t>需求分析</a:t>
+            </a:r>
             <a:endParaRPr lang="en-US" altLang="zh-CN" dirty="0"/>
           </a:p>
           <a:p>
-            <a:pPr rtl="0"/>
+            <a:pPr rtl="0">
+              <a:lnSpc>
+                <a:spcPct val="150000"/>
+              </a:lnSpc>
+            </a:pPr>
             <a:r>
               <a:rPr lang="en-US" altLang="zh-CN" dirty="0"/>
-              <a:t>Python</a:t>
+              <a:t>telnet </a:t>
             </a:r>
             <a:r>
               <a:rPr lang="zh-CN" altLang="en-US" dirty="0"/>
-              <a:t> </a:t>
-            </a:r>
+              <a:t>协议</a:t>
+            </a:r>
+          </a:p>
+          <a:p>
+            <a:pPr rtl="0">
+              <a:lnSpc>
+                <a:spcPct val="150000"/>
+              </a:lnSpc>
+            </a:pPr>
+            <a:r>
+              <a:rPr lang="zh-CN" altLang="en-US" dirty="0"/>
+              <a:t>交换机命令</a:t>
+            </a:r>
+            <a:endParaRPr lang="en-US" altLang="zh-CN" dirty="0"/>
+          </a:p>
+          <a:p>
+            <a:pPr rtl="0">
+              <a:lnSpc>
+                <a:spcPct val="150000"/>
+              </a:lnSpc>
+            </a:pPr>
             <a:r>
               <a:rPr lang="en-US" altLang="zh-CN" dirty="0" err="1"/>
               <a:t>Telnetlib</a:t>
             </a:r>
             <a:r>
               <a:rPr lang="zh-CN" altLang="en-US" dirty="0"/>
-              <a:t>模块。</a:t>
-            </a:r>
-          </a:p>
-          <a:p>
-            <a:pPr rtl="0"/>
+              <a:t>模块</a:t>
+            </a:r>
             <a:endParaRPr lang="en-US" altLang="zh-CN" dirty="0"/>
           </a:p>
           <a:p>
-            <a:pPr rtl="0"/>
+            <a:pPr rtl="0">
+              <a:lnSpc>
+                <a:spcPct val="150000"/>
+              </a:lnSpc>
+            </a:pPr>
             <a:r>
               <a:rPr lang="zh-CN" altLang="en-US" dirty="0"/>
-              <a:t>读模块。</a:t>
+              <a:t>代码分析</a:t>
             </a:r>
             <a:endParaRPr lang="en-US" altLang="zh-CN" dirty="0"/>
           </a:p>
           <a:p>
-            <a:pPr rtl="0"/>
-            <a:endParaRPr lang="en-US" altLang="zh-CN" dirty="0"/>
-          </a:p>
-          <a:p>
-            <a:pPr rtl="0"/>
-            <a:r>
-              <a:rPr lang="zh-CN" altLang="en-US" dirty="0"/>
-              <a:t>写模块。</a:t>
-            </a:r>
-            <a:endParaRPr lang="en-US" altLang="zh-CN" dirty="0"/>
-          </a:p>
-          <a:p>
-            <a:pPr rtl="0"/>
+            <a:pPr marL="109728" indent="0" rtl="0">
+              <a:lnSpc>
+                <a:spcPct val="150000"/>
+              </a:lnSpc>
+              <a:buNone/>
+            </a:pPr>
             <a:endParaRPr lang="zh-CN" altLang="en-US" dirty="0"/>
           </a:p>
         </p:txBody>
@@ -7315,7 +7930,9 @@
           </a:xfrm>
         </p:spPr>
         <p:txBody>
-          <a:bodyPr rtlCol="0"/>
+          <a:bodyPr rtlCol="0">
+            <a:noAutofit/>
+          </a:bodyPr>
           <a:lstStyle/>
           <a:p>
             <a:pPr rtl="0">
@@ -7437,7 +8054,13 @@
       </p:grpSpPr>
       <p:sp>
         <p:nvSpPr>
-          <p:cNvPr id="2" name="标题 1"/>
+          <p:cNvPr id="4" name="标题 1">
+            <a:extLst>
+              <a:ext uri="{FF2B5EF4-FFF2-40B4-BE49-F238E27FC236}">
+                <a16:creationId xmlns:a16="http://schemas.microsoft.com/office/drawing/2014/main" id="{B8DCA871-6162-4470-83B9-B50F0FAEF131}"/>
+              </a:ext>
+            </a:extLst>
+          </p:cNvPr>
           <p:cNvSpPr>
             <a:spLocks noGrp="1"/>
           </p:cNvSpPr>
@@ -7457,12 +8080,12 @@
           <a:p>
             <a:pPr rtl="0"/>
             <a:r>
-              <a:rPr lang="en-US" altLang="zh-CN" dirty="0" err="1"/>
-              <a:t>Telnetlib</a:t>
+              <a:rPr lang="en-US" altLang="zh-CN" dirty="0"/>
+              <a:t>telnet</a:t>
             </a:r>
             <a:r>
               <a:rPr lang="zh-CN" altLang="en-US" dirty="0"/>
-              <a:t>模块</a:t>
+              <a:t> 协议</a:t>
             </a:r>
             <a:endParaRPr lang="zh-cn" dirty="0"/>
           </a:p>
@@ -7470,7 +8093,13 @@
       </p:sp>
       <p:sp>
         <p:nvSpPr>
-          <p:cNvPr id="3" name="内容占位符 2"/>
+          <p:cNvPr id="5" name="内容占位符 2">
+            <a:extLst>
+              <a:ext uri="{FF2B5EF4-FFF2-40B4-BE49-F238E27FC236}">
+                <a16:creationId xmlns:a16="http://schemas.microsoft.com/office/drawing/2014/main" id="{92500206-214B-46D0-BBA0-7CD600A7A414}"/>
+              </a:ext>
+            </a:extLst>
+          </p:cNvPr>
           <p:cNvSpPr>
             <a:spLocks noGrp="1"/>
           </p:cNvSpPr>
@@ -7486,7 +8115,7 @@
         </p:spPr>
         <p:txBody>
           <a:bodyPr rtlCol="0">
-            <a:normAutofit fontScale="92500" lnSpcReduction="20000"/>
+            <a:noAutofit/>
           </a:bodyPr>
           <a:lstStyle/>
           <a:p>
@@ -7496,69 +8125,30 @@
               </a:lnSpc>
             </a:pPr>
             <a:r>
-              <a:rPr lang="en-US" altLang="zh-CN" sz="2200" b="1" dirty="0"/>
-              <a:t>class </a:t>
-            </a:r>
-            <a:r>
-              <a:rPr lang="en-US" altLang="zh-CN" sz="2200" b="1" dirty="0" err="1"/>
-              <a:t>telnetlib.Telnet</a:t>
-            </a:r>
-            <a:r>
               <a:rPr lang="en-US" altLang="zh-CN" sz="2000" dirty="0"/>
-              <a:t>([host[, port[, timeout]]])</a:t>
-            </a:r>
-          </a:p>
-          <a:p>
-            <a:pPr lvl="1">
-              <a:lnSpc>
-                <a:spcPct val="150000"/>
-              </a:lnSpc>
-            </a:pPr>
-            <a:r>
-              <a:rPr lang="zh-CN" altLang="en-US" sz="1800" dirty="0"/>
-              <a:t>使用时传数</a:t>
-            </a:r>
-            <a:r>
-              <a:rPr lang="en-US" altLang="zh-CN" sz="1800" dirty="0"/>
-              <a:t>host</a:t>
-            </a:r>
-            <a:r>
-              <a:rPr lang="zh-CN" altLang="en-US" sz="1800" dirty="0"/>
-              <a:t>参数，将类实例化。</a:t>
-            </a:r>
-            <a:r>
-              <a:rPr lang="en-US" altLang="zh-CN" sz="1800" dirty="0"/>
-              <a:t>Port </a:t>
-            </a:r>
-            <a:r>
-              <a:rPr lang="zh-CN" altLang="en-US" sz="1800" dirty="0"/>
-              <a:t>是可选，默认是</a:t>
-            </a:r>
-            <a:r>
-              <a:rPr lang="en-US" altLang="zh-CN" sz="1800" dirty="0"/>
-              <a:t>22</a:t>
-            </a:r>
-            <a:r>
-              <a:rPr lang="zh-CN" altLang="en-US" sz="1800" dirty="0"/>
-              <a:t>，</a:t>
-            </a:r>
-            <a:r>
-              <a:rPr lang="en-US" altLang="zh-CN" sz="1800" dirty="0"/>
-              <a:t>timeout</a:t>
-            </a:r>
-            <a:r>
-              <a:rPr lang="zh-CN" altLang="en-US" sz="1800" dirty="0"/>
-              <a:t>是超时信息，单位秒。</a:t>
-            </a:r>
-            <a:endParaRPr lang="en-US" altLang="zh-CN" sz="1800" dirty="0"/>
-          </a:p>
-          <a:p>
-            <a:pPr lvl="1">
-              <a:lnSpc>
-                <a:spcPct val="150000"/>
-              </a:lnSpc>
-            </a:pPr>
-            <a:endParaRPr lang="en-US" altLang="zh-CN" sz="1800" dirty="0"/>
+              <a:t>Telnet</a:t>
+            </a:r>
+            <a:r>
+              <a:rPr lang="zh-CN" altLang="en-US" sz="2000" dirty="0"/>
+              <a:t>协议是</a:t>
+            </a:r>
+            <a:r>
+              <a:rPr lang="en-US" altLang="zh-CN" sz="2000" dirty="0"/>
+              <a:t>TCP/IP</a:t>
+            </a:r>
+            <a:r>
+              <a:rPr lang="zh-CN" altLang="en-US" sz="2000" dirty="0"/>
+              <a:t>协议族中的一员，是</a:t>
+            </a:r>
+            <a:r>
+              <a:rPr lang="en-US" altLang="zh-CN" sz="2000" dirty="0"/>
+              <a:t>Internet</a:t>
+            </a:r>
+            <a:r>
+              <a:rPr lang="zh-CN" altLang="en-US" sz="2000" dirty="0"/>
+              <a:t>远程登陆服务的标准协议。</a:t>
+            </a:r>
+            <a:endParaRPr lang="en-US" altLang="zh-CN" sz="2000" dirty="0"/>
           </a:p>
           <a:p>
             <a:pPr>
@@ -7567,36 +8157,10 @@
               </a:lnSpc>
             </a:pPr>
             <a:r>
-              <a:rPr lang="en-US" altLang="zh-CN" sz="2200" b="1" dirty="0" err="1"/>
-              <a:t>Telnet.read_until</a:t>
-            </a:r>
-            <a:r>
-              <a:rPr lang="en-US" altLang="zh-CN" sz="2000" dirty="0"/>
-              <a:t>(expected[, timeout])</a:t>
-            </a:r>
-          </a:p>
-          <a:p>
-            <a:pPr lvl="1">
-              <a:lnSpc>
-                <a:spcPct val="150000"/>
-              </a:lnSpc>
-            </a:pPr>
-            <a:r>
-              <a:rPr lang="zh-CN" altLang="en-US" sz="1800" dirty="0"/>
-              <a:t>当结果中存在想要的信息时返回。</a:t>
-            </a:r>
-          </a:p>
-          <a:p>
-            <a:pPr lvl="1">
-              <a:lnSpc>
-                <a:spcPct val="150000"/>
-              </a:lnSpc>
-            </a:pPr>
-            <a:r>
-              <a:rPr lang="zh-CN" altLang="en-US" sz="1800" dirty="0"/>
-              <a:t>如果找不到匹配项，则返回可用的任何项，可能为空字符串</a:t>
-            </a:r>
-            <a:endParaRPr lang="en-US" altLang="zh-CN" sz="1800" dirty="0"/>
+              <a:rPr lang="zh-CN" altLang="en-US" sz="2000" dirty="0"/>
+              <a:t>目的是提供一个相对通用的，双向的，面向八位字节的通信方法，把本地用户所使用的计算机变成远程主机系统的一个终端。</a:t>
+            </a:r>
+            <a:endParaRPr lang="en-US" altLang="zh-CN" sz="2000" dirty="0"/>
           </a:p>
           <a:p>
             <a:pPr>
@@ -7605,25 +8169,130 @@
               </a:lnSpc>
             </a:pPr>
             <a:r>
-              <a:rPr lang="en-US" altLang="zh-CN" sz="2200" b="1" dirty="0" err="1"/>
-              <a:t>Telnet.write</a:t>
-            </a:r>
-            <a:r>
-              <a:rPr lang="en-US" altLang="zh-CN" sz="2200" b="1" dirty="0"/>
-              <a:t>(buffer)</a:t>
-            </a:r>
+              <a:rPr lang="zh-CN" altLang="en-US" sz="2000" dirty="0"/>
+              <a:t>通过 </a:t>
+            </a:r>
+            <a:r>
+              <a:rPr lang="en-US" altLang="zh-CN" sz="2000" dirty="0"/>
+              <a:t>telnet </a:t>
+            </a:r>
+            <a:r>
+              <a:rPr lang="zh-CN" altLang="en-US" sz="2000" dirty="0"/>
+              <a:t>到交换机上需要的条件：</a:t>
+            </a:r>
+            <a:endParaRPr lang="en-US" altLang="zh-CN" sz="2000" dirty="0"/>
           </a:p>
           <a:p>
             <a:pPr lvl="1">
               <a:lnSpc>
                 <a:spcPct val="150000"/>
               </a:lnSpc>
+              <a:buFont typeface="Arial" panose="020B0604020202020204" pitchFamily="34" charset="0"/>
+              <a:buChar char="•"/>
             </a:pPr>
             <a:r>
-              <a:rPr lang="zh-CN" altLang="en-US" sz="1700" dirty="0"/>
-              <a:t>写入字符串给连接</a:t>
-            </a:r>
-            <a:endParaRPr lang="en-US" altLang="zh-CN" sz="1700" dirty="0"/>
+              <a:rPr lang="zh-CN" altLang="en-US" sz="1600" dirty="0"/>
+              <a:t>客户端与交换机之间的 </a:t>
+            </a:r>
+            <a:r>
+              <a:rPr lang="en-US" altLang="zh-CN" sz="1600" dirty="0" err="1"/>
+              <a:t>ip</a:t>
+            </a:r>
+            <a:r>
+              <a:rPr lang="en-US" altLang="zh-CN" sz="1600" dirty="0"/>
+              <a:t> </a:t>
+            </a:r>
+            <a:r>
+              <a:rPr lang="zh-CN" altLang="en-US" sz="1600" dirty="0"/>
+              <a:t>连接是畅通的，可以通过</a:t>
+            </a:r>
+            <a:r>
+              <a:rPr lang="en-US" altLang="zh-CN" sz="1600" dirty="0"/>
+              <a:t>ping</a:t>
+            </a:r>
+            <a:r>
+              <a:rPr lang="zh-CN" altLang="en-US" sz="1600" dirty="0"/>
+              <a:t>来检查</a:t>
+            </a:r>
+            <a:endParaRPr lang="en-US" altLang="zh-CN" sz="1600" dirty="0"/>
+          </a:p>
+          <a:p>
+            <a:pPr lvl="1">
+              <a:lnSpc>
+                <a:spcPct val="150000"/>
+              </a:lnSpc>
+              <a:buFont typeface="Arial" panose="020B0604020202020204" pitchFamily="34" charset="0"/>
+              <a:buChar char="•"/>
+            </a:pPr>
+            <a:r>
+              <a:rPr lang="zh-CN" altLang="en-US" sz="1600" dirty="0"/>
+              <a:t>本地客户端安装了</a:t>
+            </a:r>
+            <a:r>
+              <a:rPr lang="en-US" altLang="zh-CN" sz="1600" dirty="0"/>
+              <a:t>telnet</a:t>
+            </a:r>
+            <a:r>
+              <a:rPr lang="zh-CN" altLang="en-US" sz="1600" dirty="0"/>
+              <a:t>客户端，且防火墙是允许通过的。</a:t>
+            </a:r>
+            <a:endParaRPr lang="en-US" altLang="zh-CN" sz="1600" dirty="0"/>
+          </a:p>
+          <a:p>
+            <a:pPr lvl="1">
+              <a:lnSpc>
+                <a:spcPct val="150000"/>
+              </a:lnSpc>
+              <a:buFont typeface="Arial" panose="020B0604020202020204" pitchFamily="34" charset="0"/>
+              <a:buChar char="•"/>
+            </a:pPr>
+            <a:r>
+              <a:rPr lang="zh-CN" altLang="en-US" sz="1600" dirty="0"/>
+              <a:t>交换机开通了</a:t>
+            </a:r>
+            <a:r>
+              <a:rPr lang="en-US" altLang="zh-CN" sz="1600" dirty="0"/>
+              <a:t>telnet</a:t>
+            </a:r>
+            <a:r>
+              <a:rPr lang="zh-CN" altLang="en-US" sz="1600" dirty="0"/>
+              <a:t>服务。</a:t>
+            </a:r>
+            <a:endParaRPr lang="en-US" altLang="zh-CN" sz="1600" dirty="0"/>
+          </a:p>
+          <a:p>
+            <a:pPr lvl="1">
+              <a:lnSpc>
+                <a:spcPct val="150000"/>
+              </a:lnSpc>
+              <a:buFont typeface="Arial" panose="020B0604020202020204" pitchFamily="34" charset="0"/>
+              <a:buChar char="•"/>
+            </a:pPr>
+            <a:r>
+              <a:rPr lang="zh-CN" altLang="en-US" sz="1600" dirty="0"/>
+              <a:t>交换机的 </a:t>
+            </a:r>
+            <a:r>
+              <a:rPr lang="en-US" altLang="zh-CN" sz="1600" dirty="0" err="1"/>
+              <a:t>ip</a:t>
+            </a:r>
+            <a:r>
+              <a:rPr lang="en-US" altLang="zh-CN" sz="1600" dirty="0"/>
+              <a:t> </a:t>
+            </a:r>
+            <a:r>
+              <a:rPr lang="zh-CN" altLang="en-US" sz="1600" dirty="0"/>
+              <a:t>地址和端口号（一般默认是</a:t>
+            </a:r>
+            <a:r>
+              <a:rPr lang="en-US" altLang="zh-CN" sz="1600" dirty="0"/>
+              <a:t>22</a:t>
+            </a:r>
+            <a:r>
+              <a:rPr lang="zh-CN" altLang="en-US" sz="1600" dirty="0"/>
+              <a:t>）、账号密码等信息</a:t>
+            </a:r>
+            <a:endParaRPr lang="en-US" altLang="zh-CN" sz="1600" dirty="0"/>
           </a:p>
           <a:p>
             <a:pPr>
@@ -7632,43 +8301,55 @@
               </a:lnSpc>
             </a:pPr>
             <a:r>
-              <a:rPr lang="zh-CN" altLang="en-US" sz="2400" dirty="0"/>
-              <a:t>方案一：查询配置，并读取查询到的信息</a:t>
-            </a:r>
-            <a:endParaRPr lang="en-US" altLang="zh-CN" sz="2400" dirty="0"/>
-          </a:p>
-          <a:p>
-            <a:pPr lvl="1">
-              <a:lnSpc>
-                <a:spcPct val="150000"/>
-              </a:lnSpc>
-            </a:pPr>
-            <a:r>
-              <a:rPr lang="zh-CN" altLang="en-US" sz="2400" dirty="0"/>
-              <a:t>方案二：直接保存配置，然后上传到</a:t>
-            </a:r>
-            <a:r>
-              <a:rPr lang="en-US" altLang="zh-CN" sz="2400" dirty="0" err="1"/>
-              <a:t>tftp</a:t>
-            </a:r>
-            <a:r>
-              <a:rPr lang="zh-CN" altLang="en-US" sz="2400" dirty="0"/>
-              <a:t>服务器</a:t>
-            </a:r>
-            <a:endParaRPr lang="zh-cn" altLang="en-US" sz="2400" dirty="0"/>
-          </a:p>
-          <a:p>
-            <a:pPr marL="109728" indent="0" rtl="0">
-              <a:buNone/>
-            </a:pPr>
-            <a:endParaRPr lang="zh-cn" dirty="0"/>
-          </a:p>
-        </p:txBody>
-      </p:sp>
+              <a:rPr lang="zh-CN" altLang="en-US" sz="2000" dirty="0"/>
+              <a:t>满足了以上几个条件后，就可以在本地</a:t>
+            </a:r>
+            <a:r>
+              <a:rPr lang="en-US" altLang="zh-CN" sz="2000" dirty="0"/>
+              <a:t>telnet</a:t>
+            </a:r>
+            <a:r>
+              <a:rPr lang="zh-CN" altLang="en-US" sz="2000" dirty="0"/>
+              <a:t>到交换机上。</a:t>
+            </a:r>
+            <a:endParaRPr lang="en-US" altLang="zh-CN" sz="2000" dirty="0"/>
+          </a:p>
+        </p:txBody>
+      </p:sp>
+      <p:pic>
+        <p:nvPicPr>
+          <p:cNvPr id="6" name="图片 5">
+            <a:extLst>
+              <a:ext uri="{FF2B5EF4-FFF2-40B4-BE49-F238E27FC236}">
+                <a16:creationId xmlns:a16="http://schemas.microsoft.com/office/drawing/2014/main" id="{17B48D50-131B-4908-AFF4-7CB1E2A331E6}"/>
+              </a:ext>
+            </a:extLst>
+          </p:cNvPr>
+          <p:cNvPicPr>
+            <a:picLocks noChangeAspect="1"/>
+          </p:cNvPicPr>
+          <p:nvPr/>
+        </p:nvPicPr>
+        <p:blipFill>
+          <a:blip r:embed="rId2"/>
+          <a:stretch>
+            <a:fillRect/>
+          </a:stretch>
+        </p:blipFill>
+        <p:spPr>
+          <a:xfrm>
+            <a:off x="7791179" y="3024051"/>
+            <a:ext cx="3895725" cy="2743200"/>
+          </a:xfrm>
+          <a:prstGeom prst="rect">
+            <a:avLst/>
+          </a:prstGeom>
+        </p:spPr>
+      </p:pic>
     </p:spTree>
     <p:extLst>
       <p:ext uri="{BB962C8B-B14F-4D97-AF65-F5344CB8AC3E}">
-        <p14:creationId xmlns:p14="http://schemas.microsoft.com/office/powerpoint/2010/main" val="3222955341"/>
+        <p14:creationId xmlns:p14="http://schemas.microsoft.com/office/powerpoint/2010/main" val="1003256664"/>
       </p:ext>
     </p:extLst>
   </p:cSld>
@@ -7709,7 +8390,13 @@
       </p:grpSpPr>
       <p:sp>
         <p:nvSpPr>
-          <p:cNvPr id="9" name="标题 8"/>
+          <p:cNvPr id="4" name="标题 1">
+            <a:extLst>
+              <a:ext uri="{FF2B5EF4-FFF2-40B4-BE49-F238E27FC236}">
+                <a16:creationId xmlns:a16="http://schemas.microsoft.com/office/drawing/2014/main" id="{B8DCA871-6162-4470-83B9-B50F0FAEF131}"/>
+              </a:ext>
+            </a:extLst>
+          </p:cNvPr>
           <p:cNvSpPr>
             <a:spLocks noGrp="1"/>
           </p:cNvSpPr>
@@ -7717,7 +8404,12 @@
             <p:ph type="title"/>
           </p:nvPr>
         </p:nvSpPr>
-        <p:spPr/>
+        <p:spPr>
+          <a:xfrm>
+            <a:off x="191588" y="646612"/>
+            <a:ext cx="10972800" cy="1066800"/>
+          </a:xfrm>
+        </p:spPr>
         <p:txBody>
           <a:bodyPr rtlCol="0"/>
           <a:lstStyle/>
@@ -7725,88 +8417,357 @@
             <a:pPr rtl="0"/>
             <a:r>
               <a:rPr lang="zh-CN" altLang="en-US" dirty="0"/>
-              <a:t>课程 </a:t>
-            </a:r>
-            <a:r>
-              <a:rPr lang="en-US" altLang="zh-CN" dirty="0"/>
-              <a:t>1</a:t>
-            </a:r>
-            <a:r>
-              <a:rPr lang="zh-CN" altLang="en-US" dirty="0"/>
-              <a:t>：内容</a:t>
-            </a:r>
-          </a:p>
-        </p:txBody>
-      </p:sp>
-      <p:sp>
-        <p:nvSpPr>
-          <p:cNvPr id="6" name="文本占位符 5"/>
-          <p:cNvSpPr>
-            <a:spLocks noGrp="1"/>
-          </p:cNvSpPr>
-          <p:nvPr>
-            <p:ph sz="half" idx="1"/>
-          </p:nvPr>
-        </p:nvSpPr>
-        <p:spPr/>
-        <p:txBody>
-          <a:bodyPr rtlCol="0"/>
-          <a:lstStyle/>
-          <a:p>
-            <a:pPr rtl="0"/>
-            <a:r>
-              <a:rPr lang="zh-CN" altLang="en-US" dirty="0"/>
-              <a:t>在此处添加文本。 </a:t>
-            </a:r>
-          </a:p>
-          <a:p>
-            <a:pPr rtl="0"/>
-            <a:r>
-              <a:rPr lang="zh-CN" altLang="en-US" dirty="0"/>
-              <a:t>若要在右列中添加图片、图表或其他内容，请单击相应的图标。</a:t>
-            </a:r>
-          </a:p>
-          <a:p>
-            <a:pPr rtl="0"/>
-            <a:r>
-              <a:rPr lang="zh-CN" altLang="en-US" dirty="0"/>
-              <a:t>若要添加幻灯片，请单击“插入”菜单中的“新建幻灯片”或按 </a:t>
-            </a:r>
-            <a:r>
-              <a:rPr lang="en-US" altLang="zh-CN" dirty="0"/>
-              <a:t>CTRL+M</a:t>
-            </a:r>
-            <a:r>
-              <a:rPr lang="zh-CN" altLang="en-US" dirty="0"/>
-              <a:t>。</a:t>
-            </a:r>
-          </a:p>
-        </p:txBody>
-      </p:sp>
-      <p:sp>
-        <p:nvSpPr>
-          <p:cNvPr id="3" name="内容占位符 2"/>
-          <p:cNvSpPr>
-            <a:spLocks noGrp="1"/>
-          </p:cNvSpPr>
-          <p:nvPr>
-            <p:ph sz="half" idx="2"/>
-          </p:nvPr>
-        </p:nvSpPr>
-        <p:spPr/>
-        <p:txBody>
-          <a:bodyPr rtlCol="0"/>
-          <a:lstStyle/>
-          <a:p>
-            <a:pPr rtl="0"/>
-            <a:endParaRPr lang="zh-CN" altLang="en-US" dirty="0"/>
-          </a:p>
-        </p:txBody>
-      </p:sp>
+              <a:t>交换机命令</a:t>
+            </a:r>
+            <a:endParaRPr lang="zh-cn" dirty="0"/>
+          </a:p>
+        </p:txBody>
+      </p:sp>
+      <p:sp>
+        <p:nvSpPr>
+          <p:cNvPr id="5" name="内容占位符 2">
+            <a:extLst>
+              <a:ext uri="{FF2B5EF4-FFF2-40B4-BE49-F238E27FC236}">
+                <a16:creationId xmlns:a16="http://schemas.microsoft.com/office/drawing/2014/main" id="{92500206-214B-46D0-BBA0-7CD600A7A414}"/>
+              </a:ext>
+            </a:extLst>
+          </p:cNvPr>
+          <p:cNvSpPr>
+            <a:spLocks noGrp="1"/>
+          </p:cNvSpPr>
+          <p:nvPr>
+            <p:ph idx="1"/>
+          </p:nvPr>
+        </p:nvSpPr>
+        <p:spPr>
+          <a:xfrm>
+            <a:off x="478972" y="1713411"/>
+            <a:ext cx="10972800" cy="4497977"/>
+          </a:xfrm>
+        </p:spPr>
+        <p:txBody>
+          <a:bodyPr rtlCol="0">
+            <a:noAutofit/>
+          </a:bodyPr>
+          <a:lstStyle/>
+          <a:p>
+            <a:pPr>
+              <a:lnSpc>
+                <a:spcPct val="150000"/>
+              </a:lnSpc>
+            </a:pPr>
+            <a:r>
+              <a:rPr lang="en-US" altLang="zh-CN" sz="2000" dirty="0"/>
+              <a:t>Display current-configuration </a:t>
+            </a:r>
+            <a:r>
+              <a:rPr lang="zh-CN" altLang="en-US" sz="2000" dirty="0"/>
+              <a:t>查询当前配置信息。按空格键翻页。</a:t>
+            </a:r>
+            <a:endParaRPr lang="en-US" altLang="zh-CN" sz="2000" dirty="0"/>
+          </a:p>
+          <a:p>
+            <a:pPr marL="109728" indent="0">
+              <a:lnSpc>
+                <a:spcPct val="150000"/>
+              </a:lnSpc>
+              <a:buNone/>
+            </a:pPr>
+            <a:endParaRPr lang="en-US" altLang="zh-CN" sz="2000" dirty="0"/>
+          </a:p>
+          <a:p>
+            <a:pPr>
+              <a:lnSpc>
+                <a:spcPct val="150000"/>
+              </a:lnSpc>
+            </a:pPr>
+            <a:r>
+              <a:rPr lang="en-US" altLang="zh-CN" sz="2000" dirty="0"/>
+              <a:t>Save</a:t>
+            </a:r>
+            <a:r>
+              <a:rPr lang="zh-CN" altLang="en-US" sz="2000" dirty="0"/>
+              <a:t> </a:t>
+            </a:r>
+            <a:r>
+              <a:rPr lang="en-US" altLang="zh-CN" sz="2000" dirty="0"/>
+              <a:t>[</a:t>
+            </a:r>
+            <a:r>
+              <a:rPr lang="zh-CN" altLang="en-US" sz="2000" dirty="0"/>
+              <a:t>文件名</a:t>
+            </a:r>
+            <a:r>
+              <a:rPr lang="en-US" altLang="zh-CN" sz="2000" dirty="0"/>
+              <a:t>(*.</a:t>
+            </a:r>
+            <a:r>
+              <a:rPr lang="en-US" altLang="zh-CN" sz="2000" dirty="0" err="1"/>
+              <a:t>cfg</a:t>
+            </a:r>
+            <a:r>
+              <a:rPr lang="en-US" altLang="zh-CN" sz="2000" dirty="0"/>
+              <a:t>)] </a:t>
+            </a:r>
+            <a:r>
+              <a:rPr lang="zh-CN" altLang="en-US" sz="2000" dirty="0"/>
+              <a:t>保存当前的配置信息到交换机的存储上。</a:t>
+            </a:r>
+            <a:endParaRPr lang="en-US" altLang="zh-CN" sz="2000" dirty="0"/>
+          </a:p>
+          <a:p>
+            <a:pPr lvl="1">
+              <a:lnSpc>
+                <a:spcPct val="150000"/>
+              </a:lnSpc>
+            </a:pPr>
+            <a:r>
+              <a:rPr lang="zh-CN" altLang="en-US" sz="1800" dirty="0"/>
+              <a:t>文件名可选。成功后提示</a:t>
+            </a:r>
+            <a:r>
+              <a:rPr lang="en-US" altLang="zh-CN" sz="1800" dirty="0"/>
+              <a:t>successfully</a:t>
+            </a:r>
+          </a:p>
+          <a:p>
+            <a:pPr lvl="1">
+              <a:lnSpc>
+                <a:spcPct val="150000"/>
+              </a:lnSpc>
+            </a:pPr>
+            <a:r>
+              <a:rPr lang="zh-CN" altLang="en-US" sz="1800" dirty="0"/>
+              <a:t>示例：</a:t>
+            </a:r>
+            <a:r>
+              <a:rPr lang="en-US" altLang="zh-CN" sz="1800" dirty="0"/>
+              <a:t>save </a:t>
+            </a:r>
+            <a:r>
+              <a:rPr lang="en-US" altLang="zh-CN" sz="1800" dirty="0" err="1"/>
+              <a:t>wyc.cfg</a:t>
+            </a:r>
+            <a:endParaRPr lang="en-US" altLang="zh-CN" sz="1800" dirty="0"/>
+          </a:p>
+          <a:p>
+            <a:pPr>
+              <a:lnSpc>
+                <a:spcPct val="150000"/>
+              </a:lnSpc>
+            </a:pPr>
+            <a:r>
+              <a:rPr lang="en-US" altLang="zh-CN" sz="2000" dirty="0" err="1"/>
+              <a:t>Tftp</a:t>
+            </a:r>
+            <a:r>
+              <a:rPr lang="en-US" altLang="zh-CN" sz="2000" dirty="0"/>
+              <a:t> host put </a:t>
+            </a:r>
+            <a:r>
+              <a:rPr lang="en-US" altLang="zh-CN" sz="2000" dirty="0" err="1"/>
+              <a:t>localfile</a:t>
+            </a:r>
+            <a:r>
+              <a:rPr lang="en-US" altLang="zh-CN" sz="2000" dirty="0"/>
+              <a:t> [</a:t>
+            </a:r>
+            <a:r>
+              <a:rPr lang="en-US" altLang="zh-CN" sz="2000" dirty="0" err="1"/>
+              <a:t>remotefile</a:t>
+            </a:r>
+            <a:r>
+              <a:rPr lang="en-US" altLang="zh-CN" sz="2000" dirty="0"/>
+              <a:t>]  </a:t>
+            </a:r>
+            <a:r>
+              <a:rPr lang="zh-CN" altLang="en-US" sz="2000" dirty="0"/>
+              <a:t>上传命令。其中</a:t>
+            </a:r>
+            <a:r>
+              <a:rPr lang="en-US" altLang="zh-CN" sz="2000" dirty="0"/>
+              <a:t>host </a:t>
+            </a:r>
+            <a:r>
+              <a:rPr lang="zh-CN" altLang="en-US" sz="2000" dirty="0"/>
+              <a:t>是要上传的</a:t>
+            </a:r>
+            <a:r>
+              <a:rPr lang="en-US" altLang="zh-CN" sz="2000" dirty="0" err="1"/>
+              <a:t>tft</a:t>
+            </a:r>
+            <a:r>
+              <a:rPr lang="zh-CN" altLang="en-US" sz="2000" dirty="0"/>
+              <a:t>服务器地址，</a:t>
+            </a:r>
+            <a:r>
+              <a:rPr lang="en-US" altLang="zh-CN" sz="2000" dirty="0" err="1"/>
+              <a:t>localfile</a:t>
+            </a:r>
+            <a:r>
+              <a:rPr lang="en-US" altLang="zh-CN" sz="2000" dirty="0"/>
+              <a:t> </a:t>
+            </a:r>
+            <a:r>
+              <a:rPr lang="zh-CN" altLang="en-US" sz="2000" dirty="0"/>
+              <a:t>是交换机上要上传的文件，</a:t>
+            </a:r>
+            <a:r>
+              <a:rPr lang="en-US" altLang="zh-CN" sz="2000" dirty="0" err="1"/>
+              <a:t>remotefile</a:t>
+            </a:r>
+            <a:r>
+              <a:rPr lang="zh-CN" altLang="en-US" sz="2000" dirty="0"/>
+              <a:t>是远程服务器文件名，可选的。</a:t>
+            </a:r>
+            <a:endParaRPr lang="en-US" altLang="zh-CN" sz="2000" dirty="0"/>
+          </a:p>
+          <a:p>
+            <a:pPr lvl="1">
+              <a:lnSpc>
+                <a:spcPct val="160000"/>
+              </a:lnSpc>
+            </a:pPr>
+            <a:r>
+              <a:rPr lang="zh-CN" altLang="en-US" sz="1800" dirty="0"/>
+              <a:t>示例：</a:t>
+            </a:r>
+            <a:r>
+              <a:rPr lang="en-US" altLang="zh-CN" sz="1800" dirty="0" err="1"/>
+              <a:t>tftp</a:t>
+            </a:r>
+            <a:r>
+              <a:rPr lang="en-US" altLang="zh-CN" sz="1800" dirty="0"/>
+              <a:t> 10.100.3.100 put </a:t>
+            </a:r>
+            <a:r>
+              <a:rPr lang="en-US" altLang="zh-CN" sz="1800" dirty="0" err="1"/>
+              <a:t>wyc.cfg</a:t>
+            </a:r>
+            <a:r>
+              <a:rPr lang="en-US" altLang="zh-CN" sz="1800" dirty="0"/>
+              <a:t> 10.100.3.6-0311.cfg</a:t>
+            </a:r>
+          </a:p>
+          <a:p>
+            <a:pPr lvl="1">
+              <a:lnSpc>
+                <a:spcPct val="160000"/>
+              </a:lnSpc>
+            </a:pPr>
+            <a:r>
+              <a:rPr lang="zh-CN" altLang="en-US" sz="2000" dirty="0"/>
+              <a:t>成功后提示</a:t>
+            </a:r>
+            <a:r>
+              <a:rPr lang="en-US" altLang="zh-CN" sz="2000" dirty="0"/>
+              <a:t>successfully</a:t>
+            </a:r>
+          </a:p>
+          <a:p>
+            <a:pPr>
+              <a:lnSpc>
+                <a:spcPct val="150000"/>
+              </a:lnSpc>
+            </a:pPr>
+            <a:endParaRPr lang="en-US" altLang="zh-CN" sz="2000" dirty="0"/>
+          </a:p>
+        </p:txBody>
+      </p:sp>
+      <p:pic>
+        <p:nvPicPr>
+          <p:cNvPr id="3" name="图片 2">
+            <a:extLst>
+              <a:ext uri="{FF2B5EF4-FFF2-40B4-BE49-F238E27FC236}">
+                <a16:creationId xmlns:a16="http://schemas.microsoft.com/office/drawing/2014/main" id="{8C47AAC3-9D9C-4DA5-93C1-D949C1D90693}"/>
+              </a:ext>
+            </a:extLst>
+          </p:cNvPr>
+          <p:cNvPicPr>
+            <a:picLocks noChangeAspect="1"/>
+          </p:cNvPicPr>
+          <p:nvPr/>
+        </p:nvPicPr>
+        <p:blipFill>
+          <a:blip r:embed="rId2"/>
+          <a:stretch>
+            <a:fillRect/>
+          </a:stretch>
+        </p:blipFill>
+        <p:spPr>
+          <a:xfrm>
+            <a:off x="6435906" y="3239171"/>
+            <a:ext cx="5015866" cy="896282"/>
+          </a:xfrm>
+          <a:prstGeom prst="rect">
+            <a:avLst/>
+          </a:prstGeom>
+        </p:spPr>
+      </p:pic>
+      <p:pic>
+        <p:nvPicPr>
+          <p:cNvPr id="8" name="图片 7">
+            <a:extLst>
+              <a:ext uri="{FF2B5EF4-FFF2-40B4-BE49-F238E27FC236}">
+                <a16:creationId xmlns:a16="http://schemas.microsoft.com/office/drawing/2014/main" id="{D777AAE3-AFA7-41F6-AB6B-30F4AB3CB780}"/>
+              </a:ext>
+            </a:extLst>
+          </p:cNvPr>
+          <p:cNvPicPr>
+            <a:picLocks noChangeAspect="1"/>
+          </p:cNvPicPr>
+          <p:nvPr/>
+        </p:nvPicPr>
+        <p:blipFill>
+          <a:blip r:embed="rId3"/>
+          <a:stretch>
+            <a:fillRect/>
+          </a:stretch>
+        </p:blipFill>
+        <p:spPr>
+          <a:xfrm>
+            <a:off x="6435906" y="5634037"/>
+            <a:ext cx="4210050" cy="752475"/>
+          </a:xfrm>
+          <a:prstGeom prst="rect">
+            <a:avLst/>
+          </a:prstGeom>
+        </p:spPr>
+      </p:pic>
+      <p:pic>
+        <p:nvPicPr>
+          <p:cNvPr id="9" name="图片 8">
+            <a:extLst>
+              <a:ext uri="{FF2B5EF4-FFF2-40B4-BE49-F238E27FC236}">
+                <a16:creationId xmlns:a16="http://schemas.microsoft.com/office/drawing/2014/main" id="{7564A62A-4A57-4B21-8656-63E462792658}"/>
+              </a:ext>
+            </a:extLst>
+          </p:cNvPr>
+          <p:cNvPicPr>
+            <a:picLocks noChangeAspect="1"/>
+          </p:cNvPicPr>
+          <p:nvPr/>
+        </p:nvPicPr>
+        <p:blipFill>
+          <a:blip r:embed="rId4"/>
+          <a:stretch>
+            <a:fillRect/>
+          </a:stretch>
+        </p:blipFill>
+        <p:spPr>
+          <a:xfrm>
+            <a:off x="7861295" y="2204493"/>
+            <a:ext cx="2914650" cy="733425"/>
+          </a:xfrm>
+          <a:prstGeom prst="rect">
+            <a:avLst/>
+          </a:prstGeom>
+        </p:spPr>
+      </p:pic>
     </p:spTree>
     <p:extLst>
       <p:ext uri="{BB962C8B-B14F-4D97-AF65-F5344CB8AC3E}">
-        <p14:creationId xmlns:p14="http://schemas.microsoft.com/office/powerpoint/2010/main" val="4237039325"/>
+        <p14:creationId xmlns:p14="http://schemas.microsoft.com/office/powerpoint/2010/main" val="458315580"/>
       </p:ext>
     </p:extLst>
   </p:cSld>
@@ -7855,16 +8816,26 @@
             <p:ph type="title"/>
           </p:nvPr>
         </p:nvSpPr>
-        <p:spPr/>
+        <p:spPr>
+          <a:xfrm>
+            <a:off x="191588" y="646612"/>
+            <a:ext cx="10972800" cy="1066800"/>
+          </a:xfrm>
+        </p:spPr>
         <p:txBody>
           <a:bodyPr rtlCol="0"/>
           <a:lstStyle/>
           <a:p>
             <a:pPr rtl="0"/>
             <a:r>
-              <a:rPr lang="zh-cn" dirty="0"/>
-              <a:t>课程 1：小结</a:t>
-            </a:r>
+              <a:rPr lang="en-US" altLang="zh-CN" dirty="0" err="1"/>
+              <a:t>Telnetlib</a:t>
+            </a:r>
+            <a:r>
+              <a:rPr lang="zh-CN" altLang="en-US" dirty="0"/>
+              <a:t>模块</a:t>
+            </a:r>
+            <a:endParaRPr lang="zh-cn" dirty="0"/>
           </a:p>
         </p:txBody>
       </p:sp>
@@ -7878,30 +8849,198 @@
             <p:ph idx="1"/>
           </p:nvPr>
         </p:nvSpPr>
-        <p:spPr/>
-        <p:txBody>
-          <a:bodyPr rtlCol="0"/>
-          <a:lstStyle/>
-          <a:p>
-            <a:pPr rtl="0"/>
-            <a:r>
-              <a:rPr lang="zh-cn" dirty="0"/>
-              <a:t>概述要点。</a:t>
-            </a:r>
-          </a:p>
-          <a:p>
-            <a:pPr rtl="0"/>
-            <a:r>
-              <a:rPr lang="zh-cn" dirty="0"/>
-              <a:t>留出提问时间。</a:t>
-            </a:r>
+        <p:spPr>
+          <a:xfrm>
+            <a:off x="452846" y="1713412"/>
+            <a:ext cx="10972800" cy="4325112"/>
+          </a:xfrm>
+        </p:spPr>
+        <p:txBody>
+          <a:bodyPr rtlCol="0">
+            <a:noAutofit/>
+          </a:bodyPr>
+          <a:lstStyle/>
+          <a:p>
+            <a:pPr>
+              <a:lnSpc>
+                <a:spcPct val="150000"/>
+              </a:lnSpc>
+            </a:pPr>
+            <a:r>
+              <a:rPr lang="en-US" altLang="zh-CN" sz="2200" b="1" dirty="0"/>
+              <a:t>class </a:t>
+            </a:r>
+            <a:r>
+              <a:rPr lang="en-US" altLang="zh-CN" sz="2200" b="1" dirty="0" err="1"/>
+              <a:t>telnetlib.Telnet</a:t>
+            </a:r>
+            <a:r>
+              <a:rPr lang="en-US" altLang="zh-CN" sz="2000" dirty="0"/>
+              <a:t>([host[, port[, timeout]]])</a:t>
+            </a:r>
+          </a:p>
+          <a:p>
+            <a:pPr lvl="1">
+              <a:lnSpc>
+                <a:spcPct val="150000"/>
+              </a:lnSpc>
+            </a:pPr>
+            <a:r>
+              <a:rPr lang="zh-CN" altLang="en-US" sz="1800" dirty="0"/>
+              <a:t>使用时传数</a:t>
+            </a:r>
+            <a:r>
+              <a:rPr lang="en-US" altLang="zh-CN" sz="1800" dirty="0"/>
+              <a:t>host</a:t>
+            </a:r>
+            <a:r>
+              <a:rPr lang="zh-CN" altLang="en-US" sz="1800" dirty="0"/>
+              <a:t>参数，将类实例化。</a:t>
+            </a:r>
+            <a:r>
+              <a:rPr lang="en-US" altLang="zh-CN" sz="1800" dirty="0"/>
+              <a:t>Port </a:t>
+            </a:r>
+            <a:r>
+              <a:rPr lang="zh-CN" altLang="en-US" sz="1800" dirty="0"/>
+              <a:t>是可选，默认是</a:t>
+            </a:r>
+            <a:r>
+              <a:rPr lang="en-US" altLang="zh-CN" sz="1800" dirty="0"/>
+              <a:t>22</a:t>
+            </a:r>
+            <a:r>
+              <a:rPr lang="zh-CN" altLang="en-US" sz="1800" dirty="0"/>
+              <a:t>，</a:t>
+            </a:r>
+            <a:r>
+              <a:rPr lang="en-US" altLang="zh-CN" sz="1800" dirty="0"/>
+              <a:t>timeout</a:t>
+            </a:r>
+            <a:r>
+              <a:rPr lang="zh-CN" altLang="en-US" sz="1800" dirty="0"/>
+              <a:t>是超时信息，单位秒。</a:t>
+            </a:r>
+            <a:endParaRPr lang="en-US" altLang="zh-CN" sz="1800" dirty="0"/>
+          </a:p>
+          <a:p>
+            <a:pPr lvl="1">
+              <a:lnSpc>
+                <a:spcPct val="150000"/>
+              </a:lnSpc>
+            </a:pPr>
+            <a:r>
+              <a:rPr lang="zh-CN" altLang="en-US" sz="1800" dirty="0"/>
+              <a:t>注：是一个类似</a:t>
+            </a:r>
+            <a:r>
+              <a:rPr lang="en-US" altLang="zh-CN" sz="1800" dirty="0"/>
+              <a:t>telnet</a:t>
+            </a:r>
+            <a:r>
+              <a:rPr lang="zh-CN" altLang="en-US" sz="1800" dirty="0"/>
+              <a:t>客户端的模块</a:t>
+            </a:r>
+            <a:endParaRPr lang="en-US" altLang="zh-CN" sz="1800" dirty="0"/>
+          </a:p>
+          <a:p>
+            <a:pPr>
+              <a:lnSpc>
+                <a:spcPct val="150000"/>
+              </a:lnSpc>
+            </a:pPr>
+            <a:r>
+              <a:rPr lang="en-US" altLang="zh-CN" sz="2200" b="1" dirty="0" err="1"/>
+              <a:t>Telnet.read_until</a:t>
+            </a:r>
+            <a:r>
+              <a:rPr lang="en-US" altLang="zh-CN" sz="2000" dirty="0"/>
+              <a:t>(expected[, timeout])</a:t>
+            </a:r>
+          </a:p>
+          <a:p>
+            <a:pPr lvl="1">
+              <a:lnSpc>
+                <a:spcPct val="150000"/>
+              </a:lnSpc>
+            </a:pPr>
+            <a:r>
+              <a:rPr lang="zh-CN" altLang="en-US" sz="1800" dirty="0"/>
+              <a:t>当结果中存在想要的信息时返回。如果找不到匹配项，则返回可用的任何项，可能为空字符串</a:t>
+            </a:r>
+            <a:endParaRPr lang="en-US" altLang="zh-CN" sz="1800" dirty="0"/>
+          </a:p>
+          <a:p>
+            <a:pPr lvl="1">
+              <a:lnSpc>
+                <a:spcPct val="150000"/>
+              </a:lnSpc>
+            </a:pPr>
+            <a:r>
+              <a:rPr lang="zh-CN" altLang="en-US" sz="1800" dirty="0"/>
+              <a:t>注：</a:t>
+            </a:r>
+            <a:r>
+              <a:rPr lang="zh-CN" altLang="en-US" sz="1800" b="1" dirty="0"/>
+              <a:t>主要用来获取交换机的反馈信息</a:t>
+            </a:r>
+            <a:endParaRPr lang="en-US" altLang="zh-CN" sz="1800" b="1" dirty="0"/>
+          </a:p>
+          <a:p>
+            <a:pPr>
+              <a:lnSpc>
+                <a:spcPct val="150000"/>
+              </a:lnSpc>
+            </a:pPr>
+            <a:r>
+              <a:rPr lang="en-US" altLang="zh-CN" sz="2200" b="1" dirty="0" err="1"/>
+              <a:t>Telnet.write</a:t>
+            </a:r>
+            <a:r>
+              <a:rPr lang="en-US" altLang="zh-CN" sz="2200" b="1" dirty="0"/>
+              <a:t>(buffer)</a:t>
+            </a:r>
+          </a:p>
+          <a:p>
+            <a:pPr lvl="1">
+              <a:lnSpc>
+                <a:spcPct val="150000"/>
+              </a:lnSpc>
+            </a:pPr>
+            <a:r>
+              <a:rPr lang="zh-CN" altLang="en-US" sz="1700" dirty="0"/>
+              <a:t>写入字符串给连接</a:t>
+            </a:r>
+            <a:endParaRPr lang="en-US" altLang="zh-CN" sz="1700" dirty="0"/>
+          </a:p>
+          <a:p>
+            <a:pPr lvl="1">
+              <a:lnSpc>
+                <a:spcPct val="150000"/>
+              </a:lnSpc>
+            </a:pPr>
+            <a:r>
+              <a:rPr lang="zh-CN" altLang="en-US" sz="1700" dirty="0"/>
+              <a:t>注：</a:t>
+            </a:r>
+            <a:r>
+              <a:rPr lang="zh-CN" altLang="en-US" sz="1700" b="1" dirty="0"/>
+              <a:t>主要用来发送命令给交换机</a:t>
+            </a:r>
+            <a:endParaRPr lang="en-US" altLang="zh-CN" sz="1700" b="1" dirty="0"/>
+          </a:p>
+          <a:p>
+            <a:pPr marL="109728" indent="0" rtl="0">
+              <a:buNone/>
+            </a:pPr>
+            <a:endParaRPr lang="zh-cn" dirty="0"/>
           </a:p>
         </p:txBody>
       </p:sp>
     </p:spTree>
     <p:extLst>
       <p:ext uri="{BB962C8B-B14F-4D97-AF65-F5344CB8AC3E}">
-        <p14:creationId xmlns:p14="http://schemas.microsoft.com/office/powerpoint/2010/main" val="3514341159"/>
+        <p14:creationId xmlns:p14="http://schemas.microsoft.com/office/powerpoint/2010/main" val="3222955341"/>
       </p:ext>
     </p:extLst>
   </p:cSld>
@@ -7942,7 +9081,7 @@
       </p:grpSpPr>
       <p:sp>
         <p:nvSpPr>
-          <p:cNvPr id="2" name="标题 1"/>
+          <p:cNvPr id="9" name="标题 8"/>
           <p:cNvSpPr>
             <a:spLocks noGrp="1"/>
           </p:cNvSpPr>
@@ -7950,53 +9089,261 @@
             <p:ph type="title"/>
           </p:nvPr>
         </p:nvSpPr>
-        <p:spPr/>
+        <p:spPr>
+          <a:xfrm>
+            <a:off x="387531" y="555171"/>
+            <a:ext cx="10972800" cy="1066800"/>
+          </a:xfrm>
+        </p:spPr>
         <p:txBody>
           <a:bodyPr rtlCol="0"/>
           <a:lstStyle/>
           <a:p>
             <a:pPr rtl="0"/>
             <a:r>
-              <a:rPr lang="zh-cn" dirty="0"/>
-              <a:t>课程 2：目标</a:t>
-            </a:r>
-          </a:p>
-        </p:txBody>
-      </p:sp>
-      <p:sp>
-        <p:nvSpPr>
-          <p:cNvPr id="3" name="内容占位符 2"/>
-          <p:cNvSpPr>
-            <a:spLocks noGrp="1"/>
-          </p:cNvSpPr>
-          <p:nvPr>
-            <p:ph idx="1"/>
-          </p:nvPr>
-        </p:nvSpPr>
-        <p:spPr/>
-        <p:txBody>
-          <a:bodyPr rtlCol="0"/>
-          <a:lstStyle/>
-          <a:p>
-            <a:pPr rtl="0"/>
-            <a:r>
-              <a:rPr lang="zh-cn" dirty="0"/>
-              <a:t>列出此培训课程的预期结果。</a:t>
-            </a:r>
-          </a:p>
-          <a:p>
-            <a:pPr rtl="0"/>
-            <a:r>
-              <a:rPr lang="zh-cn" dirty="0"/>
-              <a:t>各目标均应简明扼要，包含一个动词和一个可衡量的结果。</a:t>
-            </a:r>
-          </a:p>
-        </p:txBody>
-      </p:sp>
+              <a:rPr lang="zh-CN" altLang="en-US" dirty="0"/>
+              <a:t>代码分析</a:t>
+            </a:r>
+          </a:p>
+        </p:txBody>
+      </p:sp>
+      <p:sp>
+        <p:nvSpPr>
+          <p:cNvPr id="6" name="文本占位符 5"/>
+          <p:cNvSpPr>
+            <a:spLocks noGrp="1"/>
+          </p:cNvSpPr>
+          <p:nvPr>
+            <p:ph sz="half" idx="1"/>
+          </p:nvPr>
+        </p:nvSpPr>
+        <p:spPr>
+          <a:xfrm>
+            <a:off x="489131" y="1761671"/>
+            <a:ext cx="5384800" cy="4341875"/>
+          </a:xfrm>
+        </p:spPr>
+        <p:txBody>
+          <a:bodyPr rtlCol="0">
+            <a:noAutofit/>
+          </a:bodyPr>
+          <a:lstStyle/>
+          <a:p>
+            <a:pPr rtl="0">
+              <a:lnSpc>
+                <a:spcPct val="150000"/>
+              </a:lnSpc>
+            </a:pPr>
+            <a:r>
+              <a:rPr lang="zh-CN" altLang="en-US" sz="1600" b="1" dirty="0"/>
+              <a:t>代码结构：</a:t>
+            </a:r>
+            <a:endParaRPr lang="en-US" altLang="zh-CN" sz="1600" b="1" dirty="0"/>
+          </a:p>
+          <a:p>
+            <a:pPr marL="566928" indent="-457200" rtl="0">
+              <a:lnSpc>
+                <a:spcPct val="150000"/>
+              </a:lnSpc>
+              <a:buFont typeface="+mj-lt"/>
+              <a:buAutoNum type="arabicPeriod"/>
+            </a:pPr>
+            <a:r>
+              <a:rPr lang="zh-CN" altLang="en-US" sz="1600" dirty="0"/>
+              <a:t>需要读取文件获得</a:t>
+            </a:r>
+            <a:r>
+              <a:rPr lang="en-US" altLang="zh-CN" sz="1600" dirty="0"/>
+              <a:t>telnet</a:t>
+            </a:r>
+            <a:r>
+              <a:rPr lang="zh-CN" altLang="en-US" sz="1600" dirty="0"/>
+              <a:t>模块所需的</a:t>
+            </a:r>
+            <a:r>
+              <a:rPr lang="en-US" altLang="zh-CN" sz="1600" dirty="0"/>
+              <a:t>IP</a:t>
+            </a:r>
+            <a:r>
+              <a:rPr lang="zh-CN" altLang="en-US" sz="1600" dirty="0"/>
+              <a:t>地址、账号、密码信息保存为列表</a:t>
+            </a:r>
+            <a:endParaRPr lang="en-US" altLang="zh-CN" sz="1600" dirty="0"/>
+          </a:p>
+          <a:p>
+            <a:pPr marL="745236" lvl="1" indent="-342900">
+              <a:lnSpc>
+                <a:spcPct val="150000"/>
+              </a:lnSpc>
+              <a:buFont typeface="Arial" panose="020B0604020202020204" pitchFamily="34" charset="0"/>
+              <a:buChar char="•"/>
+            </a:pPr>
+            <a:r>
+              <a:rPr lang="zh-CN" altLang="en-US" sz="1600" dirty="0"/>
+              <a:t>读取文件的过程我放在</a:t>
+            </a:r>
+            <a:r>
+              <a:rPr lang="en-US" altLang="zh-CN" sz="1600" dirty="0"/>
+              <a:t>readfile()</a:t>
+            </a:r>
+            <a:r>
+              <a:rPr lang="zh-CN" altLang="en-US" sz="1600" dirty="0"/>
+              <a:t>函数中去执行。</a:t>
+            </a:r>
+            <a:endParaRPr lang="en-US" altLang="zh-CN" sz="1600" dirty="0"/>
+          </a:p>
+          <a:p>
+            <a:pPr marL="745236" lvl="1" indent="-342900">
+              <a:lnSpc>
+                <a:spcPct val="150000"/>
+              </a:lnSpc>
+              <a:buFont typeface="Arial" panose="020B0604020202020204" pitchFamily="34" charset="0"/>
+              <a:buChar char="•"/>
+            </a:pPr>
+            <a:r>
+              <a:rPr lang="zh-CN" altLang="en-US" sz="1600" dirty="0"/>
+              <a:t>参数为要读取文件路径</a:t>
+            </a:r>
+            <a:endParaRPr lang="en-US" altLang="zh-CN" sz="1600" dirty="0"/>
+          </a:p>
+          <a:p>
+            <a:pPr marL="566928" indent="-457200" rtl="0">
+              <a:lnSpc>
+                <a:spcPct val="150000"/>
+              </a:lnSpc>
+              <a:buFont typeface="+mj-lt"/>
+              <a:buAutoNum type="arabicPeriod"/>
+            </a:pPr>
+            <a:r>
+              <a:rPr lang="zh-CN" altLang="en-US" sz="1600" dirty="0"/>
+              <a:t>使用</a:t>
+            </a:r>
+            <a:r>
+              <a:rPr lang="en-US" altLang="zh-CN" sz="1600" dirty="0"/>
+              <a:t>for</a:t>
+            </a:r>
+            <a:r>
+              <a:rPr lang="zh-CN" altLang="en-US" sz="1600" dirty="0"/>
+              <a:t>循环，在地址列表中依次的执行</a:t>
+            </a:r>
+            <a:r>
+              <a:rPr lang="en-US" altLang="zh-CN" sz="1600" dirty="0"/>
+              <a:t>telnet</a:t>
+            </a:r>
+            <a:r>
+              <a:rPr lang="zh-CN" altLang="en-US" sz="1600" dirty="0"/>
+              <a:t>，完成登陆和保存操作。</a:t>
+            </a:r>
+            <a:endParaRPr lang="en-US" altLang="zh-CN" sz="1600" dirty="0"/>
+          </a:p>
+          <a:p>
+            <a:pPr lvl="1">
+              <a:lnSpc>
+                <a:spcPct val="150000"/>
+              </a:lnSpc>
+              <a:buFont typeface="Arial" panose="020B0604020202020204" pitchFamily="34" charset="0"/>
+              <a:buChar char="•"/>
+            </a:pPr>
+            <a:r>
+              <a:rPr lang="en-US" altLang="zh-CN" sz="1600" dirty="0"/>
+              <a:t>telnet</a:t>
+            </a:r>
+            <a:r>
+              <a:rPr lang="zh-CN" altLang="en-US" sz="1600" dirty="0"/>
+              <a:t>的过程我放在另一个</a:t>
+            </a:r>
+            <a:r>
+              <a:rPr lang="en-US" altLang="zh-CN" sz="1600" dirty="0" err="1"/>
+              <a:t>do_telnet</a:t>
+            </a:r>
+            <a:r>
+              <a:rPr lang="en-US" altLang="zh-CN" sz="1600" dirty="0"/>
+              <a:t>()</a:t>
+            </a:r>
+            <a:r>
+              <a:rPr lang="zh-CN" altLang="en-US" sz="1600" dirty="0"/>
+              <a:t>函数中实现。</a:t>
+            </a:r>
+            <a:endParaRPr lang="en-US" altLang="zh-CN" sz="1600" dirty="0"/>
+          </a:p>
+          <a:p>
+            <a:pPr lvl="1">
+              <a:lnSpc>
+                <a:spcPct val="150000"/>
+              </a:lnSpc>
+              <a:buFont typeface="Arial" panose="020B0604020202020204" pitchFamily="34" charset="0"/>
+              <a:buChar char="•"/>
+            </a:pPr>
+            <a:r>
+              <a:rPr lang="zh-CN" altLang="en-US" sz="1600" dirty="0"/>
+              <a:t>参数为：</a:t>
+            </a:r>
+            <a:r>
+              <a:rPr lang="en-US" altLang="zh-CN" sz="1600" dirty="0"/>
+              <a:t>host,</a:t>
+            </a:r>
+            <a:r>
+              <a:rPr lang="zh-CN" altLang="en-US" sz="1600" dirty="0"/>
+              <a:t> </a:t>
+            </a:r>
+            <a:r>
+              <a:rPr lang="en-US" altLang="zh-CN" sz="1600" dirty="0"/>
+              <a:t>username, password, commands.</a:t>
+            </a:r>
+          </a:p>
+          <a:p>
+            <a:pPr marL="566928" indent="-457200" rtl="0">
+              <a:lnSpc>
+                <a:spcPct val="150000"/>
+              </a:lnSpc>
+              <a:buFont typeface="+mj-lt"/>
+              <a:buAutoNum type="arabicPeriod"/>
+            </a:pPr>
+            <a:r>
+              <a:rPr lang="en-US" altLang="zh-CN" sz="1600" dirty="0"/>
+              <a:t>Print</a:t>
+            </a:r>
+            <a:r>
+              <a:rPr lang="zh-CN" altLang="en-US" sz="1600" dirty="0"/>
+              <a:t>语句打印输出信息可以让交互更友好。</a:t>
+            </a:r>
+          </a:p>
+        </p:txBody>
+      </p:sp>
+      <p:pic>
+        <p:nvPicPr>
+          <p:cNvPr id="10" name="图片 9">
+            <a:extLst>
+              <a:ext uri="{FF2B5EF4-FFF2-40B4-BE49-F238E27FC236}">
+                <a16:creationId xmlns:a16="http://schemas.microsoft.com/office/drawing/2014/main" id="{B61C2245-1573-408D-A66B-35F45A446F69}"/>
+              </a:ext>
+            </a:extLst>
+          </p:cNvPr>
+          <p:cNvPicPr>
+            <a:picLocks noChangeAspect="1"/>
+          </p:cNvPicPr>
+          <p:nvPr/>
+        </p:nvPicPr>
+        <p:blipFill>
+          <a:blip r:embed="rId3"/>
+          <a:stretch>
+            <a:fillRect/>
+          </a:stretch>
+        </p:blipFill>
+        <p:spPr>
+          <a:xfrm>
+            <a:off x="5873931" y="480101"/>
+            <a:ext cx="6318069" cy="6377899"/>
+          </a:xfrm>
+          <a:prstGeom prst="rect">
+            <a:avLst/>
+          </a:prstGeom>
+        </p:spPr>
+      </p:pic>
     </p:spTree>
     <p:extLst>
       <p:ext uri="{BB962C8B-B14F-4D97-AF65-F5344CB8AC3E}">
-        <p14:creationId xmlns:p14="http://schemas.microsoft.com/office/powerpoint/2010/main" val="3046085847"/>
+        <p14:creationId xmlns:p14="http://schemas.microsoft.com/office/powerpoint/2010/main" val="4237039325"/>
       </p:ext>
     </p:extLst>
   </p:cSld>
@@ -8037,7 +9384,7 @@
       </p:grpSpPr>
       <p:sp>
         <p:nvSpPr>
-          <p:cNvPr id="2" name="标题 1"/>
+          <p:cNvPr id="9" name="标题 8"/>
           <p:cNvSpPr>
             <a:spLocks noGrp="1"/>
           </p:cNvSpPr>
@@ -8045,22 +9392,27 @@
             <p:ph type="title"/>
           </p:nvPr>
         </p:nvSpPr>
-        <p:spPr/>
+        <p:spPr>
+          <a:xfrm>
+            <a:off x="387531" y="555171"/>
+            <a:ext cx="10972800" cy="1066800"/>
+          </a:xfrm>
+        </p:spPr>
         <p:txBody>
           <a:bodyPr rtlCol="0"/>
           <a:lstStyle/>
           <a:p>
             <a:pPr rtl="0"/>
             <a:r>
-              <a:rPr lang="zh-cn" dirty="0"/>
-              <a:t>课程 2：内容</a:t>
-            </a:r>
-          </a:p>
-        </p:txBody>
-      </p:sp>
-      <p:sp>
-        <p:nvSpPr>
-          <p:cNvPr id="4" name="文本占位符 3"/>
+              <a:rPr lang="zh-CN" altLang="en-US" dirty="0"/>
+              <a:t>代码分析</a:t>
+            </a:r>
+          </a:p>
+        </p:txBody>
+      </p:sp>
+      <p:sp>
+        <p:nvSpPr>
+          <p:cNvPr id="6" name="文本占位符 5"/>
           <p:cNvSpPr>
             <a:spLocks noGrp="1"/>
           </p:cNvSpPr>
@@ -8068,61 +9420,323 @@
             <p:ph sz="half" idx="1"/>
           </p:nvPr>
         </p:nvSpPr>
-        <p:spPr/>
-        <p:txBody>
-          <a:bodyPr rtlCol="0"/>
-          <a:lstStyle/>
-          <a:p>
-            <a:pPr rtl="0"/>
-            <a:r>
-              <a:rPr lang="zh-cn" dirty="0"/>
-              <a:t>在此处添加文本。 </a:t>
-            </a:r>
-          </a:p>
-          <a:p>
-            <a:pPr rtl="0"/>
-            <a:r>
-              <a:rPr lang="zh-cn" dirty="0"/>
-              <a:t>若要在右列中添加图片、图表或其他内容，请单击相应的图标。</a:t>
-            </a:r>
-          </a:p>
-          <a:p>
-            <a:pPr rtl="0"/>
-            <a:r>
-              <a:rPr lang="zh-cn" dirty="0"/>
-              <a:t>若要添加幻灯片，请单击“插入”菜单中的“新建幻灯片”或按 CTRL+M。</a:t>
-            </a:r>
-          </a:p>
-          <a:p>
-            <a:pPr rtl="0"/>
-            <a:endParaRPr lang="en-US" dirty="0"/>
-          </a:p>
-        </p:txBody>
-      </p:sp>
-      <p:sp>
-        <p:nvSpPr>
-          <p:cNvPr id="5" name="内容占位符 4"/>
-          <p:cNvSpPr>
-            <a:spLocks noGrp="1"/>
-          </p:cNvSpPr>
-          <p:nvPr>
-            <p:ph sz="half" idx="2"/>
-          </p:nvPr>
-        </p:nvSpPr>
-        <p:spPr/>
-        <p:txBody>
-          <a:bodyPr rtlCol="0"/>
-          <a:lstStyle/>
-          <a:p>
-            <a:pPr rtl="0"/>
-            <a:endParaRPr lang="zh-CN" altLang="en-US" dirty="0"/>
-          </a:p>
-        </p:txBody>
-      </p:sp>
+        <p:spPr>
+          <a:xfrm>
+            <a:off x="387531" y="1745925"/>
+            <a:ext cx="5384800" cy="4341875"/>
+          </a:xfrm>
+        </p:spPr>
+        <p:txBody>
+          <a:bodyPr rtlCol="0">
+            <a:noAutofit/>
+          </a:bodyPr>
+          <a:lstStyle/>
+          <a:p>
+            <a:pPr rtl="0">
+              <a:lnSpc>
+                <a:spcPct val="150000"/>
+              </a:lnSpc>
+            </a:pPr>
+            <a:r>
+              <a:rPr lang="en-US" altLang="zh-CN" sz="1600" b="1" dirty="0"/>
+              <a:t>readfile(filename)</a:t>
+            </a:r>
+            <a:r>
+              <a:rPr lang="zh-CN" altLang="en-US" sz="1600" b="1" dirty="0"/>
+              <a:t>函数：</a:t>
+            </a:r>
+            <a:endParaRPr lang="en-US" altLang="zh-CN" sz="1600" b="1" dirty="0"/>
+          </a:p>
+          <a:p>
+            <a:pPr marL="566928" indent="-457200">
+              <a:lnSpc>
+                <a:spcPct val="150000"/>
+              </a:lnSpc>
+              <a:buFont typeface="+mj-lt"/>
+              <a:buAutoNum type="arabicPeriod"/>
+            </a:pPr>
+            <a:r>
+              <a:rPr lang="en-US" altLang="zh-CN" sz="1600" dirty="0"/>
+              <a:t>open()</a:t>
+            </a:r>
+            <a:r>
+              <a:rPr lang="zh-CN" altLang="en-US" sz="1600" dirty="0"/>
+              <a:t>方法：用于打开一个文件，并返回文件对象，如果该文件无法被打开，会抛出 异常。</a:t>
+            </a:r>
+            <a:endParaRPr lang="en-US" altLang="zh-CN" sz="1600" dirty="0"/>
+          </a:p>
+          <a:p>
+            <a:pPr marL="688086" lvl="1" indent="-285750">
+              <a:lnSpc>
+                <a:spcPct val="150000"/>
+              </a:lnSpc>
+              <a:buFont typeface="Arial" panose="020B0604020202020204" pitchFamily="34" charset="0"/>
+              <a:buChar char="•"/>
+            </a:pPr>
+            <a:r>
+              <a:rPr lang="zh-CN" altLang="en-US" sz="1200" dirty="0"/>
+              <a:t>注意：使用 </a:t>
+            </a:r>
+            <a:r>
+              <a:rPr lang="en-US" altLang="zh-CN" sz="1200" dirty="0"/>
+              <a:t>open() </a:t>
+            </a:r>
+            <a:r>
+              <a:rPr lang="zh-CN" altLang="en-US" sz="1200" dirty="0"/>
+              <a:t>方法一定要保证关闭文件对象，即使用完后调用 </a:t>
+            </a:r>
+            <a:r>
+              <a:rPr lang="en-US" altLang="zh-CN" sz="1200" dirty="0"/>
+              <a:t>close() </a:t>
+            </a:r>
+            <a:r>
+              <a:rPr lang="zh-CN" altLang="en-US" sz="1200" dirty="0"/>
+              <a:t>方法。</a:t>
+            </a:r>
+            <a:endParaRPr lang="en-US" altLang="zh-CN" sz="1200" dirty="0"/>
+          </a:p>
+          <a:p>
+            <a:pPr marL="566928" indent="-457200">
+              <a:lnSpc>
+                <a:spcPct val="150000"/>
+              </a:lnSpc>
+              <a:buFont typeface="+mj-lt"/>
+              <a:buAutoNum type="arabicPeriod"/>
+            </a:pPr>
+            <a:r>
+              <a:rPr lang="en-US" altLang="zh-CN" sz="1600" dirty="0" err="1"/>
+              <a:t>file.readlines</a:t>
+            </a:r>
+            <a:r>
+              <a:rPr lang="en-US" altLang="zh-CN" sz="1600" dirty="0"/>
+              <a:t>()</a:t>
+            </a:r>
+            <a:r>
+              <a:rPr lang="zh-CN" altLang="en-US" sz="1600" dirty="0"/>
+              <a:t>方法：读取所有行并返回列表</a:t>
+            </a:r>
+            <a:r>
+              <a:rPr lang="en-US" altLang="zh-CN" sz="1600" dirty="0"/>
+              <a:t>lines</a:t>
+            </a:r>
+            <a:r>
+              <a:rPr lang="zh-CN" altLang="en-US" sz="1600" dirty="0"/>
+              <a:t>。</a:t>
+            </a:r>
+            <a:endParaRPr lang="en-US" altLang="zh-CN" sz="1600" dirty="0"/>
+          </a:p>
+          <a:p>
+            <a:pPr marL="688086" lvl="1" indent="-285750">
+              <a:lnSpc>
+                <a:spcPct val="150000"/>
+              </a:lnSpc>
+              <a:buFont typeface="Arial" panose="020B0604020202020204" pitchFamily="34" charset="0"/>
+              <a:buChar char="•"/>
+            </a:pPr>
+            <a:r>
+              <a:rPr lang="zh-CN" altLang="en-US" sz="1200" dirty="0"/>
+              <a:t>注意：读取到到行是带有</a:t>
+            </a:r>
+            <a:r>
+              <a:rPr lang="en-US" altLang="zh-CN" sz="1200" dirty="0"/>
+              <a:t>“\n”</a:t>
+            </a:r>
+            <a:r>
+              <a:rPr lang="zh-CN" altLang="en-US" sz="1200" dirty="0"/>
+              <a:t>的</a:t>
+            </a:r>
+            <a:endParaRPr lang="en-US" altLang="zh-CN" sz="1200" dirty="0"/>
+          </a:p>
+          <a:p>
+            <a:pPr marL="566928" lvl="0" indent="-457200">
+              <a:lnSpc>
+                <a:spcPct val="150000"/>
+              </a:lnSpc>
+              <a:buClr>
+                <a:srgbClr val="37A76F">
+                  <a:lumMod val="75000"/>
+                </a:srgbClr>
+              </a:buClr>
+              <a:buFont typeface="+mj-lt"/>
+              <a:buAutoNum type="arabicPeriod"/>
+            </a:pPr>
+            <a:r>
+              <a:rPr lang="en-US" altLang="zh-CN" sz="1600" dirty="0">
+                <a:solidFill>
+                  <a:srgbClr val="455F51"/>
+                </a:solidFill>
+              </a:rPr>
+              <a:t>strip()</a:t>
+            </a:r>
+            <a:r>
+              <a:rPr lang="zh-CN" altLang="en-US" sz="1600" dirty="0">
+                <a:solidFill>
+                  <a:srgbClr val="455F51"/>
+                </a:solidFill>
+              </a:rPr>
+              <a:t>方法：用于移除字符串头尾指定的字符（默认为空格）或字符序列。</a:t>
+            </a:r>
+            <a:endParaRPr lang="en-US" altLang="zh-CN" sz="1600" dirty="0">
+              <a:solidFill>
+                <a:srgbClr val="455F51"/>
+              </a:solidFill>
+            </a:endParaRPr>
+          </a:p>
+          <a:p>
+            <a:pPr marL="688086" lvl="1" indent="-285750">
+              <a:lnSpc>
+                <a:spcPct val="150000"/>
+              </a:lnSpc>
+              <a:buFont typeface="Arial" panose="020B0604020202020204" pitchFamily="34" charset="0"/>
+              <a:buChar char="•"/>
+            </a:pPr>
+            <a:r>
+              <a:rPr lang="zh-CN" altLang="en-US" sz="1200" dirty="0"/>
+              <a:t>注意：该方法只能删除开头或是结尾的字符。</a:t>
+            </a:r>
+            <a:endParaRPr lang="en-US" altLang="zh-CN" sz="1200" dirty="0"/>
+          </a:p>
+          <a:p>
+            <a:pPr marL="566928" lvl="0" indent="-457200">
+              <a:lnSpc>
+                <a:spcPct val="150000"/>
+              </a:lnSpc>
+              <a:buClr>
+                <a:srgbClr val="37A76F">
+                  <a:lumMod val="75000"/>
+                </a:srgbClr>
+              </a:buClr>
+              <a:buFont typeface="+mj-lt"/>
+              <a:buAutoNum type="arabicPeriod"/>
+            </a:pPr>
+            <a:r>
+              <a:rPr lang="en-US" altLang="zh-CN" sz="1600" dirty="0">
+                <a:solidFill>
+                  <a:srgbClr val="455F51"/>
+                </a:solidFill>
+              </a:rPr>
+              <a:t>split()</a:t>
+            </a:r>
+            <a:r>
+              <a:rPr lang="zh-CN" altLang="en-US" sz="1600" dirty="0">
+                <a:solidFill>
+                  <a:srgbClr val="455F51"/>
+                </a:solidFill>
+              </a:rPr>
+              <a:t>方法：通过指定分隔符对字符串进行切片。</a:t>
+            </a:r>
+            <a:endParaRPr lang="en-US" altLang="zh-CN" sz="1600" dirty="0">
+              <a:solidFill>
+                <a:srgbClr val="455F51"/>
+              </a:solidFill>
+            </a:endParaRPr>
+          </a:p>
+          <a:p>
+            <a:pPr marL="688086" lvl="1" indent="-285750">
+              <a:lnSpc>
+                <a:spcPct val="150000"/>
+              </a:lnSpc>
+              <a:buFont typeface="Arial" panose="020B0604020202020204" pitchFamily="34" charset="0"/>
+              <a:buChar char="•"/>
+            </a:pPr>
+            <a:endParaRPr lang="en-US" altLang="zh-CN" sz="1500" dirty="0"/>
+          </a:p>
+        </p:txBody>
+      </p:sp>
+      <p:pic>
+        <p:nvPicPr>
+          <p:cNvPr id="5" name="图片 4">
+            <a:extLst>
+              <a:ext uri="{FF2B5EF4-FFF2-40B4-BE49-F238E27FC236}">
+                <a16:creationId xmlns:a16="http://schemas.microsoft.com/office/drawing/2014/main" id="{E63AAC01-2A9F-48EA-B8B1-737638711761}"/>
+              </a:ext>
+            </a:extLst>
+          </p:cNvPr>
+          <p:cNvPicPr>
+            <a:picLocks noChangeAspect="1"/>
+          </p:cNvPicPr>
+          <p:nvPr/>
+        </p:nvPicPr>
+        <p:blipFill>
+          <a:blip r:embed="rId3"/>
+          <a:stretch>
+            <a:fillRect/>
+          </a:stretch>
+        </p:blipFill>
+        <p:spPr>
+          <a:xfrm>
+            <a:off x="5873931" y="953736"/>
+            <a:ext cx="6318070" cy="2963126"/>
+          </a:xfrm>
+          <a:prstGeom prst="rect">
+            <a:avLst/>
+          </a:prstGeom>
+        </p:spPr>
+      </p:pic>
+      <p:pic>
+        <p:nvPicPr>
+          <p:cNvPr id="12" name="图片 11">
+            <a:extLst>
+              <a:ext uri="{FF2B5EF4-FFF2-40B4-BE49-F238E27FC236}">
+                <a16:creationId xmlns:a16="http://schemas.microsoft.com/office/drawing/2014/main" id="{F6C820BA-41B4-4F57-9FCC-B45D133445FC}"/>
+              </a:ext>
+            </a:extLst>
+          </p:cNvPr>
+          <p:cNvPicPr>
+            <a:picLocks noChangeAspect="1"/>
+          </p:cNvPicPr>
+          <p:nvPr/>
+        </p:nvPicPr>
+        <p:blipFill>
+          <a:blip r:embed="rId4"/>
+          <a:stretch>
+            <a:fillRect/>
+          </a:stretch>
+        </p:blipFill>
+        <p:spPr>
+          <a:xfrm>
+            <a:off x="5902144" y="3993063"/>
+            <a:ext cx="5800725" cy="1247775"/>
+          </a:xfrm>
+          <a:prstGeom prst="rect">
+            <a:avLst/>
+          </a:prstGeom>
+        </p:spPr>
+      </p:pic>
+      <p:pic>
+        <p:nvPicPr>
+          <p:cNvPr id="11" name="图片 10">
+            <a:extLst>
+              <a:ext uri="{FF2B5EF4-FFF2-40B4-BE49-F238E27FC236}">
+                <a16:creationId xmlns:a16="http://schemas.microsoft.com/office/drawing/2014/main" id="{0E0685C2-4EF0-4C39-A3CF-0E2E80CE6809}"/>
+              </a:ext>
+            </a:extLst>
+          </p:cNvPr>
+          <p:cNvPicPr>
+            <a:picLocks noChangeAspect="1"/>
+          </p:cNvPicPr>
+          <p:nvPr/>
+        </p:nvPicPr>
+        <p:blipFill>
+          <a:blip r:embed="rId5"/>
+          <a:stretch>
+            <a:fillRect/>
+          </a:stretch>
+        </p:blipFill>
+        <p:spPr>
+          <a:xfrm>
+            <a:off x="5873931" y="5240838"/>
+            <a:ext cx="5895975" cy="1219200"/>
+          </a:xfrm>
+          <a:prstGeom prst="rect">
+            <a:avLst/>
+          </a:prstGeom>
+        </p:spPr>
+      </p:pic>
     </p:spTree>
     <p:extLst>
       <p:ext uri="{BB962C8B-B14F-4D97-AF65-F5344CB8AC3E}">
-        <p14:creationId xmlns:p14="http://schemas.microsoft.com/office/powerpoint/2010/main" val="411993636"/>
+        <p14:creationId xmlns:p14="http://schemas.microsoft.com/office/powerpoint/2010/main" val="2996515867"/>
       </p:ext>
     </p:extLst>
   </p:cSld>
@@ -8163,7 +9777,7 @@
       </p:grpSpPr>
       <p:sp>
         <p:nvSpPr>
-          <p:cNvPr id="2" name="标题 1"/>
+          <p:cNvPr id="9" name="标题 8"/>
           <p:cNvSpPr>
             <a:spLocks noGrp="1"/>
           </p:cNvSpPr>
@@ -8171,53 +9785,261 @@
             <p:ph type="title"/>
           </p:nvPr>
         </p:nvSpPr>
-        <p:spPr/>
+        <p:spPr>
+          <a:xfrm>
+            <a:off x="387531" y="555171"/>
+            <a:ext cx="10972800" cy="1066800"/>
+          </a:xfrm>
+        </p:spPr>
         <p:txBody>
           <a:bodyPr rtlCol="0"/>
           <a:lstStyle/>
           <a:p>
             <a:pPr rtl="0"/>
             <a:r>
-              <a:rPr lang="zh-cn" dirty="0"/>
-              <a:t>课程 2：小结</a:t>
-            </a:r>
-          </a:p>
-        </p:txBody>
-      </p:sp>
-      <p:sp>
-        <p:nvSpPr>
-          <p:cNvPr id="3" name="文本占位符 2"/>
-          <p:cNvSpPr>
-            <a:spLocks noGrp="1"/>
-          </p:cNvSpPr>
-          <p:nvPr>
-            <p:ph idx="1"/>
-          </p:nvPr>
-        </p:nvSpPr>
-        <p:spPr/>
-        <p:txBody>
-          <a:bodyPr rtlCol="0"/>
-          <a:lstStyle/>
-          <a:p>
-            <a:pPr rtl="0"/>
-            <a:r>
-              <a:rPr lang="zh-cn" dirty="0"/>
-              <a:t>概述要点。</a:t>
-            </a:r>
-          </a:p>
-          <a:p>
-            <a:pPr rtl="0"/>
-            <a:r>
-              <a:rPr lang="zh-cn" dirty="0"/>
-              <a:t>留出提问时间。</a:t>
-            </a:r>
+              <a:rPr lang="zh-CN" altLang="en-US" dirty="0"/>
+              <a:t>代码分析</a:t>
+            </a:r>
+          </a:p>
+        </p:txBody>
+      </p:sp>
+      <p:sp>
+        <p:nvSpPr>
+          <p:cNvPr id="6" name="文本占位符 5"/>
+          <p:cNvSpPr>
+            <a:spLocks noGrp="1"/>
+          </p:cNvSpPr>
+          <p:nvPr>
+            <p:ph sz="half" idx="1"/>
+          </p:nvPr>
+        </p:nvSpPr>
+        <p:spPr>
+          <a:xfrm>
+            <a:off x="387531" y="1745925"/>
+            <a:ext cx="5384800" cy="4341875"/>
+          </a:xfrm>
+        </p:spPr>
+        <p:txBody>
+          <a:bodyPr rtlCol="0">
+            <a:noAutofit/>
+          </a:bodyPr>
+          <a:lstStyle/>
+          <a:p>
+            <a:pPr rtl="0">
+              <a:lnSpc>
+                <a:spcPct val="150000"/>
+              </a:lnSpc>
+            </a:pPr>
+            <a:r>
+              <a:rPr lang="en-US" altLang="zh-CN" sz="1600" b="1" dirty="0"/>
+              <a:t>do_telnet()</a:t>
+            </a:r>
+            <a:r>
+              <a:rPr lang="zh-CN" altLang="en-US" sz="1600" b="1" dirty="0"/>
+              <a:t>函数：</a:t>
+            </a:r>
+            <a:endParaRPr lang="en-US" altLang="zh-CN" sz="1600" b="1" dirty="0"/>
+          </a:p>
+          <a:p>
+            <a:pPr marL="566928" indent="-457200">
+              <a:lnSpc>
+                <a:spcPct val="150000"/>
+              </a:lnSpc>
+              <a:buFont typeface="+mj-lt"/>
+              <a:buAutoNum type="arabicPeriod"/>
+            </a:pPr>
+            <a:r>
+              <a:rPr lang="en-US" altLang="zh-CN" sz="1600" dirty="0"/>
+              <a:t>open()</a:t>
+            </a:r>
+            <a:r>
+              <a:rPr lang="zh-CN" altLang="en-US" sz="1600" dirty="0"/>
+              <a:t>方法：用于打开一个文件，并返回文件对象，如果该文件无法被打开，会抛出 异常。</a:t>
+            </a:r>
+            <a:endParaRPr lang="en-US" altLang="zh-CN" sz="1600" dirty="0"/>
+          </a:p>
+          <a:p>
+            <a:pPr marL="688086" lvl="1" indent="-285750">
+              <a:lnSpc>
+                <a:spcPct val="150000"/>
+              </a:lnSpc>
+              <a:buFont typeface="Arial" panose="020B0604020202020204" pitchFamily="34" charset="0"/>
+              <a:buChar char="•"/>
+            </a:pPr>
+            <a:r>
+              <a:rPr lang="zh-CN" altLang="en-US" sz="1200" dirty="0"/>
+              <a:t>注意：使用 </a:t>
+            </a:r>
+            <a:r>
+              <a:rPr lang="en-US" altLang="zh-CN" sz="1200" dirty="0"/>
+              <a:t>open() </a:t>
+            </a:r>
+            <a:r>
+              <a:rPr lang="zh-CN" altLang="en-US" sz="1200" dirty="0"/>
+              <a:t>方法一定要保证关闭文件对象，即使用完后调用 </a:t>
+            </a:r>
+            <a:r>
+              <a:rPr lang="en-US" altLang="zh-CN" sz="1200" dirty="0"/>
+              <a:t>close() </a:t>
+            </a:r>
+            <a:r>
+              <a:rPr lang="zh-CN" altLang="en-US" sz="1200" dirty="0"/>
+              <a:t>方法。</a:t>
+            </a:r>
+            <a:endParaRPr lang="en-US" altLang="zh-CN" sz="1200" dirty="0"/>
+          </a:p>
+          <a:p>
+            <a:pPr marL="566928" indent="-457200">
+              <a:lnSpc>
+                <a:spcPct val="150000"/>
+              </a:lnSpc>
+              <a:buFont typeface="+mj-lt"/>
+              <a:buAutoNum type="arabicPeriod"/>
+            </a:pPr>
+            <a:r>
+              <a:rPr lang="en-US" altLang="zh-CN" sz="1600" dirty="0" err="1"/>
+              <a:t>file.readlines</a:t>
+            </a:r>
+            <a:r>
+              <a:rPr lang="en-US" altLang="zh-CN" sz="1600" dirty="0"/>
+              <a:t>()</a:t>
+            </a:r>
+            <a:r>
+              <a:rPr lang="zh-CN" altLang="en-US" sz="1600" dirty="0"/>
+              <a:t>方法：读取所有行并返回列表</a:t>
+            </a:r>
+            <a:r>
+              <a:rPr lang="en-US" altLang="zh-CN" sz="1600" dirty="0"/>
+              <a:t>lines</a:t>
+            </a:r>
+            <a:r>
+              <a:rPr lang="zh-CN" altLang="en-US" sz="1600" dirty="0"/>
+              <a:t>。</a:t>
+            </a:r>
+            <a:endParaRPr lang="en-US" altLang="zh-CN" sz="1600" dirty="0"/>
+          </a:p>
+          <a:p>
+            <a:pPr marL="688086" lvl="1" indent="-285750">
+              <a:lnSpc>
+                <a:spcPct val="150000"/>
+              </a:lnSpc>
+              <a:buFont typeface="Arial" panose="020B0604020202020204" pitchFamily="34" charset="0"/>
+              <a:buChar char="•"/>
+            </a:pPr>
+            <a:r>
+              <a:rPr lang="zh-CN" altLang="en-US" sz="1200" dirty="0"/>
+              <a:t>注意：读取到到行是带有</a:t>
+            </a:r>
+            <a:r>
+              <a:rPr lang="en-US" altLang="zh-CN" sz="1200" dirty="0"/>
+              <a:t>“\n”</a:t>
+            </a:r>
+            <a:r>
+              <a:rPr lang="zh-CN" altLang="en-US" sz="1200" dirty="0"/>
+              <a:t>的</a:t>
+            </a:r>
+            <a:endParaRPr lang="en-US" altLang="zh-CN" sz="1200" dirty="0"/>
+          </a:p>
+          <a:p>
+            <a:pPr marL="566928" lvl="0" indent="-457200">
+              <a:lnSpc>
+                <a:spcPct val="150000"/>
+              </a:lnSpc>
+              <a:buClr>
+                <a:srgbClr val="37A76F">
+                  <a:lumMod val="75000"/>
+                </a:srgbClr>
+              </a:buClr>
+              <a:buFont typeface="+mj-lt"/>
+              <a:buAutoNum type="arabicPeriod"/>
+            </a:pPr>
+            <a:r>
+              <a:rPr lang="en-US" altLang="zh-CN" sz="1600" dirty="0">
+                <a:solidFill>
+                  <a:srgbClr val="455F51"/>
+                </a:solidFill>
+              </a:rPr>
+              <a:t>strip()</a:t>
+            </a:r>
+            <a:r>
+              <a:rPr lang="zh-CN" altLang="en-US" sz="1600" dirty="0">
+                <a:solidFill>
+                  <a:srgbClr val="455F51"/>
+                </a:solidFill>
+              </a:rPr>
+              <a:t>方法：用于移除字符串头尾指定的字符（默认为空格）或字符序列。</a:t>
+            </a:r>
+            <a:endParaRPr lang="en-US" altLang="zh-CN" sz="1600" dirty="0">
+              <a:solidFill>
+                <a:srgbClr val="455F51"/>
+              </a:solidFill>
+            </a:endParaRPr>
+          </a:p>
+          <a:p>
+            <a:pPr marL="688086" lvl="1" indent="-285750">
+              <a:lnSpc>
+                <a:spcPct val="150000"/>
+              </a:lnSpc>
+              <a:buFont typeface="Arial" panose="020B0604020202020204" pitchFamily="34" charset="0"/>
+              <a:buChar char="•"/>
+            </a:pPr>
+            <a:r>
+              <a:rPr lang="zh-CN" altLang="en-US" sz="1200" dirty="0"/>
+              <a:t>注意：该方法只能删除开头或是结尾的字符。</a:t>
+            </a:r>
+            <a:endParaRPr lang="en-US" altLang="zh-CN" sz="1200" dirty="0"/>
+          </a:p>
+          <a:p>
+            <a:pPr marL="566928" lvl="0" indent="-457200">
+              <a:lnSpc>
+                <a:spcPct val="150000"/>
+              </a:lnSpc>
+              <a:buClr>
+                <a:srgbClr val="37A76F">
+                  <a:lumMod val="75000"/>
+                </a:srgbClr>
+              </a:buClr>
+              <a:buFont typeface="+mj-lt"/>
+              <a:buAutoNum type="arabicPeriod"/>
+            </a:pPr>
+            <a:r>
+              <a:rPr lang="en-US" altLang="zh-CN" sz="1600" dirty="0">
+                <a:solidFill>
+                  <a:srgbClr val="455F51"/>
+                </a:solidFill>
+              </a:rPr>
+              <a:t>split()</a:t>
+            </a:r>
+            <a:r>
+              <a:rPr lang="zh-CN" altLang="en-US" sz="1600" dirty="0">
+                <a:solidFill>
+                  <a:srgbClr val="455F51"/>
+                </a:solidFill>
+              </a:rPr>
+              <a:t>方法：通过指定分隔符对字符串进行切片。</a:t>
+            </a:r>
+            <a:endParaRPr lang="en-US" altLang="zh-CN" sz="1600" dirty="0">
+              <a:solidFill>
+                <a:srgbClr val="455F51"/>
+              </a:solidFill>
+            </a:endParaRPr>
+          </a:p>
+          <a:p>
+            <a:pPr marL="688086" lvl="1" indent="-285750">
+              <a:lnSpc>
+                <a:spcPct val="150000"/>
+              </a:lnSpc>
+              <a:buFont typeface="Arial" panose="020B0604020202020204" pitchFamily="34" charset="0"/>
+              <a:buChar char="•"/>
+            </a:pPr>
+            <a:endParaRPr lang="en-US" altLang="zh-CN" sz="1500" dirty="0"/>
           </a:p>
         </p:txBody>
       </p:sp>
     </p:spTree>
     <p:extLst>
       <p:ext uri="{BB962C8B-B14F-4D97-AF65-F5344CB8AC3E}">
-        <p14:creationId xmlns:p14="http://schemas.microsoft.com/office/powerpoint/2010/main" val="2822598965"/>
+        <p14:creationId xmlns:p14="http://schemas.microsoft.com/office/powerpoint/2010/main" val="3859514630"/>
       </p:ext>
     </p:extLst>
   </p:cSld>

--- a/Python3.pptx
+++ b/Python3.pptx
@@ -20,9 +20,9 @@
     <p:sldId id="261" r:id="rId8"/>
     <p:sldId id="274" r:id="rId9"/>
     <p:sldId id="275" r:id="rId10"/>
-    <p:sldId id="262" r:id="rId11"/>
-    <p:sldId id="263" r:id="rId12"/>
-    <p:sldId id="264" r:id="rId13"/>
+    <p:sldId id="276" r:id="rId11"/>
+    <p:sldId id="279" r:id="rId12"/>
+    <p:sldId id="281" r:id="rId13"/>
     <p:sldId id="265" r:id="rId14"/>
     <p:sldId id="266" r:id="rId15"/>
     <p:sldId id="267" r:id="rId16"/>
@@ -249,7 +249,7 @@
                 <a:latin typeface="微软雅黑" panose="020B0503020204020204" pitchFamily="34" charset="-122"/>
                 <a:ea typeface="微软雅黑" panose="020B0503020204020204" pitchFamily="34" charset="-122"/>
               </a:rPr>
-              <a:t>2019年3月13日</a:t>
+              <a:t>2019年3月14日</a:t>
             </a:fld>
             <a:endParaRPr lang="en-US" dirty="0">
               <a:latin typeface="微软雅黑" panose="020B0503020204020204" pitchFamily="34" charset="-122"/>
@@ -436,7 +436,7 @@
             <a:fld id="{13A28818-8057-4794-A7BE-842FF700294D}" type="datetime2">
               <a:rPr lang="zh-CN" altLang="en-US" smtClean="0"/>
               <a:pPr/>
-              <a:t>2019年3月13日</a:t>
+              <a:t>2019年3月14日</a:t>
             </a:fld>
             <a:endParaRPr lang="en-US" dirty="0"/>
           </a:p>
@@ -873,7 +873,7 @@
     </p:spTree>
     <p:extLst>
       <p:ext uri="{BB962C8B-B14F-4D97-AF65-F5344CB8AC3E}">
-        <p14:creationId xmlns:p14="http://schemas.microsoft.com/office/powerpoint/2010/main" val="3794078311"/>
+        <p14:creationId xmlns:p14="http://schemas.microsoft.com/office/powerpoint/2010/main" val="1233120414"/>
       </p:ext>
     </p:extLst>
   </p:cSld>
@@ -2147,7 +2147,7 @@
     </p:spTree>
     <p:extLst>
       <p:ext uri="{BB962C8B-B14F-4D97-AF65-F5344CB8AC3E}">
-        <p14:creationId xmlns:p14="http://schemas.microsoft.com/office/powerpoint/2010/main" val="1776232727"/>
+        <p14:creationId xmlns:p14="http://schemas.microsoft.com/office/powerpoint/2010/main" val="362615978"/>
       </p:ext>
     </p:extLst>
   </p:cSld>
@@ -2198,10 +2198,9 @@
         </p:nvSpPr>
         <p:spPr/>
         <p:txBody>
-          <a:bodyPr rtlCol="0"/>
-          <a:lstStyle/>
-          <a:p>
-            <a:pPr rtl="0"/>
+          <a:bodyPr/>
+          <a:lstStyle/>
+          <a:p>
             <a:endParaRPr lang="zh-CN" altLang="en-US" dirty="0"/>
           </a:p>
         </p:txBody>
@@ -2218,12 +2217,12 @@
         </p:nvSpPr>
         <p:spPr/>
         <p:txBody>
-          <a:bodyPr rtlCol="0"/>
-          <a:lstStyle/>
-          <a:p>
-            <a:pPr rtl="0"/>
-            <a:fld id="{5800B302-F4DC-4547-9C74-CF794137D166}" type="slidenum">
+          <a:bodyPr/>
+          <a:lstStyle/>
+          <a:p>
+            <a:fld id="{32674CE4-FBD8-4481-AEFB-CA53E599A745}" type="slidenum">
               <a:rPr lang="en-US" smtClean="0"/>
+              <a:pPr/>
               <a:t>11</a:t>
             </a:fld>
             <a:endParaRPr lang="en-US" dirty="0"/>
@@ -2233,7 +2232,7 @@
     </p:spTree>
     <p:extLst>
       <p:ext uri="{BB962C8B-B14F-4D97-AF65-F5344CB8AC3E}">
-        <p14:creationId xmlns:p14="http://schemas.microsoft.com/office/powerpoint/2010/main" val="908655586"/>
+        <p14:creationId xmlns:p14="http://schemas.microsoft.com/office/powerpoint/2010/main" val="205883173"/>
       </p:ext>
     </p:extLst>
   </p:cSld>
@@ -2975,7 +2974,7 @@
             <a:pPr rtl="0"/>
             <a:fld id="{6B961ADF-D8F6-45E0-ADA4-96ABDF6BF8CB}" type="datetime2">
               <a:rPr lang="zh-CN" altLang="en-US" smtClean="0"/>
-              <a:t>2019年3月13日</a:t>
+              <a:t>2019年3月14日</a:t>
             </a:fld>
             <a:endParaRPr lang="en-US" dirty="0"/>
           </a:p>
@@ -3184,7 +3183,7 @@
             <a:pPr rtl="0"/>
             <a:fld id="{BB356EF1-FDAD-4932-8CB1-BA1EF1306CA8}" type="datetime2">
               <a:rPr lang="zh-CN" altLang="en-US" smtClean="0"/>
-              <a:t>2019年3月13日</a:t>
+              <a:t>2019年3月14日</a:t>
             </a:fld>
             <a:endParaRPr lang="en-US" dirty="0"/>
           </a:p>
@@ -3390,7 +3389,7 @@
             <a:pPr rtl="0"/>
             <a:fld id="{C48D6003-6DBF-4E01-9D6B-13062B4B3967}" type="datetime2">
               <a:rPr lang="zh-CN" altLang="en-US" smtClean="0"/>
-              <a:t>2019年3月13日</a:t>
+              <a:t>2019年3月14日</a:t>
             </a:fld>
             <a:endParaRPr lang="en-US" dirty="0"/>
           </a:p>
@@ -3589,7 +3588,7 @@
             <a:pPr rtl="0"/>
             <a:fld id="{420542E2-407D-43B9-B0EF-A90942F87D18}" type="datetime2">
               <a:rPr lang="zh-CN" altLang="en-US" smtClean="0"/>
-              <a:t>2019年3月13日</a:t>
+              <a:t>2019年3月14日</a:t>
             </a:fld>
             <a:endParaRPr lang="en-US" dirty="0"/>
           </a:p>
@@ -3828,7 +3827,7 @@
             <a:pPr rtl="0"/>
             <a:fld id="{B9F9B539-0CEC-4146-8886-BECE2105FFB7}" type="datetime2">
               <a:rPr lang="zh-CN" altLang="en-US" smtClean="0"/>
-              <a:t>2019年3月13日</a:t>
+              <a:t>2019年3月14日</a:t>
             </a:fld>
             <a:endParaRPr lang="en-US" dirty="0"/>
           </a:p>
@@ -4111,7 +4110,7 @@
             <a:pPr rtl="0"/>
             <a:fld id="{6C5E7D52-F468-426A-BB36-87D372E56047}" type="datetime2">
               <a:rPr lang="zh-CN" altLang="en-US" smtClean="0"/>
-              <a:t>2019年3月13日</a:t>
+              <a:t>2019年3月14日</a:t>
             </a:fld>
             <a:endParaRPr lang="en-US" dirty="0"/>
           </a:p>
@@ -4557,7 +4556,7 @@
             <a:pPr rtl="0"/>
             <a:fld id="{59527240-084C-4424-94CC-C29C5C16B56C}" type="datetime2">
               <a:rPr lang="zh-CN" altLang="en-US" smtClean="0"/>
-              <a:t>2019年3月13日</a:t>
+              <a:t>2019年3月14日</a:t>
             </a:fld>
             <a:endParaRPr lang="en-US" dirty="0"/>
           </a:p>
@@ -4717,7 +4716,7 @@
             <a:pPr rtl="0"/>
             <a:fld id="{74E24FF4-28FC-4F17-A1F7-EEBB40A672F6}" type="datetime2">
               <a:rPr lang="zh-CN" altLang="en-US" smtClean="0"/>
-              <a:t>2019年3月13日</a:t>
+              <a:t>2019年3月14日</a:t>
             </a:fld>
             <a:endParaRPr lang="en-US" dirty="0"/>
           </a:p>
@@ -4835,7 +4834,7 @@
             <a:pPr rtl="0"/>
             <a:fld id="{3A8AE2AB-609C-4B7B-8E16-0AB865CFA893}" type="datetime2">
               <a:rPr lang="zh-CN" altLang="en-US" smtClean="0"/>
-              <a:t>2019年3月13日</a:t>
+              <a:t>2019年3月14日</a:t>
             </a:fld>
             <a:endParaRPr lang="en-US" dirty="0"/>
           </a:p>
@@ -5103,7 +5102,7 @@
             <a:pPr rtl="0"/>
             <a:fld id="{EC9132B7-0125-457C-84B9-733C76542A57}" type="datetime2">
               <a:rPr lang="zh-CN" altLang="en-US" smtClean="0"/>
-              <a:t>2019年3月13日</a:t>
+              <a:t>2019年3月14日</a:t>
             </a:fld>
             <a:endParaRPr lang="en-US" dirty="0"/>
           </a:p>
@@ -5372,7 +5371,7 @@
             <a:pPr rtl="0"/>
             <a:fld id="{F5C82D64-44BB-44B8-8D12-C6B23D3DB24F}" type="datetime2">
               <a:rPr lang="zh-CN" altLang="en-US" smtClean="0"/>
-              <a:t>2019年3月13日</a:t>
+              <a:t>2019年3月14日</a:t>
             </a:fld>
             <a:endParaRPr lang="en-US" dirty="0"/>
           </a:p>
@@ -6281,7 +6280,7 @@
             <a:fld id="{EFF7E999-41AB-432C-B3A7-BEA980E4A096}" type="datetime2">
               <a:rPr lang="zh-CN" altLang="en-US" smtClean="0"/>
               <a:pPr/>
-              <a:t>2019年3月13日</a:t>
+              <a:t>2019年3月14日</a:t>
             </a:fld>
             <a:endParaRPr lang="en-US" dirty="0"/>
           </a:p>
@@ -6790,7 +6789,7 @@
       </p:grpSpPr>
       <p:sp>
         <p:nvSpPr>
-          <p:cNvPr id="2" name="标题 1"/>
+          <p:cNvPr id="9" name="标题 8"/>
           <p:cNvSpPr>
             <a:spLocks noGrp="1"/>
           </p:cNvSpPr>
@@ -6798,53 +6797,419 @@
             <p:ph type="title"/>
           </p:nvPr>
         </p:nvSpPr>
-        <p:spPr/>
+        <p:spPr>
+          <a:xfrm>
+            <a:off x="387531" y="555171"/>
+            <a:ext cx="5384800" cy="1066800"/>
+          </a:xfrm>
+        </p:spPr>
         <p:txBody>
           <a:bodyPr rtlCol="0"/>
           <a:lstStyle/>
           <a:p>
             <a:pPr rtl="0"/>
             <a:r>
-              <a:rPr lang="zh-cn" dirty="0"/>
-              <a:t>课程 1：小结</a:t>
-            </a:r>
-          </a:p>
-        </p:txBody>
-      </p:sp>
-      <p:sp>
-        <p:nvSpPr>
-          <p:cNvPr id="3" name="内容占位符 2"/>
-          <p:cNvSpPr>
-            <a:spLocks noGrp="1"/>
-          </p:cNvSpPr>
-          <p:nvPr>
-            <p:ph idx="1"/>
-          </p:nvPr>
-        </p:nvSpPr>
-        <p:spPr/>
-        <p:txBody>
-          <a:bodyPr rtlCol="0"/>
-          <a:lstStyle/>
-          <a:p>
-            <a:pPr rtl="0"/>
-            <a:r>
-              <a:rPr lang="zh-cn" dirty="0"/>
-              <a:t>概述要点。</a:t>
-            </a:r>
-          </a:p>
-          <a:p>
-            <a:pPr rtl="0"/>
-            <a:r>
-              <a:rPr lang="zh-cn" dirty="0"/>
-              <a:t>留出提问时间。</a:t>
-            </a:r>
-          </a:p>
-        </p:txBody>
-      </p:sp>
+              <a:rPr lang="zh-CN" altLang="en-US" dirty="0"/>
+              <a:t>代码分析</a:t>
+            </a:r>
+            <a:r>
+              <a:rPr lang="en-US" altLang="zh-CN" dirty="0"/>
+              <a:t>-</a:t>
+            </a:r>
+            <a:r>
+              <a:rPr lang="zh-CN" altLang="en-US" dirty="0"/>
+              <a:t>读取模式</a:t>
+            </a:r>
+          </a:p>
+        </p:txBody>
+      </p:sp>
+      <p:sp>
+        <p:nvSpPr>
+          <p:cNvPr id="6" name="文本占位符 5"/>
+          <p:cNvSpPr>
+            <a:spLocks noGrp="1"/>
+          </p:cNvSpPr>
+          <p:nvPr>
+            <p:ph sz="half" idx="1"/>
+          </p:nvPr>
+        </p:nvSpPr>
+        <p:spPr>
+          <a:xfrm>
+            <a:off x="387531" y="1621971"/>
+            <a:ext cx="4942115" cy="1683075"/>
+          </a:xfrm>
+        </p:spPr>
+        <p:txBody>
+          <a:bodyPr rtlCol="0">
+            <a:noAutofit/>
+          </a:bodyPr>
+          <a:lstStyle/>
+          <a:p>
+            <a:pPr rtl="0">
+              <a:lnSpc>
+                <a:spcPct val="150000"/>
+              </a:lnSpc>
+            </a:pPr>
+            <a:r>
+              <a:rPr lang="en-US" altLang="zh-CN" sz="1600" b="1" dirty="0" err="1"/>
+              <a:t>do_telnet</a:t>
+            </a:r>
+            <a:r>
+              <a:rPr lang="en-US" altLang="zh-CN" sz="1600" b="1" dirty="0"/>
+              <a:t>()</a:t>
+            </a:r>
+            <a:r>
+              <a:rPr lang="zh-CN" altLang="en-US" sz="1600" b="1" dirty="0"/>
+              <a:t>函数：</a:t>
+            </a:r>
+            <a:endParaRPr lang="en-US" altLang="zh-CN" sz="1600" b="1" dirty="0"/>
+          </a:p>
+          <a:p>
+            <a:pPr marL="109728" indent="0">
+              <a:lnSpc>
+                <a:spcPct val="150000"/>
+              </a:lnSpc>
+              <a:buNone/>
+            </a:pPr>
+            <a:r>
+              <a:rPr lang="en-US" altLang="zh-CN" sz="1600" dirty="0"/>
+              <a:t>display current-configuration</a:t>
+            </a:r>
+            <a:r>
+              <a:rPr lang="zh-CN" altLang="en-US" sz="1600" dirty="0"/>
+              <a:t>翻页问题：由于配置信息比较多，不能显示完，需要传入空格来翻页。所以要用循环来完成。</a:t>
+            </a:r>
+            <a:endParaRPr lang="en-US" altLang="zh-CN" sz="1600" dirty="0"/>
+          </a:p>
+          <a:p>
+            <a:pPr marL="688086" lvl="1" indent="-285750">
+              <a:lnSpc>
+                <a:spcPct val="150000"/>
+              </a:lnSpc>
+              <a:buFont typeface="Arial" panose="020B0604020202020204" pitchFamily="34" charset="0"/>
+              <a:buChar char="•"/>
+            </a:pPr>
+            <a:endParaRPr lang="en-US" altLang="zh-CN" sz="1500" dirty="0"/>
+          </a:p>
+        </p:txBody>
+      </p:sp>
+      <p:sp>
+        <p:nvSpPr>
+          <p:cNvPr id="10" name="文本占位符 5">
+            <a:extLst>
+              <a:ext uri="{FF2B5EF4-FFF2-40B4-BE49-F238E27FC236}">
+                <a16:creationId xmlns:a16="http://schemas.microsoft.com/office/drawing/2014/main" id="{1DE41F84-D5B7-464D-A435-D7BC12E4DD67}"/>
+              </a:ext>
+            </a:extLst>
+          </p:cNvPr>
+          <p:cNvSpPr txBox="1">
+            <a:spLocks/>
+          </p:cNvSpPr>
+          <p:nvPr/>
+        </p:nvSpPr>
+        <p:spPr>
+          <a:xfrm>
+            <a:off x="6226629" y="1427459"/>
+            <a:ext cx="5384800" cy="1683075"/>
+          </a:xfrm>
+          <a:prstGeom prst="rect">
+            <a:avLst/>
+          </a:prstGeom>
+        </p:spPr>
+        <p:txBody>
+          <a:bodyPr vert="horz" rtlCol="0">
+            <a:noAutofit/>
+          </a:bodyPr>
+          <a:lstStyle>
+            <a:lvl1pPr marL="365760" indent="-256032" algn="l" rtl="0" eaLnBrk="1" latinLnBrk="0" hangingPunct="1">
+              <a:spcBef>
+                <a:spcPts val="300"/>
+              </a:spcBef>
+              <a:buClr>
+                <a:schemeClr val="accent3">
+                  <a:lumMod val="75000"/>
+                </a:schemeClr>
+              </a:buClr>
+              <a:buFont typeface="Georgia"/>
+              <a:buChar char="•"/>
+              <a:defRPr kumimoji="0" sz="2000" kern="1200">
+                <a:solidFill>
+                  <a:schemeClr val="tx2"/>
+                </a:solidFill>
+                <a:latin typeface="微软雅黑" panose="020B0503020204020204" pitchFamily="34" charset="-122"/>
+                <a:ea typeface="微软雅黑" panose="020B0503020204020204" pitchFamily="34" charset="-122"/>
+                <a:cs typeface="+mn-cs"/>
+              </a:defRPr>
+            </a:lvl1pPr>
+            <a:lvl2pPr marL="658368" indent="-246888" algn="l" rtl="0" eaLnBrk="1" latinLnBrk="0" hangingPunct="1">
+              <a:spcBef>
+                <a:spcPts val="300"/>
+              </a:spcBef>
+              <a:buClr>
+                <a:schemeClr val="accent2">
+                  <a:lumMod val="75000"/>
+                </a:schemeClr>
+              </a:buClr>
+              <a:buFont typeface="Georgia"/>
+              <a:buChar char="▫"/>
+              <a:defRPr kumimoji="0" sz="1900" kern="1200">
+                <a:solidFill>
+                  <a:schemeClr val="tx2"/>
+                </a:solidFill>
+                <a:latin typeface="微软雅黑" panose="020B0503020204020204" pitchFamily="34" charset="-122"/>
+                <a:ea typeface="微软雅黑" panose="020B0503020204020204" pitchFamily="34" charset="-122"/>
+                <a:cs typeface="+mn-cs"/>
+              </a:defRPr>
+            </a:lvl2pPr>
+            <a:lvl3pPr marL="923544" indent="-219456" algn="l" rtl="0" eaLnBrk="1" latinLnBrk="0" hangingPunct="1">
+              <a:spcBef>
+                <a:spcPts val="300"/>
+              </a:spcBef>
+              <a:buClr>
+                <a:schemeClr val="accent1">
+                  <a:lumMod val="50000"/>
+                </a:schemeClr>
+              </a:buClr>
+              <a:buFont typeface="Wingdings 2" panose="05020102010507070707" pitchFamily="18" charset="2"/>
+              <a:buChar char=""/>
+              <a:defRPr kumimoji="0" sz="1800" kern="1200">
+                <a:solidFill>
+                  <a:schemeClr val="tx2"/>
+                </a:solidFill>
+                <a:latin typeface="微软雅黑" panose="020B0503020204020204" pitchFamily="34" charset="-122"/>
+                <a:ea typeface="微软雅黑" panose="020B0503020204020204" pitchFamily="34" charset="-122"/>
+                <a:cs typeface="+mn-cs"/>
+              </a:defRPr>
+            </a:lvl3pPr>
+            <a:lvl4pPr marL="1179576" indent="-201168" algn="l" rtl="0" eaLnBrk="1" latinLnBrk="0" hangingPunct="1">
+              <a:spcBef>
+                <a:spcPts val="300"/>
+              </a:spcBef>
+              <a:buClr>
+                <a:schemeClr val="accent1">
+                  <a:lumMod val="50000"/>
+                </a:schemeClr>
+              </a:buClr>
+              <a:buFont typeface="Wingdings 2" panose="05020102010507070707" pitchFamily="18" charset="2"/>
+              <a:buChar char=""/>
+              <a:defRPr kumimoji="0" sz="1800" kern="1200">
+                <a:solidFill>
+                  <a:schemeClr val="tx2"/>
+                </a:solidFill>
+                <a:latin typeface="微软雅黑" panose="020B0503020204020204" pitchFamily="34" charset="-122"/>
+                <a:ea typeface="微软雅黑" panose="020B0503020204020204" pitchFamily="34" charset="-122"/>
+                <a:cs typeface="+mn-cs"/>
+              </a:defRPr>
+            </a:lvl4pPr>
+            <a:lvl5pPr marL="1389888" indent="-182880" algn="l" rtl="0" eaLnBrk="1" latinLnBrk="0" hangingPunct="1">
+              <a:spcBef>
+                <a:spcPts val="300"/>
+              </a:spcBef>
+              <a:buClr>
+                <a:schemeClr val="accent1">
+                  <a:lumMod val="50000"/>
+                </a:schemeClr>
+              </a:buClr>
+              <a:buFont typeface="Wingdings 2" panose="05020102010507070707" pitchFamily="18" charset="2"/>
+              <a:buChar char=""/>
+              <a:defRPr kumimoji="0" sz="1800" kern="1200">
+                <a:solidFill>
+                  <a:schemeClr val="tx2"/>
+                </a:solidFill>
+                <a:latin typeface="微软雅黑" panose="020B0503020204020204" pitchFamily="34" charset="-122"/>
+                <a:ea typeface="微软雅黑" panose="020B0503020204020204" pitchFamily="34" charset="-122"/>
+                <a:cs typeface="+mn-cs"/>
+              </a:defRPr>
+            </a:lvl5pPr>
+            <a:lvl6pPr marL="1609344" indent="-182880" algn="l" rtl="0" eaLnBrk="1" latinLnBrk="0" hangingPunct="1">
+              <a:spcBef>
+                <a:spcPts val="300"/>
+              </a:spcBef>
+              <a:buClr>
+                <a:schemeClr val="accent1">
+                  <a:lumMod val="50000"/>
+                </a:schemeClr>
+              </a:buClr>
+              <a:buFont typeface="Wingdings 2" panose="05020102010507070707" pitchFamily="18" charset="2"/>
+              <a:buChar char=""/>
+              <a:defRPr kumimoji="0" sz="1800" kern="1200">
+                <a:solidFill>
+                  <a:schemeClr val="tx2"/>
+                </a:solidFill>
+                <a:latin typeface="+mn-lt"/>
+                <a:ea typeface="+mn-ea"/>
+                <a:cs typeface="+mn-cs"/>
+              </a:defRPr>
+            </a:lvl6pPr>
+            <a:lvl7pPr marL="1828800" indent="-182880" algn="l" rtl="0" eaLnBrk="1" latinLnBrk="0" hangingPunct="1">
+              <a:spcBef>
+                <a:spcPts val="300"/>
+              </a:spcBef>
+              <a:buClr>
+                <a:schemeClr val="accent1">
+                  <a:lumMod val="50000"/>
+                </a:schemeClr>
+              </a:buClr>
+              <a:buFont typeface="Wingdings 2" panose="05020102010507070707" pitchFamily="18" charset="2"/>
+              <a:buChar char=""/>
+              <a:defRPr kumimoji="0" sz="1600" kern="1200">
+                <a:solidFill>
+                  <a:schemeClr val="tx2"/>
+                </a:solidFill>
+                <a:latin typeface="+mn-lt"/>
+                <a:ea typeface="+mn-ea"/>
+                <a:cs typeface="+mn-cs"/>
+              </a:defRPr>
+            </a:lvl7pPr>
+            <a:lvl8pPr marL="2029968" indent="-182880" algn="l" rtl="0" eaLnBrk="1" latinLnBrk="0" hangingPunct="1">
+              <a:spcBef>
+                <a:spcPts val="300"/>
+              </a:spcBef>
+              <a:buClr>
+                <a:schemeClr val="accent1">
+                  <a:lumMod val="50000"/>
+                </a:schemeClr>
+              </a:buClr>
+              <a:buFont typeface="Wingdings 2" panose="05020102010507070707" pitchFamily="18" charset="2"/>
+              <a:buChar char=""/>
+              <a:defRPr kumimoji="0" sz="1500" kern="1200">
+                <a:solidFill>
+                  <a:schemeClr val="tx2"/>
+                </a:solidFill>
+                <a:latin typeface="+mn-lt"/>
+                <a:ea typeface="+mn-ea"/>
+                <a:cs typeface="+mn-cs"/>
+              </a:defRPr>
+            </a:lvl8pPr>
+            <a:lvl9pPr marL="2240280" indent="-182880" algn="l" rtl="0" eaLnBrk="1" latinLnBrk="0" hangingPunct="1">
+              <a:spcBef>
+                <a:spcPts val="300"/>
+              </a:spcBef>
+              <a:buClr>
+                <a:schemeClr val="accent1">
+                  <a:lumMod val="50000"/>
+                </a:schemeClr>
+              </a:buClr>
+              <a:buFont typeface="Wingdings 2" panose="05020102010507070707" pitchFamily="18" charset="2"/>
+              <a:buChar char=""/>
+              <a:defRPr kumimoji="0" sz="1400" kern="1200" baseline="0">
+                <a:solidFill>
+                  <a:schemeClr val="tx2"/>
+                </a:solidFill>
+                <a:latin typeface="+mn-lt"/>
+                <a:ea typeface="+mn-ea"/>
+                <a:cs typeface="+mn-cs"/>
+              </a:defRPr>
+            </a:lvl9pPr>
+          </a:lstStyle>
+          <a:p>
+            <a:pPr>
+              <a:lnSpc>
+                <a:spcPct val="150000"/>
+              </a:lnSpc>
+            </a:pPr>
+            <a:r>
+              <a:rPr lang="zh-CN" altLang="en-US" sz="1600" b="1" dirty="0"/>
+              <a:t>字符串处理：</a:t>
+            </a:r>
+            <a:endParaRPr lang="en-US" altLang="zh-CN" sz="1600" b="1" dirty="0"/>
+          </a:p>
+          <a:p>
+            <a:pPr marL="109728" indent="0">
+              <a:lnSpc>
+                <a:spcPct val="150000"/>
+              </a:lnSpc>
+              <a:buFont typeface="Georgia"/>
+              <a:buNone/>
+            </a:pPr>
+            <a:r>
+              <a:rPr lang="zh-CN" altLang="en-US" sz="1500" dirty="0"/>
+              <a:t>由于接收到的字符串内，也是包含“</a:t>
+            </a:r>
+            <a:r>
+              <a:rPr lang="en-US" altLang="zh-CN" sz="1500" dirty="0"/>
+              <a:t>-----mort------”</a:t>
+            </a:r>
+            <a:r>
+              <a:rPr lang="zh-CN" altLang="en-US" sz="1500" dirty="0"/>
+              <a:t>信息的，在写入</a:t>
+            </a:r>
+            <a:r>
+              <a:rPr lang="en-US" altLang="zh-CN" sz="1500" dirty="0"/>
+              <a:t>TXT</a:t>
+            </a:r>
+            <a:r>
+              <a:rPr lang="zh-CN" altLang="en-US" sz="1500" dirty="0"/>
+              <a:t>以前，需要将接收到的字符串整理一下，去掉前后的无用信息，和中间的翻页信息。</a:t>
+            </a:r>
+            <a:endParaRPr lang="en-US" altLang="zh-CN" sz="1500" dirty="0"/>
+          </a:p>
+        </p:txBody>
+      </p:sp>
+      <p:pic>
+        <p:nvPicPr>
+          <p:cNvPr id="4" name="图片 3">
+            <a:extLst>
+              <a:ext uri="{FF2B5EF4-FFF2-40B4-BE49-F238E27FC236}">
+                <a16:creationId xmlns:a16="http://schemas.microsoft.com/office/drawing/2014/main" id="{D067C1A2-7057-40F7-B86D-D33ACAE46D0D}"/>
+              </a:ext>
+            </a:extLst>
+          </p:cNvPr>
+          <p:cNvPicPr>
+            <a:picLocks noChangeAspect="1"/>
+          </p:cNvPicPr>
+          <p:nvPr/>
+        </p:nvPicPr>
+        <p:blipFill>
+          <a:blip r:embed="rId3"/>
+          <a:stretch>
+            <a:fillRect/>
+          </a:stretch>
+        </p:blipFill>
+        <p:spPr>
+          <a:xfrm>
+            <a:off x="472464" y="3305046"/>
+            <a:ext cx="5214933" cy="2096589"/>
+          </a:xfrm>
+          <a:prstGeom prst="rect">
+            <a:avLst/>
+          </a:prstGeom>
+        </p:spPr>
+      </p:pic>
+      <p:pic>
+        <p:nvPicPr>
+          <p:cNvPr id="8" name="图片 7">
+            <a:extLst>
+              <a:ext uri="{FF2B5EF4-FFF2-40B4-BE49-F238E27FC236}">
+                <a16:creationId xmlns:a16="http://schemas.microsoft.com/office/drawing/2014/main" id="{4C698A7B-FFB8-45AF-A17D-ECE96CA98C89}"/>
+              </a:ext>
+            </a:extLst>
+          </p:cNvPr>
+          <p:cNvPicPr>
+            <a:picLocks noChangeAspect="1"/>
+          </p:cNvPicPr>
+          <p:nvPr/>
+        </p:nvPicPr>
+        <p:blipFill>
+          <a:blip r:embed="rId4"/>
+          <a:stretch>
+            <a:fillRect/>
+          </a:stretch>
+        </p:blipFill>
+        <p:spPr>
+          <a:xfrm>
+            <a:off x="6447971" y="3006031"/>
+            <a:ext cx="4942115" cy="3642204"/>
+          </a:xfrm>
+          <a:prstGeom prst="rect">
+            <a:avLst/>
+          </a:prstGeom>
+        </p:spPr>
+      </p:pic>
     </p:spTree>
     <p:extLst>
       <p:ext uri="{BB962C8B-B14F-4D97-AF65-F5344CB8AC3E}">
-        <p14:creationId xmlns:p14="http://schemas.microsoft.com/office/powerpoint/2010/main" val="3514341159"/>
+        <p14:creationId xmlns:p14="http://schemas.microsoft.com/office/powerpoint/2010/main" val="3116320290"/>
       </p:ext>
     </p:extLst>
   </p:cSld>
@@ -6885,7 +7250,7 @@
       </p:grpSpPr>
       <p:sp>
         <p:nvSpPr>
-          <p:cNvPr id="2" name="标题 1"/>
+          <p:cNvPr id="9" name="标题 8"/>
           <p:cNvSpPr>
             <a:spLocks noGrp="1"/>
           </p:cNvSpPr>
@@ -6893,53 +7258,455 @@
             <p:ph type="title"/>
           </p:nvPr>
         </p:nvSpPr>
-        <p:spPr/>
+        <p:spPr>
+          <a:xfrm>
+            <a:off x="387531" y="555171"/>
+            <a:ext cx="5384800" cy="1066800"/>
+          </a:xfrm>
+        </p:spPr>
         <p:txBody>
           <a:bodyPr rtlCol="0"/>
           <a:lstStyle/>
           <a:p>
             <a:pPr rtl="0"/>
             <a:r>
-              <a:rPr lang="zh-cn" dirty="0"/>
-              <a:t>课程 2：目标</a:t>
-            </a:r>
-          </a:p>
-        </p:txBody>
-      </p:sp>
-      <p:sp>
-        <p:nvSpPr>
-          <p:cNvPr id="3" name="内容占位符 2"/>
-          <p:cNvSpPr>
-            <a:spLocks noGrp="1"/>
-          </p:cNvSpPr>
-          <p:nvPr>
-            <p:ph idx="1"/>
-          </p:nvPr>
-        </p:nvSpPr>
-        <p:spPr/>
-        <p:txBody>
-          <a:bodyPr rtlCol="0"/>
-          <a:lstStyle/>
-          <a:p>
-            <a:pPr rtl="0"/>
-            <a:r>
-              <a:rPr lang="zh-cn" dirty="0"/>
-              <a:t>列出此培训课程的预期结果。</a:t>
-            </a:r>
-          </a:p>
-          <a:p>
-            <a:pPr rtl="0"/>
-            <a:r>
-              <a:rPr lang="zh-cn" dirty="0"/>
-              <a:t>各目标均应简明扼要，包含一个动词和一个可衡量的结果。</a:t>
-            </a:r>
-          </a:p>
-        </p:txBody>
-      </p:sp>
+              <a:rPr lang="zh-CN" altLang="en-US" dirty="0"/>
+              <a:t>代码分析</a:t>
+            </a:r>
+            <a:r>
+              <a:rPr lang="en-US" altLang="zh-CN" dirty="0"/>
+              <a:t>-</a:t>
+            </a:r>
+            <a:r>
+              <a:rPr lang="zh-CN" altLang="en-US" dirty="0"/>
+              <a:t>优化</a:t>
+            </a:r>
+          </a:p>
+        </p:txBody>
+      </p:sp>
+      <p:sp>
+        <p:nvSpPr>
+          <p:cNvPr id="6" name="文本占位符 5"/>
+          <p:cNvSpPr>
+            <a:spLocks noGrp="1"/>
+          </p:cNvSpPr>
+          <p:nvPr>
+            <p:ph sz="half" idx="1"/>
+          </p:nvPr>
+        </p:nvSpPr>
+        <p:spPr>
+          <a:xfrm>
+            <a:off x="387531" y="1621971"/>
+            <a:ext cx="4942115" cy="1683075"/>
+          </a:xfrm>
+        </p:spPr>
+        <p:txBody>
+          <a:bodyPr rtlCol="0">
+            <a:noAutofit/>
+          </a:bodyPr>
+          <a:lstStyle/>
+          <a:p>
+            <a:pPr rtl="0">
+              <a:lnSpc>
+                <a:spcPct val="150000"/>
+              </a:lnSpc>
+            </a:pPr>
+            <a:r>
+              <a:rPr lang="zh-CN" altLang="en-US" sz="1600" b="1" dirty="0"/>
+              <a:t>异常处理：</a:t>
+            </a:r>
+            <a:endParaRPr lang="en-US" altLang="zh-CN" sz="1600" b="1" dirty="0"/>
+          </a:p>
+          <a:p>
+            <a:pPr marL="109728" indent="0">
+              <a:lnSpc>
+                <a:spcPct val="150000"/>
+              </a:lnSpc>
+              <a:buNone/>
+            </a:pPr>
+            <a:r>
+              <a:rPr lang="zh-CN" altLang="en-US" sz="1600" dirty="0"/>
+              <a:t>程序在运行中遇到异常情况，比如说找不到地址文件、交换机连接失败等常见的问题，需要专门写异常处理语句来捕捉这些异常。</a:t>
+            </a:r>
+            <a:endParaRPr lang="en-US" altLang="zh-CN" sz="1500" dirty="0"/>
+          </a:p>
+        </p:txBody>
+      </p:sp>
+      <p:sp>
+        <p:nvSpPr>
+          <p:cNvPr id="10" name="文本占位符 5">
+            <a:extLst>
+              <a:ext uri="{FF2B5EF4-FFF2-40B4-BE49-F238E27FC236}">
+                <a16:creationId xmlns:a16="http://schemas.microsoft.com/office/drawing/2014/main" id="{1DE41F84-D5B7-464D-A435-D7BC12E4DD67}"/>
+              </a:ext>
+            </a:extLst>
+          </p:cNvPr>
+          <p:cNvSpPr txBox="1">
+            <a:spLocks/>
+          </p:cNvSpPr>
+          <p:nvPr/>
+        </p:nvSpPr>
+        <p:spPr>
+          <a:xfrm>
+            <a:off x="6226629" y="1427459"/>
+            <a:ext cx="5384800" cy="2151764"/>
+          </a:xfrm>
+          <a:prstGeom prst="rect">
+            <a:avLst/>
+          </a:prstGeom>
+        </p:spPr>
+        <p:txBody>
+          <a:bodyPr vert="horz" rtlCol="0">
+            <a:noAutofit/>
+          </a:bodyPr>
+          <a:lstStyle>
+            <a:lvl1pPr marL="365760" indent="-256032" algn="l" rtl="0" eaLnBrk="1" latinLnBrk="0" hangingPunct="1">
+              <a:spcBef>
+                <a:spcPts val="300"/>
+              </a:spcBef>
+              <a:buClr>
+                <a:schemeClr val="accent3">
+                  <a:lumMod val="75000"/>
+                </a:schemeClr>
+              </a:buClr>
+              <a:buFont typeface="Georgia"/>
+              <a:buChar char="•"/>
+              <a:defRPr kumimoji="0" sz="2000" kern="1200">
+                <a:solidFill>
+                  <a:schemeClr val="tx2"/>
+                </a:solidFill>
+                <a:latin typeface="微软雅黑" panose="020B0503020204020204" pitchFamily="34" charset="-122"/>
+                <a:ea typeface="微软雅黑" panose="020B0503020204020204" pitchFamily="34" charset="-122"/>
+                <a:cs typeface="+mn-cs"/>
+              </a:defRPr>
+            </a:lvl1pPr>
+            <a:lvl2pPr marL="658368" indent="-246888" algn="l" rtl="0" eaLnBrk="1" latinLnBrk="0" hangingPunct="1">
+              <a:spcBef>
+                <a:spcPts val="300"/>
+              </a:spcBef>
+              <a:buClr>
+                <a:schemeClr val="accent2">
+                  <a:lumMod val="75000"/>
+                </a:schemeClr>
+              </a:buClr>
+              <a:buFont typeface="Georgia"/>
+              <a:buChar char="▫"/>
+              <a:defRPr kumimoji="0" sz="1900" kern="1200">
+                <a:solidFill>
+                  <a:schemeClr val="tx2"/>
+                </a:solidFill>
+                <a:latin typeface="微软雅黑" panose="020B0503020204020204" pitchFamily="34" charset="-122"/>
+                <a:ea typeface="微软雅黑" panose="020B0503020204020204" pitchFamily="34" charset="-122"/>
+                <a:cs typeface="+mn-cs"/>
+              </a:defRPr>
+            </a:lvl2pPr>
+            <a:lvl3pPr marL="923544" indent="-219456" algn="l" rtl="0" eaLnBrk="1" latinLnBrk="0" hangingPunct="1">
+              <a:spcBef>
+                <a:spcPts val="300"/>
+              </a:spcBef>
+              <a:buClr>
+                <a:schemeClr val="accent1">
+                  <a:lumMod val="50000"/>
+                </a:schemeClr>
+              </a:buClr>
+              <a:buFont typeface="Wingdings 2" panose="05020102010507070707" pitchFamily="18" charset="2"/>
+              <a:buChar char=""/>
+              <a:defRPr kumimoji="0" sz="1800" kern="1200">
+                <a:solidFill>
+                  <a:schemeClr val="tx2"/>
+                </a:solidFill>
+                <a:latin typeface="微软雅黑" panose="020B0503020204020204" pitchFamily="34" charset="-122"/>
+                <a:ea typeface="微软雅黑" panose="020B0503020204020204" pitchFamily="34" charset="-122"/>
+                <a:cs typeface="+mn-cs"/>
+              </a:defRPr>
+            </a:lvl3pPr>
+            <a:lvl4pPr marL="1179576" indent="-201168" algn="l" rtl="0" eaLnBrk="1" latinLnBrk="0" hangingPunct="1">
+              <a:spcBef>
+                <a:spcPts val="300"/>
+              </a:spcBef>
+              <a:buClr>
+                <a:schemeClr val="accent1">
+                  <a:lumMod val="50000"/>
+                </a:schemeClr>
+              </a:buClr>
+              <a:buFont typeface="Wingdings 2" panose="05020102010507070707" pitchFamily="18" charset="2"/>
+              <a:buChar char=""/>
+              <a:defRPr kumimoji="0" sz="1800" kern="1200">
+                <a:solidFill>
+                  <a:schemeClr val="tx2"/>
+                </a:solidFill>
+                <a:latin typeface="微软雅黑" panose="020B0503020204020204" pitchFamily="34" charset="-122"/>
+                <a:ea typeface="微软雅黑" panose="020B0503020204020204" pitchFamily="34" charset="-122"/>
+                <a:cs typeface="+mn-cs"/>
+              </a:defRPr>
+            </a:lvl4pPr>
+            <a:lvl5pPr marL="1389888" indent="-182880" algn="l" rtl="0" eaLnBrk="1" latinLnBrk="0" hangingPunct="1">
+              <a:spcBef>
+                <a:spcPts val="300"/>
+              </a:spcBef>
+              <a:buClr>
+                <a:schemeClr val="accent1">
+                  <a:lumMod val="50000"/>
+                </a:schemeClr>
+              </a:buClr>
+              <a:buFont typeface="Wingdings 2" panose="05020102010507070707" pitchFamily="18" charset="2"/>
+              <a:buChar char=""/>
+              <a:defRPr kumimoji="0" sz="1800" kern="1200">
+                <a:solidFill>
+                  <a:schemeClr val="tx2"/>
+                </a:solidFill>
+                <a:latin typeface="微软雅黑" panose="020B0503020204020204" pitchFamily="34" charset="-122"/>
+                <a:ea typeface="微软雅黑" panose="020B0503020204020204" pitchFamily="34" charset="-122"/>
+                <a:cs typeface="+mn-cs"/>
+              </a:defRPr>
+            </a:lvl5pPr>
+            <a:lvl6pPr marL="1609344" indent="-182880" algn="l" rtl="0" eaLnBrk="1" latinLnBrk="0" hangingPunct="1">
+              <a:spcBef>
+                <a:spcPts val="300"/>
+              </a:spcBef>
+              <a:buClr>
+                <a:schemeClr val="accent1">
+                  <a:lumMod val="50000"/>
+                </a:schemeClr>
+              </a:buClr>
+              <a:buFont typeface="Wingdings 2" panose="05020102010507070707" pitchFamily="18" charset="2"/>
+              <a:buChar char=""/>
+              <a:defRPr kumimoji="0" sz="1800" kern="1200">
+                <a:solidFill>
+                  <a:schemeClr val="tx2"/>
+                </a:solidFill>
+                <a:latin typeface="+mn-lt"/>
+                <a:ea typeface="+mn-ea"/>
+                <a:cs typeface="+mn-cs"/>
+              </a:defRPr>
+            </a:lvl6pPr>
+            <a:lvl7pPr marL="1828800" indent="-182880" algn="l" rtl="0" eaLnBrk="1" latinLnBrk="0" hangingPunct="1">
+              <a:spcBef>
+                <a:spcPts val="300"/>
+              </a:spcBef>
+              <a:buClr>
+                <a:schemeClr val="accent1">
+                  <a:lumMod val="50000"/>
+                </a:schemeClr>
+              </a:buClr>
+              <a:buFont typeface="Wingdings 2" panose="05020102010507070707" pitchFamily="18" charset="2"/>
+              <a:buChar char=""/>
+              <a:defRPr kumimoji="0" sz="1600" kern="1200">
+                <a:solidFill>
+                  <a:schemeClr val="tx2"/>
+                </a:solidFill>
+                <a:latin typeface="+mn-lt"/>
+                <a:ea typeface="+mn-ea"/>
+                <a:cs typeface="+mn-cs"/>
+              </a:defRPr>
+            </a:lvl7pPr>
+            <a:lvl8pPr marL="2029968" indent="-182880" algn="l" rtl="0" eaLnBrk="1" latinLnBrk="0" hangingPunct="1">
+              <a:spcBef>
+                <a:spcPts val="300"/>
+              </a:spcBef>
+              <a:buClr>
+                <a:schemeClr val="accent1">
+                  <a:lumMod val="50000"/>
+                </a:schemeClr>
+              </a:buClr>
+              <a:buFont typeface="Wingdings 2" panose="05020102010507070707" pitchFamily="18" charset="2"/>
+              <a:buChar char=""/>
+              <a:defRPr kumimoji="0" sz="1500" kern="1200">
+                <a:solidFill>
+                  <a:schemeClr val="tx2"/>
+                </a:solidFill>
+                <a:latin typeface="+mn-lt"/>
+                <a:ea typeface="+mn-ea"/>
+                <a:cs typeface="+mn-cs"/>
+              </a:defRPr>
+            </a:lvl8pPr>
+            <a:lvl9pPr marL="2240280" indent="-182880" algn="l" rtl="0" eaLnBrk="1" latinLnBrk="0" hangingPunct="1">
+              <a:spcBef>
+                <a:spcPts val="300"/>
+              </a:spcBef>
+              <a:buClr>
+                <a:schemeClr val="accent1">
+                  <a:lumMod val="50000"/>
+                </a:schemeClr>
+              </a:buClr>
+              <a:buFont typeface="Wingdings 2" panose="05020102010507070707" pitchFamily="18" charset="2"/>
+              <a:buChar char=""/>
+              <a:defRPr kumimoji="0" sz="1400" kern="1200" baseline="0">
+                <a:solidFill>
+                  <a:schemeClr val="tx2"/>
+                </a:solidFill>
+                <a:latin typeface="+mn-lt"/>
+                <a:ea typeface="+mn-ea"/>
+                <a:cs typeface="+mn-cs"/>
+              </a:defRPr>
+            </a:lvl9pPr>
+          </a:lstStyle>
+          <a:p>
+            <a:pPr>
+              <a:lnSpc>
+                <a:spcPct val="150000"/>
+              </a:lnSpc>
+            </a:pPr>
+            <a:r>
+              <a:rPr lang="zh-CN" altLang="en-US" sz="1600" b="1" dirty="0"/>
+              <a:t>添加日期：</a:t>
+            </a:r>
+            <a:endParaRPr lang="en-US" altLang="zh-CN" sz="1600" b="1" dirty="0"/>
+          </a:p>
+          <a:p>
+            <a:pPr marL="109728" indent="0">
+              <a:lnSpc>
+                <a:spcPct val="150000"/>
+              </a:lnSpc>
+              <a:buFont typeface="Georgia"/>
+              <a:buNone/>
+            </a:pPr>
+            <a:r>
+              <a:rPr lang="zh-CN" altLang="en-US" sz="1500" dirty="0"/>
+              <a:t>在保存的文件夹上加上日期信息。这样保存下来的配置文件会很方便管理。</a:t>
+            </a:r>
+            <a:endParaRPr lang="en-US" altLang="zh-CN" sz="1500" dirty="0"/>
+          </a:p>
+          <a:p>
+            <a:pPr marL="109728" indent="0">
+              <a:lnSpc>
+                <a:spcPct val="150000"/>
+              </a:lnSpc>
+              <a:buFont typeface="Georgia"/>
+              <a:buNone/>
+            </a:pPr>
+            <a:r>
+              <a:rPr lang="zh-CN" altLang="en-US" sz="1500" dirty="0"/>
+              <a:t>需要导入</a:t>
+            </a:r>
+            <a:r>
+              <a:rPr lang="en-US" altLang="zh-CN" sz="1500" dirty="0"/>
+              <a:t>time </a:t>
+            </a:r>
+            <a:r>
+              <a:rPr lang="zh-CN" altLang="en-US" sz="1500" dirty="0"/>
+              <a:t>模块获取日期。</a:t>
+            </a:r>
+            <a:endParaRPr lang="en-US" altLang="zh-CN" sz="1500" dirty="0"/>
+          </a:p>
+          <a:p>
+            <a:pPr marL="109728" indent="0">
+              <a:lnSpc>
+                <a:spcPct val="150000"/>
+              </a:lnSpc>
+              <a:buFont typeface="Georgia"/>
+              <a:buNone/>
+            </a:pPr>
+            <a:r>
+              <a:rPr lang="zh-CN" altLang="en-US" sz="1500" dirty="0"/>
+              <a:t>导入</a:t>
+            </a:r>
+            <a:r>
+              <a:rPr lang="en-US" altLang="zh-CN" sz="1500" dirty="0"/>
+              <a:t>OS</a:t>
+            </a:r>
+            <a:r>
+              <a:rPr lang="zh-CN" altLang="en-US" sz="1500" dirty="0"/>
+              <a:t>模块来创建文件夹。</a:t>
+            </a:r>
+            <a:endParaRPr lang="en-US" altLang="zh-CN" sz="1500" dirty="0"/>
+          </a:p>
+        </p:txBody>
+      </p:sp>
+      <p:pic>
+        <p:nvPicPr>
+          <p:cNvPr id="2" name="图片 1">
+            <a:extLst>
+              <a:ext uri="{FF2B5EF4-FFF2-40B4-BE49-F238E27FC236}">
+                <a16:creationId xmlns:a16="http://schemas.microsoft.com/office/drawing/2014/main" id="{EF843A77-A3E2-48E4-831D-4800551F961F}"/>
+              </a:ext>
+            </a:extLst>
+          </p:cNvPr>
+          <p:cNvPicPr>
+            <a:picLocks noChangeAspect="1"/>
+          </p:cNvPicPr>
+          <p:nvPr/>
+        </p:nvPicPr>
+        <p:blipFill>
+          <a:blip r:embed="rId3"/>
+          <a:stretch>
+            <a:fillRect/>
+          </a:stretch>
+        </p:blipFill>
+        <p:spPr>
+          <a:xfrm>
+            <a:off x="603431" y="3389669"/>
+            <a:ext cx="4953000" cy="1647825"/>
+          </a:xfrm>
+          <a:prstGeom prst="rect">
+            <a:avLst/>
+          </a:prstGeom>
+        </p:spPr>
+      </p:pic>
+      <p:pic>
+        <p:nvPicPr>
+          <p:cNvPr id="3" name="图片 2">
+            <a:extLst>
+              <a:ext uri="{FF2B5EF4-FFF2-40B4-BE49-F238E27FC236}">
+                <a16:creationId xmlns:a16="http://schemas.microsoft.com/office/drawing/2014/main" id="{B0EA7B88-973C-47DA-989C-703AA2FB4D93}"/>
+              </a:ext>
+            </a:extLst>
+          </p:cNvPr>
+          <p:cNvPicPr>
+            <a:picLocks noChangeAspect="1"/>
+          </p:cNvPicPr>
+          <p:nvPr/>
+        </p:nvPicPr>
+        <p:blipFill>
+          <a:blip r:embed="rId4"/>
+          <a:stretch>
+            <a:fillRect/>
+          </a:stretch>
+        </p:blipFill>
+        <p:spPr>
+          <a:xfrm>
+            <a:off x="801914" y="5376045"/>
+            <a:ext cx="3321192" cy="476115"/>
+          </a:xfrm>
+          <a:prstGeom prst="rect">
+            <a:avLst/>
+          </a:prstGeom>
+        </p:spPr>
+      </p:pic>
+      <p:pic>
+        <p:nvPicPr>
+          <p:cNvPr id="7" name="图片 6">
+            <a:extLst>
+              <a:ext uri="{FF2B5EF4-FFF2-40B4-BE49-F238E27FC236}">
+                <a16:creationId xmlns:a16="http://schemas.microsoft.com/office/drawing/2014/main" id="{2FBBE9AA-7D45-436F-9DD3-66EFA7814749}"/>
+              </a:ext>
+            </a:extLst>
+          </p:cNvPr>
+          <p:cNvPicPr>
+            <a:picLocks noChangeAspect="1"/>
+          </p:cNvPicPr>
+          <p:nvPr/>
+        </p:nvPicPr>
+        <p:blipFill>
+          <a:blip r:embed="rId5"/>
+          <a:stretch>
+            <a:fillRect/>
+          </a:stretch>
+        </p:blipFill>
+        <p:spPr>
+          <a:xfrm>
+            <a:off x="6325054" y="3570643"/>
+            <a:ext cx="5286375" cy="1285875"/>
+          </a:xfrm>
+          <a:prstGeom prst="rect">
+            <a:avLst/>
+          </a:prstGeom>
+        </p:spPr>
+      </p:pic>
     </p:spTree>
     <p:extLst>
       <p:ext uri="{BB962C8B-B14F-4D97-AF65-F5344CB8AC3E}">
-        <p14:creationId xmlns:p14="http://schemas.microsoft.com/office/powerpoint/2010/main" val="3046085847"/>
+        <p14:creationId xmlns:p14="http://schemas.microsoft.com/office/powerpoint/2010/main" val="2306065289"/>
       </p:ext>
     </p:extLst>
   </p:cSld>
@@ -6988,22 +7755,34 @@
             <p:ph type="title"/>
           </p:nvPr>
         </p:nvSpPr>
-        <p:spPr/>
+        <p:spPr>
+          <a:xfrm>
+            <a:off x="609600" y="605245"/>
+            <a:ext cx="10972800" cy="1066800"/>
+          </a:xfrm>
+        </p:spPr>
         <p:txBody>
           <a:bodyPr rtlCol="0"/>
           <a:lstStyle/>
           <a:p>
             <a:pPr rtl="0"/>
             <a:r>
-              <a:rPr lang="zh-cn" dirty="0"/>
-              <a:t>课程 2：内容</a:t>
-            </a:r>
-          </a:p>
-        </p:txBody>
-      </p:sp>
-      <p:sp>
-        <p:nvSpPr>
-          <p:cNvPr id="4" name="文本占位符 3"/>
+              <a:rPr lang="zh-CN" altLang="en-US" dirty="0"/>
+              <a:t>测试结果</a:t>
+            </a:r>
+            <a:endParaRPr lang="zh-cn" dirty="0"/>
+          </a:p>
+        </p:txBody>
+      </p:sp>
+      <p:sp>
+        <p:nvSpPr>
+          <p:cNvPr id="6" name="文本占位符 5">
+            <a:extLst>
+              <a:ext uri="{FF2B5EF4-FFF2-40B4-BE49-F238E27FC236}">
+                <a16:creationId xmlns:a16="http://schemas.microsoft.com/office/drawing/2014/main" id="{1AF32AA5-48FE-4E2E-BBB8-AE973954008A}"/>
+              </a:ext>
+            </a:extLst>
+          </p:cNvPr>
           <p:cNvSpPr>
             <a:spLocks noGrp="1"/>
           </p:cNvSpPr>
@@ -7011,61 +7790,367 @@
             <p:ph sz="half" idx="1"/>
           </p:nvPr>
         </p:nvSpPr>
-        <p:spPr/>
-        <p:txBody>
-          <a:bodyPr rtlCol="0"/>
-          <a:lstStyle/>
-          <a:p>
-            <a:pPr rtl="0"/>
-            <a:r>
-              <a:rPr lang="zh-cn" dirty="0"/>
-              <a:t>在此处添加文本。 </a:t>
-            </a:r>
-          </a:p>
-          <a:p>
-            <a:pPr rtl="0"/>
-            <a:r>
-              <a:rPr lang="zh-cn" dirty="0"/>
-              <a:t>若要在右列中添加图片、图表或其他内容，请单击相应的图标。</a:t>
-            </a:r>
-          </a:p>
-          <a:p>
-            <a:pPr rtl="0"/>
-            <a:r>
-              <a:rPr lang="zh-cn" dirty="0"/>
-              <a:t>若要添加幻灯片，请单击“插入”菜单中的“新建幻灯片”或按 CTRL+M。</a:t>
-            </a:r>
-          </a:p>
-          <a:p>
-            <a:pPr rtl="0"/>
-            <a:endParaRPr lang="en-US" dirty="0"/>
-          </a:p>
-        </p:txBody>
-      </p:sp>
-      <p:sp>
-        <p:nvSpPr>
-          <p:cNvPr id="5" name="内容占位符 4"/>
-          <p:cNvSpPr>
-            <a:spLocks noGrp="1"/>
-          </p:cNvSpPr>
-          <p:nvPr>
-            <p:ph sz="half" idx="2"/>
-          </p:nvPr>
-        </p:nvSpPr>
-        <p:spPr/>
-        <p:txBody>
-          <a:bodyPr rtlCol="0"/>
-          <a:lstStyle/>
-          <a:p>
-            <a:pPr rtl="0"/>
-            <a:endParaRPr lang="zh-CN" altLang="en-US" dirty="0"/>
+        <p:spPr>
+          <a:xfrm>
+            <a:off x="452845" y="1574075"/>
+            <a:ext cx="4942115" cy="529045"/>
+          </a:xfrm>
+        </p:spPr>
+        <p:txBody>
+          <a:bodyPr rtlCol="0">
+            <a:noAutofit/>
+          </a:bodyPr>
+          <a:lstStyle/>
+          <a:p>
+            <a:pPr rtl="0">
+              <a:lnSpc>
+                <a:spcPct val="150000"/>
+              </a:lnSpc>
+            </a:pPr>
+            <a:r>
+              <a:rPr lang="zh-CN" altLang="en-US" sz="1600" b="1" dirty="0"/>
+              <a:t>代码执行的效果：</a:t>
+            </a:r>
+            <a:endParaRPr lang="en-US" altLang="zh-CN" sz="1500" b="1" dirty="0"/>
+          </a:p>
+          <a:p>
+            <a:pPr marL="411480" lvl="1" indent="0">
+              <a:lnSpc>
+                <a:spcPct val="150000"/>
+              </a:lnSpc>
+              <a:buNone/>
+            </a:pPr>
+            <a:endParaRPr lang="zh-CN" altLang="en-US" sz="1400" b="1" dirty="0"/>
+          </a:p>
+        </p:txBody>
+      </p:sp>
+      <p:pic>
+        <p:nvPicPr>
+          <p:cNvPr id="7" name="图片 6">
+            <a:extLst>
+              <a:ext uri="{FF2B5EF4-FFF2-40B4-BE49-F238E27FC236}">
+                <a16:creationId xmlns:a16="http://schemas.microsoft.com/office/drawing/2014/main" id="{02F2DFCF-476A-41AA-A04F-1B194098F717}"/>
+              </a:ext>
+            </a:extLst>
+          </p:cNvPr>
+          <p:cNvPicPr>
+            <a:picLocks noChangeAspect="1"/>
+          </p:cNvPicPr>
+          <p:nvPr/>
+        </p:nvPicPr>
+        <p:blipFill>
+          <a:blip r:embed="rId3"/>
+          <a:stretch>
+            <a:fillRect/>
+          </a:stretch>
+        </p:blipFill>
+        <p:spPr>
+          <a:xfrm>
+            <a:off x="719953" y="2011679"/>
+            <a:ext cx="3708356" cy="4575734"/>
+          </a:xfrm>
+          <a:prstGeom prst="rect">
+            <a:avLst/>
+          </a:prstGeom>
+        </p:spPr>
+      </p:pic>
+      <p:pic>
+        <p:nvPicPr>
+          <p:cNvPr id="8" name="图片 7">
+            <a:extLst>
+              <a:ext uri="{FF2B5EF4-FFF2-40B4-BE49-F238E27FC236}">
+                <a16:creationId xmlns:a16="http://schemas.microsoft.com/office/drawing/2014/main" id="{060334A5-CEEC-475D-A273-B49DA84271E7}"/>
+              </a:ext>
+            </a:extLst>
+          </p:cNvPr>
+          <p:cNvPicPr>
+            <a:picLocks noChangeAspect="1"/>
+          </p:cNvPicPr>
+          <p:nvPr/>
+        </p:nvPicPr>
+        <p:blipFill>
+          <a:blip r:embed="rId4"/>
+          <a:stretch>
+            <a:fillRect/>
+          </a:stretch>
+        </p:blipFill>
+        <p:spPr>
+          <a:xfrm>
+            <a:off x="6253979" y="2539498"/>
+            <a:ext cx="3914643" cy="1469708"/>
+          </a:xfrm>
+          <a:prstGeom prst="rect">
+            <a:avLst/>
+          </a:prstGeom>
+        </p:spPr>
+      </p:pic>
+      <p:pic>
+        <p:nvPicPr>
+          <p:cNvPr id="9" name="图片 8">
+            <a:extLst>
+              <a:ext uri="{FF2B5EF4-FFF2-40B4-BE49-F238E27FC236}">
+                <a16:creationId xmlns:a16="http://schemas.microsoft.com/office/drawing/2014/main" id="{3C2CC54C-09CB-49FF-B0F8-3DEA5E9A286B}"/>
+              </a:ext>
+            </a:extLst>
+          </p:cNvPr>
+          <p:cNvPicPr>
+            <a:picLocks noChangeAspect="1"/>
+          </p:cNvPicPr>
+          <p:nvPr/>
+        </p:nvPicPr>
+        <p:blipFill>
+          <a:blip r:embed="rId5"/>
+          <a:stretch>
+            <a:fillRect/>
+          </a:stretch>
+        </p:blipFill>
+        <p:spPr>
+          <a:xfrm>
+            <a:off x="6253979" y="4301490"/>
+            <a:ext cx="3914643" cy="1739841"/>
+          </a:xfrm>
+          <a:prstGeom prst="rect">
+            <a:avLst/>
+          </a:prstGeom>
+        </p:spPr>
+      </p:pic>
+      <p:sp>
+        <p:nvSpPr>
+          <p:cNvPr id="10" name="文本占位符 5">
+            <a:extLst>
+              <a:ext uri="{FF2B5EF4-FFF2-40B4-BE49-F238E27FC236}">
+                <a16:creationId xmlns:a16="http://schemas.microsoft.com/office/drawing/2014/main" id="{AD847764-C7A3-4AA3-A189-A504A9EF5943}"/>
+              </a:ext>
+            </a:extLst>
+          </p:cNvPr>
+          <p:cNvSpPr txBox="1">
+            <a:spLocks/>
+          </p:cNvSpPr>
+          <p:nvPr/>
+        </p:nvSpPr>
+        <p:spPr>
+          <a:xfrm>
+            <a:off x="6013268" y="1574074"/>
+            <a:ext cx="4942115" cy="529045"/>
+          </a:xfrm>
+          <a:prstGeom prst="rect">
+            <a:avLst/>
+          </a:prstGeom>
+        </p:spPr>
+        <p:txBody>
+          <a:bodyPr vert="horz" rtlCol="0">
+            <a:noAutofit/>
+          </a:bodyPr>
+          <a:lstStyle>
+            <a:lvl1pPr marL="365760" indent="-256032" algn="l" rtl="0" eaLnBrk="1" latinLnBrk="0" hangingPunct="1">
+              <a:spcBef>
+                <a:spcPts val="300"/>
+              </a:spcBef>
+              <a:buClr>
+                <a:schemeClr val="accent3">
+                  <a:lumMod val="75000"/>
+                </a:schemeClr>
+              </a:buClr>
+              <a:buFont typeface="Georgia"/>
+              <a:buChar char="•"/>
+              <a:defRPr kumimoji="0" sz="2800" kern="1200">
+                <a:solidFill>
+                  <a:schemeClr val="tx2"/>
+                </a:solidFill>
+                <a:latin typeface="微软雅黑" panose="020B0503020204020204" pitchFamily="34" charset="-122"/>
+                <a:ea typeface="微软雅黑" panose="020B0503020204020204" pitchFamily="34" charset="-122"/>
+                <a:cs typeface="+mn-cs"/>
+              </a:defRPr>
+            </a:lvl1pPr>
+            <a:lvl2pPr marL="658368" indent="-246888" algn="l" rtl="0" eaLnBrk="1" latinLnBrk="0" hangingPunct="1">
+              <a:spcBef>
+                <a:spcPts val="300"/>
+              </a:spcBef>
+              <a:buClr>
+                <a:schemeClr val="accent2">
+                  <a:lumMod val="75000"/>
+                </a:schemeClr>
+              </a:buClr>
+              <a:buFont typeface="Georgia"/>
+              <a:buChar char="▫"/>
+              <a:defRPr kumimoji="0" sz="2600" kern="1200">
+                <a:solidFill>
+                  <a:schemeClr val="tx2"/>
+                </a:solidFill>
+                <a:latin typeface="微软雅黑" panose="020B0503020204020204" pitchFamily="34" charset="-122"/>
+                <a:ea typeface="微软雅黑" panose="020B0503020204020204" pitchFamily="34" charset="-122"/>
+                <a:cs typeface="+mn-cs"/>
+              </a:defRPr>
+            </a:lvl2pPr>
+            <a:lvl3pPr marL="923544" indent="-219456" algn="l" rtl="0" eaLnBrk="1" latinLnBrk="0" hangingPunct="1">
+              <a:spcBef>
+                <a:spcPts val="300"/>
+              </a:spcBef>
+              <a:buClr>
+                <a:schemeClr val="accent1">
+                  <a:lumMod val="50000"/>
+                </a:schemeClr>
+              </a:buClr>
+              <a:buFont typeface="Wingdings 2" panose="05020102010507070707" pitchFamily="18" charset="2"/>
+              <a:buChar char=""/>
+              <a:defRPr kumimoji="0" sz="2400" kern="1200">
+                <a:solidFill>
+                  <a:schemeClr val="tx2"/>
+                </a:solidFill>
+                <a:latin typeface="微软雅黑" panose="020B0503020204020204" pitchFamily="34" charset="-122"/>
+                <a:ea typeface="微软雅黑" panose="020B0503020204020204" pitchFamily="34" charset="-122"/>
+                <a:cs typeface="+mn-cs"/>
+              </a:defRPr>
+            </a:lvl3pPr>
+            <a:lvl4pPr marL="1179576" indent="-201168" algn="l" rtl="0" eaLnBrk="1" latinLnBrk="0" hangingPunct="1">
+              <a:spcBef>
+                <a:spcPts val="300"/>
+              </a:spcBef>
+              <a:buClr>
+                <a:schemeClr val="accent1">
+                  <a:lumMod val="50000"/>
+                </a:schemeClr>
+              </a:buClr>
+              <a:buFont typeface="Wingdings 2" panose="05020102010507070707" pitchFamily="18" charset="2"/>
+              <a:buChar char=""/>
+              <a:defRPr kumimoji="0" sz="2200" kern="1200">
+                <a:solidFill>
+                  <a:schemeClr val="tx2"/>
+                </a:solidFill>
+                <a:latin typeface="微软雅黑" panose="020B0503020204020204" pitchFamily="34" charset="-122"/>
+                <a:ea typeface="微软雅黑" panose="020B0503020204020204" pitchFamily="34" charset="-122"/>
+                <a:cs typeface="+mn-cs"/>
+              </a:defRPr>
+            </a:lvl4pPr>
+            <a:lvl5pPr marL="1389888" indent="-182880" algn="l" rtl="0" eaLnBrk="1" latinLnBrk="0" hangingPunct="1">
+              <a:spcBef>
+                <a:spcPts val="300"/>
+              </a:spcBef>
+              <a:buClr>
+                <a:schemeClr val="accent1">
+                  <a:lumMod val="50000"/>
+                </a:schemeClr>
+              </a:buClr>
+              <a:buFont typeface="Wingdings 2" panose="05020102010507070707" pitchFamily="18" charset="2"/>
+              <a:buChar char=""/>
+              <a:defRPr kumimoji="0" sz="2000" kern="1200">
+                <a:solidFill>
+                  <a:schemeClr val="tx2"/>
+                </a:solidFill>
+                <a:latin typeface="微软雅黑" panose="020B0503020204020204" pitchFamily="34" charset="-122"/>
+                <a:ea typeface="微软雅黑" panose="020B0503020204020204" pitchFamily="34" charset="-122"/>
+                <a:cs typeface="+mn-cs"/>
+              </a:defRPr>
+            </a:lvl5pPr>
+            <a:lvl6pPr marL="1609344" indent="-182880" algn="l" rtl="0" eaLnBrk="1" latinLnBrk="0" hangingPunct="1">
+              <a:spcBef>
+                <a:spcPts val="300"/>
+              </a:spcBef>
+              <a:buClr>
+                <a:schemeClr val="accent1">
+                  <a:lumMod val="50000"/>
+                </a:schemeClr>
+              </a:buClr>
+              <a:buFont typeface="Wingdings 2" panose="05020102010507070707" pitchFamily="18" charset="2"/>
+              <a:buChar char=""/>
+              <a:defRPr kumimoji="0" sz="1800" kern="1200">
+                <a:solidFill>
+                  <a:schemeClr val="tx2"/>
+                </a:solidFill>
+                <a:latin typeface="+mn-lt"/>
+                <a:ea typeface="+mn-ea"/>
+                <a:cs typeface="+mn-cs"/>
+              </a:defRPr>
+            </a:lvl6pPr>
+            <a:lvl7pPr marL="1828800" indent="-182880" algn="l" rtl="0" eaLnBrk="1" latinLnBrk="0" hangingPunct="1">
+              <a:spcBef>
+                <a:spcPts val="300"/>
+              </a:spcBef>
+              <a:buClr>
+                <a:schemeClr val="accent1">
+                  <a:lumMod val="50000"/>
+                </a:schemeClr>
+              </a:buClr>
+              <a:buFont typeface="Wingdings 2" panose="05020102010507070707" pitchFamily="18" charset="2"/>
+              <a:buChar char=""/>
+              <a:defRPr kumimoji="0" sz="1600" kern="1200">
+                <a:solidFill>
+                  <a:schemeClr val="tx2"/>
+                </a:solidFill>
+                <a:latin typeface="+mn-lt"/>
+                <a:ea typeface="+mn-ea"/>
+                <a:cs typeface="+mn-cs"/>
+              </a:defRPr>
+            </a:lvl7pPr>
+            <a:lvl8pPr marL="2029968" indent="-182880" algn="l" rtl="0" eaLnBrk="1" latinLnBrk="0" hangingPunct="1">
+              <a:spcBef>
+                <a:spcPts val="300"/>
+              </a:spcBef>
+              <a:buClr>
+                <a:schemeClr val="accent1">
+                  <a:lumMod val="50000"/>
+                </a:schemeClr>
+              </a:buClr>
+              <a:buFont typeface="Wingdings 2" panose="05020102010507070707" pitchFamily="18" charset="2"/>
+              <a:buChar char=""/>
+              <a:defRPr kumimoji="0" sz="1500" kern="1200">
+                <a:solidFill>
+                  <a:schemeClr val="tx2"/>
+                </a:solidFill>
+                <a:latin typeface="+mn-lt"/>
+                <a:ea typeface="+mn-ea"/>
+                <a:cs typeface="+mn-cs"/>
+              </a:defRPr>
+            </a:lvl8pPr>
+            <a:lvl9pPr marL="2240280" indent="-182880" algn="l" rtl="0" eaLnBrk="1" latinLnBrk="0" hangingPunct="1">
+              <a:spcBef>
+                <a:spcPts val="300"/>
+              </a:spcBef>
+              <a:buClr>
+                <a:schemeClr val="accent1">
+                  <a:lumMod val="50000"/>
+                </a:schemeClr>
+              </a:buClr>
+              <a:buFont typeface="Wingdings 2" panose="05020102010507070707" pitchFamily="18" charset="2"/>
+              <a:buChar char=""/>
+              <a:defRPr kumimoji="0" sz="1400" kern="1200" baseline="0">
+                <a:solidFill>
+                  <a:schemeClr val="tx2"/>
+                </a:solidFill>
+                <a:latin typeface="+mn-lt"/>
+                <a:ea typeface="+mn-ea"/>
+                <a:cs typeface="+mn-cs"/>
+              </a:defRPr>
+            </a:lvl9pPr>
+          </a:lstStyle>
+          <a:p>
+            <a:pPr>
+              <a:lnSpc>
+                <a:spcPct val="150000"/>
+              </a:lnSpc>
+            </a:pPr>
+            <a:r>
+              <a:rPr lang="zh-CN" altLang="en-US" sz="1600" b="1" dirty="0"/>
+              <a:t>保存的文件信息：</a:t>
+            </a:r>
+            <a:endParaRPr lang="en-US" altLang="zh-CN" sz="1500" b="1" dirty="0"/>
+          </a:p>
+          <a:p>
+            <a:pPr marL="411480" lvl="1" indent="0">
+              <a:lnSpc>
+                <a:spcPct val="150000"/>
+              </a:lnSpc>
+              <a:buFont typeface="Georgia"/>
+              <a:buNone/>
+            </a:pPr>
+            <a:endParaRPr lang="zh-CN" altLang="en-US" sz="1400" b="1" dirty="0"/>
           </a:p>
         </p:txBody>
       </p:sp>
     </p:spTree>
     <p:extLst>
       <p:ext uri="{BB962C8B-B14F-4D97-AF65-F5344CB8AC3E}">
-        <p14:creationId xmlns:p14="http://schemas.microsoft.com/office/powerpoint/2010/main" val="411993636"/>
+        <p14:creationId xmlns:p14="http://schemas.microsoft.com/office/powerpoint/2010/main" val="2264121960"/>
       </p:ext>
     </p:extLst>
   </p:cSld>
@@ -7114,49 +8199,55 @@
             <p:ph type="title"/>
           </p:nvPr>
         </p:nvSpPr>
-        <p:spPr/>
+        <p:spPr>
+          <a:xfrm>
+            <a:off x="419393" y="609600"/>
+            <a:ext cx="10972800" cy="1066800"/>
+          </a:xfrm>
+        </p:spPr>
         <p:txBody>
           <a:bodyPr rtlCol="0"/>
           <a:lstStyle/>
           <a:p>
             <a:pPr rtl="0"/>
             <a:r>
-              <a:rPr lang="zh-cn" dirty="0"/>
-              <a:t>课程 2：小结</a:t>
-            </a:r>
-          </a:p>
-        </p:txBody>
-      </p:sp>
-      <p:sp>
-        <p:nvSpPr>
-          <p:cNvPr id="3" name="文本占位符 2"/>
-          <p:cNvSpPr>
-            <a:spLocks noGrp="1"/>
-          </p:cNvSpPr>
-          <p:nvPr>
-            <p:ph idx="1"/>
-          </p:nvPr>
-        </p:nvSpPr>
-        <p:spPr/>
-        <p:txBody>
-          <a:bodyPr rtlCol="0"/>
-          <a:lstStyle/>
-          <a:p>
-            <a:pPr rtl="0"/>
-            <a:r>
-              <a:rPr lang="zh-cn" dirty="0"/>
-              <a:t>概述要点。</a:t>
-            </a:r>
-          </a:p>
-          <a:p>
-            <a:pPr rtl="0"/>
-            <a:r>
-              <a:rPr lang="zh-cn" dirty="0"/>
-              <a:t>留出提问时间。</a:t>
-            </a:r>
-          </a:p>
-        </p:txBody>
-      </p:sp>
+              <a:rPr lang="zh-CN" altLang="en-US" dirty="0"/>
+              <a:t>小结</a:t>
+            </a:r>
+            <a:endParaRPr lang="zh-cn" dirty="0"/>
+          </a:p>
+        </p:txBody>
+      </p:sp>
+      <p:pic>
+        <p:nvPicPr>
+          <p:cNvPr id="10" name="图片 9">
+            <a:extLst>
+              <a:ext uri="{FF2B5EF4-FFF2-40B4-BE49-F238E27FC236}">
+                <a16:creationId xmlns:a16="http://schemas.microsoft.com/office/drawing/2014/main" id="{0AAA5F1A-F2C0-4F0B-8780-68B3A5411A70}"/>
+              </a:ext>
+            </a:extLst>
+          </p:cNvPr>
+          <p:cNvPicPr>
+            <a:picLocks noChangeAspect="1"/>
+          </p:cNvPicPr>
+          <p:nvPr/>
+        </p:nvPicPr>
+        <p:blipFill>
+          <a:blip r:embed="rId3"/>
+          <a:stretch>
+            <a:fillRect/>
+          </a:stretch>
+        </p:blipFill>
+        <p:spPr>
+          <a:xfrm>
+            <a:off x="2690948" y="1155519"/>
+            <a:ext cx="8556171" cy="5253224"/>
+          </a:xfrm>
+          <a:prstGeom prst="rect">
+            <a:avLst/>
+          </a:prstGeom>
+        </p:spPr>
+      </p:pic>
     </p:spTree>
     <p:extLst>
       <p:ext uri="{BB962C8B-B14F-4D97-AF65-F5344CB8AC3E}">
@@ -7926,7 +9017,7 @@
         <p:spPr>
           <a:xfrm>
             <a:off x="452846" y="1713412"/>
-            <a:ext cx="10972800" cy="4325112"/>
+            <a:ext cx="8181703" cy="3054531"/>
           </a:xfrm>
         </p:spPr>
         <p:txBody>
@@ -7941,10 +9032,10 @@
               </a:lnSpc>
             </a:pPr>
             <a:r>
-              <a:rPr lang="zh-CN" altLang="en-US" dirty="0"/>
+              <a:rPr lang="zh-CN" altLang="en-US" sz="2400" dirty="0"/>
               <a:t>自动登陆交换机。</a:t>
             </a:r>
-            <a:endParaRPr lang="en-US" altLang="zh-CN" dirty="0"/>
+            <a:endParaRPr lang="en-US" altLang="zh-CN" sz="2400" dirty="0"/>
           </a:p>
           <a:p>
             <a:pPr lvl="1">
@@ -7953,10 +9044,10 @@
               </a:lnSpc>
             </a:pPr>
             <a:r>
-              <a:rPr lang="zh-CN" altLang="en-US" sz="2400" dirty="0"/>
+              <a:rPr lang="zh-CN" altLang="en-US" sz="2000" dirty="0"/>
               <a:t>要登陆多个交换机，产生登陆日志</a:t>
             </a:r>
-            <a:endParaRPr lang="en-US" altLang="zh-CN" sz="2400" dirty="0"/>
+            <a:endParaRPr lang="en-US" altLang="zh-CN" sz="2000" dirty="0"/>
           </a:p>
           <a:p>
             <a:pPr rtl="0">
@@ -7965,10 +9056,10 @@
               </a:lnSpc>
             </a:pPr>
             <a:r>
-              <a:rPr lang="zh-CN" altLang="en-US" dirty="0"/>
+              <a:rPr lang="zh-CN" altLang="en-US" sz="2400" dirty="0"/>
               <a:t>登陆后保存交换机的配置信息。</a:t>
             </a:r>
-            <a:endParaRPr lang="en-US" altLang="zh-CN" dirty="0"/>
+            <a:endParaRPr lang="en-US" altLang="zh-CN" sz="2400" dirty="0"/>
           </a:p>
           <a:p>
             <a:pPr lvl="1">
@@ -7977,10 +9068,10 @@
               </a:lnSpc>
             </a:pPr>
             <a:r>
-              <a:rPr lang="zh-CN" altLang="en-US" sz="2400" dirty="0"/>
+              <a:rPr lang="zh-CN" altLang="en-US" sz="2000" dirty="0"/>
               <a:t>方案一：查询配置，并读取查询到的信息</a:t>
             </a:r>
-            <a:endParaRPr lang="en-US" altLang="zh-CN" sz="2400" dirty="0"/>
+            <a:endParaRPr lang="en-US" altLang="zh-CN" sz="2000" dirty="0"/>
           </a:p>
           <a:p>
             <a:pPr lvl="1">
@@ -7989,24 +9080,24 @@
               </a:lnSpc>
             </a:pPr>
             <a:r>
-              <a:rPr lang="zh-CN" altLang="en-US" sz="2400" dirty="0"/>
+              <a:rPr lang="zh-CN" altLang="en-US" sz="2000" dirty="0"/>
               <a:t>方案二：直接保存配置，然后上传到</a:t>
             </a:r>
             <a:r>
-              <a:rPr lang="en-US" altLang="zh-CN" sz="2400" dirty="0" err="1"/>
+              <a:rPr lang="en-US" altLang="zh-CN" sz="2000" dirty="0" err="1"/>
               <a:t>tftp</a:t>
             </a:r>
             <a:r>
-              <a:rPr lang="zh-CN" altLang="en-US" sz="2400" dirty="0"/>
+              <a:rPr lang="zh-CN" altLang="en-US" sz="2000" dirty="0"/>
               <a:t>服务器</a:t>
             </a:r>
-            <a:endParaRPr lang="zh-cn" altLang="en-US" sz="2400" dirty="0"/>
+            <a:endParaRPr lang="zh-cn" altLang="en-US" sz="2000" dirty="0"/>
           </a:p>
           <a:p>
             <a:pPr marL="109728" indent="0" rtl="0">
               <a:buNone/>
             </a:pPr>
-            <a:endParaRPr lang="zh-cn" dirty="0"/>
+            <a:endParaRPr lang="zh-cn" sz="2400" dirty="0"/>
           </a:p>
         </p:txBody>
       </p:sp>
@@ -9081,34 +10172,6 @@
       </p:grpSpPr>
       <p:sp>
         <p:nvSpPr>
-          <p:cNvPr id="9" name="标题 8"/>
-          <p:cNvSpPr>
-            <a:spLocks noGrp="1"/>
-          </p:cNvSpPr>
-          <p:nvPr>
-            <p:ph type="title"/>
-          </p:nvPr>
-        </p:nvSpPr>
-        <p:spPr>
-          <a:xfrm>
-            <a:off x="387531" y="555171"/>
-            <a:ext cx="10972800" cy="1066800"/>
-          </a:xfrm>
-        </p:spPr>
-        <p:txBody>
-          <a:bodyPr rtlCol="0"/>
-          <a:lstStyle/>
-          <a:p>
-            <a:pPr rtl="0"/>
-            <a:r>
-              <a:rPr lang="zh-CN" altLang="en-US" dirty="0"/>
-              <a:t>代码分析</a:t>
-            </a:r>
-          </a:p>
-        </p:txBody>
-      </p:sp>
-      <p:sp>
-        <p:nvSpPr>
           <p:cNvPr id="6" name="文本占位符 5"/>
           <p:cNvSpPr>
             <a:spLocks noGrp="1"/>
@@ -9340,6 +10403,47 @@
           </a:prstGeom>
         </p:spPr>
       </p:pic>
+      <p:sp>
+        <p:nvSpPr>
+          <p:cNvPr id="8" name="标题 8">
+            <a:extLst>
+              <a:ext uri="{FF2B5EF4-FFF2-40B4-BE49-F238E27FC236}">
+                <a16:creationId xmlns:a16="http://schemas.microsoft.com/office/drawing/2014/main" id="{F241256D-6F0C-49B2-B29C-E849FF53EEF9}"/>
+              </a:ext>
+            </a:extLst>
+          </p:cNvPr>
+          <p:cNvSpPr>
+            <a:spLocks noGrp="1"/>
+          </p:cNvSpPr>
+          <p:nvPr>
+            <p:ph type="title"/>
+          </p:nvPr>
+        </p:nvSpPr>
+        <p:spPr>
+          <a:xfrm>
+            <a:off x="325849" y="568233"/>
+            <a:ext cx="5641701" cy="1066800"/>
+          </a:xfrm>
+        </p:spPr>
+        <p:txBody>
+          <a:bodyPr rtlCol="0"/>
+          <a:lstStyle/>
+          <a:p>
+            <a:r>
+              <a:rPr lang="zh-CN" altLang="en-US" dirty="0"/>
+              <a:t>代码分析</a:t>
+            </a:r>
+            <a:r>
+              <a:rPr lang="en-US" altLang="zh-CN" dirty="0"/>
+              <a:t>-save</a:t>
+            </a:r>
+            <a:r>
+              <a:rPr lang="zh-CN" altLang="en-US" dirty="0"/>
+              <a:t>模式</a:t>
+            </a:r>
+          </a:p>
+        </p:txBody>
+      </p:sp>
     </p:spTree>
     <p:extLst>
       <p:ext uri="{BB962C8B-B14F-4D97-AF65-F5344CB8AC3E}">
@@ -9384,34 +10488,6 @@
       </p:grpSpPr>
       <p:sp>
         <p:nvSpPr>
-          <p:cNvPr id="9" name="标题 8"/>
-          <p:cNvSpPr>
-            <a:spLocks noGrp="1"/>
-          </p:cNvSpPr>
-          <p:nvPr>
-            <p:ph type="title"/>
-          </p:nvPr>
-        </p:nvSpPr>
-        <p:spPr>
-          <a:xfrm>
-            <a:off x="387531" y="555171"/>
-            <a:ext cx="10972800" cy="1066800"/>
-          </a:xfrm>
-        </p:spPr>
-        <p:txBody>
-          <a:bodyPr rtlCol="0"/>
-          <a:lstStyle/>
-          <a:p>
-            <a:pPr rtl="0"/>
-            <a:r>
-              <a:rPr lang="zh-CN" altLang="en-US" dirty="0"/>
-              <a:t>代码分析</a:t>
-            </a:r>
-          </a:p>
-        </p:txBody>
-      </p:sp>
-      <p:sp>
-        <p:nvSpPr>
           <p:cNvPr id="6" name="文本占位符 5"/>
           <p:cNvSpPr>
             <a:spLocks noGrp="1"/>
@@ -9665,8 +10741,8 @@
         </p:blipFill>
         <p:spPr>
           <a:xfrm>
-            <a:off x="5873931" y="953736"/>
-            <a:ext cx="6318070" cy="2963126"/>
+            <a:off x="6243636" y="953736"/>
+            <a:ext cx="5948364" cy="2963126"/>
           </a:xfrm>
           <a:prstGeom prst="rect">
             <a:avLst/>
@@ -9695,7 +10771,7 @@
         </p:blipFill>
         <p:spPr>
           <a:xfrm>
-            <a:off x="5902144" y="3993063"/>
+            <a:off x="6243636" y="3993063"/>
             <a:ext cx="5800725" cy="1247775"/>
           </a:xfrm>
           <a:prstGeom prst="rect">
@@ -9725,7 +10801,7 @@
         </p:blipFill>
         <p:spPr>
           <a:xfrm>
-            <a:off x="5873931" y="5240838"/>
+            <a:off x="6296025" y="5317039"/>
             <a:ext cx="5895975" cy="1219200"/>
           </a:xfrm>
           <a:prstGeom prst="rect">
@@ -9733,6 +10809,47 @@
           </a:prstGeom>
         </p:spPr>
       </p:pic>
+      <p:sp>
+        <p:nvSpPr>
+          <p:cNvPr id="10" name="标题 8">
+            <a:extLst>
+              <a:ext uri="{FF2B5EF4-FFF2-40B4-BE49-F238E27FC236}">
+                <a16:creationId xmlns:a16="http://schemas.microsoft.com/office/drawing/2014/main" id="{1B67E865-C6F0-4CA3-A93B-866BF5B00419}"/>
+              </a:ext>
+            </a:extLst>
+          </p:cNvPr>
+          <p:cNvSpPr>
+            <a:spLocks noGrp="1"/>
+          </p:cNvSpPr>
+          <p:nvPr>
+            <p:ph type="title"/>
+          </p:nvPr>
+        </p:nvSpPr>
+        <p:spPr>
+          <a:xfrm>
+            <a:off x="325849" y="568233"/>
+            <a:ext cx="5641701" cy="1066800"/>
+          </a:xfrm>
+        </p:spPr>
+        <p:txBody>
+          <a:bodyPr rtlCol="0"/>
+          <a:lstStyle/>
+          <a:p>
+            <a:r>
+              <a:rPr lang="zh-CN" altLang="en-US" dirty="0"/>
+              <a:t>代码分析</a:t>
+            </a:r>
+            <a:r>
+              <a:rPr lang="en-US" altLang="zh-CN" dirty="0"/>
+              <a:t>-save</a:t>
+            </a:r>
+            <a:r>
+              <a:rPr lang="zh-CN" altLang="en-US" dirty="0"/>
+              <a:t>模式</a:t>
+            </a:r>
+          </a:p>
+        </p:txBody>
+      </p:sp>
     </p:spTree>
     <p:extLst>
       <p:ext uri="{BB962C8B-B14F-4D97-AF65-F5344CB8AC3E}">
@@ -9787,18 +10904,25 @@
         </p:nvSpPr>
         <p:spPr>
           <a:xfrm>
-            <a:off x="387531" y="555171"/>
-            <a:ext cx="10972800" cy="1066800"/>
+            <a:off x="325849" y="568233"/>
+            <a:ext cx="5641701" cy="1066800"/>
           </a:xfrm>
         </p:spPr>
         <p:txBody>
           <a:bodyPr rtlCol="0"/>
           <a:lstStyle/>
           <a:p>
-            <a:pPr rtl="0"/>
             <a:r>
               <a:rPr lang="zh-CN" altLang="en-US" dirty="0"/>
               <a:t>代码分析</a:t>
+            </a:r>
+            <a:r>
+              <a:rPr lang="en-US" altLang="zh-CN" dirty="0"/>
+              <a:t>-save</a:t>
+            </a:r>
+            <a:r>
+              <a:rPr lang="zh-CN" altLang="en-US" dirty="0"/>
+              <a:t>模式</a:t>
             </a:r>
           </a:p>
         </p:txBody>
@@ -9849,44 +10973,58 @@
               <a:buAutoNum type="arabicPeriod"/>
             </a:pPr>
             <a:r>
+              <a:rPr lang="zh-CN" altLang="en-US" sz="1600" dirty="0"/>
+              <a:t>字符编码问题：在</a:t>
+            </a:r>
+            <a:r>
               <a:rPr lang="en-US" altLang="zh-CN" sz="1600" dirty="0"/>
-              <a:t>open()</a:t>
+              <a:t>python</a:t>
             </a:r>
             <a:r>
               <a:rPr lang="zh-CN" altLang="en-US" sz="1600" dirty="0"/>
-              <a:t>方法：用于打开一个文件，并返回文件对象，如果该文件无法被打开，会抛出 异常。</a:t>
+              <a:t>程序在内存中的字符串类型是</a:t>
+            </a:r>
+            <a:r>
+              <a:rPr lang="en-US" altLang="zh-CN" sz="1600" dirty="0"/>
+              <a:t>str</a:t>
+            </a:r>
+            <a:r>
+              <a:rPr lang="zh-CN" altLang="en-US" sz="1600" dirty="0"/>
+              <a:t>的，但这个类型不能直接写入存储或通信，通过</a:t>
+            </a:r>
+            <a:r>
+              <a:rPr lang="en-US" altLang="zh-CN" sz="1600" dirty="0"/>
+              <a:t>read</a:t>
+            </a:r>
+            <a:r>
+              <a:rPr lang="zh-CN" altLang="en-US" sz="1600" dirty="0"/>
+              <a:t>和</a:t>
+            </a:r>
+            <a:r>
+              <a:rPr lang="en-US" altLang="zh-CN" sz="1600" dirty="0"/>
+              <a:t>write</a:t>
+            </a:r>
+            <a:r>
+              <a:rPr lang="zh-CN" altLang="en-US" sz="1600" dirty="0"/>
+              <a:t>方法与交换机交互时，需要将</a:t>
+            </a:r>
+            <a:r>
+              <a:rPr lang="en-US" altLang="zh-CN" sz="1600" dirty="0"/>
+              <a:t>str</a:t>
+            </a:r>
+            <a:r>
+              <a:rPr lang="zh-CN" altLang="en-US" sz="1600" dirty="0"/>
+              <a:t>类型转换为</a:t>
+            </a:r>
+            <a:r>
+              <a:rPr lang="en-US" altLang="zh-CN" sz="1600" dirty="0"/>
+              <a:t>bytes</a:t>
+            </a:r>
+            <a:r>
+              <a:rPr lang="zh-CN" altLang="en-US" sz="1600" dirty="0"/>
+              <a:t>，这样才能正确的被交换机正确接收。</a:t>
             </a:r>
             <a:endParaRPr lang="en-US" altLang="zh-CN" sz="1600" dirty="0"/>
-          </a:p>
-          <a:p>
-            <a:pPr marL="688086" lvl="1" indent="-285750">
-              <a:lnSpc>
-                <a:spcPct val="150000"/>
-              </a:lnSpc>
-              <a:buFont typeface="Arial" panose="020B0604020202020204" pitchFamily="34" charset="0"/>
-              <a:buChar char="•"/>
-            </a:pPr>
-            <a:r>
-              <a:rPr lang="zh-CN" altLang="en-US" sz="1200" dirty="0"/>
-              <a:t>注意：使用 </a:t>
-            </a:r>
-            <a:r>
-              <a:rPr lang="en-US" altLang="zh-CN" sz="1200" dirty="0"/>
-              <a:t>open() </a:t>
-            </a:r>
-            <a:r>
-              <a:rPr lang="zh-CN" altLang="en-US" sz="1200" dirty="0"/>
-              <a:t>方法一定要保证关闭文件对象，即使用完后调用 </a:t>
-            </a:r>
-            <a:r>
-              <a:rPr lang="en-US" altLang="zh-CN" sz="1200" dirty="0"/>
-              <a:t>close() </a:t>
-            </a:r>
-            <a:r>
-              <a:rPr lang="zh-CN" altLang="en-US" sz="1200" dirty="0"/>
-              <a:t>方法。</a:t>
-            </a:r>
-            <a:endParaRPr lang="en-US" altLang="zh-CN" sz="1200" dirty="0"/>
           </a:p>
           <a:p>
             <a:pPr marL="566928" indent="-457200">
@@ -9897,145 +11035,43 @@
               <a:buAutoNum type="arabicPeriod"/>
             </a:pPr>
             <a:r>
-              <a:rPr lang="en-US" altLang="zh-CN" sz="1600" dirty="0" err="1"/>
-              <a:t>file.readlines</a:t>
-            </a:r>
-            <a:r>
-              <a:rPr lang="en-US" altLang="zh-CN" sz="1600" dirty="0"/>
-              <a:t>()</a:t>
-            </a:r>
-            <a:r>
               <a:rPr lang="zh-CN" altLang="en-US" sz="1600" dirty="0"/>
-              <a:t>方法：读取所有行并返回列表</a:t>
-            </a:r>
-            <a:r>
-              <a:rPr lang="en-US" altLang="zh-CN" sz="1600" dirty="0"/>
-              <a:t>lines</a:t>
-            </a:r>
-            <a:r>
-              <a:rPr lang="zh-CN" altLang="en-US" sz="1600" dirty="0"/>
-              <a:t>。</a:t>
-            </a:r>
-            <a:endParaRPr lang="en-US" altLang="zh-CN" sz="1600" dirty="0"/>
-          </a:p>
-          <a:p>
-            <a:pPr marL="688086" lvl="1" indent="-285750">
-              <a:lnSpc>
-                <a:spcPct val="150000"/>
-              </a:lnSpc>
-              <a:buFont typeface="Arial" panose="020B0604020202020204" pitchFamily="34" charset="0"/>
-              <a:buChar char="•"/>
-            </a:pPr>
-            <a:r>
-              <a:rPr lang="zh-CN" altLang="en-US" sz="1200" dirty="0"/>
-              <a:t>注意：读取到到行是带有</a:t>
-            </a:r>
-            <a:r>
-              <a:rPr lang="en-US" altLang="zh-CN" sz="1200" dirty="0"/>
-              <a:t>“\n”</a:t>
-            </a:r>
-            <a:r>
-              <a:rPr lang="zh-CN" altLang="en-US" sz="1200" dirty="0"/>
-              <a:t>的</a:t>
+              <a:t>通信的时延问题：我们是通过内网访问交换机，时延很小，如果时延大的时候，在程序中应该考虑指令的传输时延，避免冲突。</a:t>
             </a:r>
             <a:endParaRPr lang="en-US" altLang="zh-CN" sz="1200" dirty="0"/>
           </a:p>
-          <a:p>
-            <a:pPr marL="566928" lvl="0" indent="-457200">
-              <a:lnSpc>
-                <a:spcPct val="150000"/>
-              </a:lnSpc>
-              <a:buClr>
-                <a:srgbClr val="37A76F">
-                  <a:lumMod val="75000"/>
-                </a:srgbClr>
-              </a:buClr>
-              <a:buFont typeface="+mj-lt"/>
-              <a:buAutoNum type="arabicPeriod"/>
-            </a:pPr>
-            <a:r>
-              <a:rPr lang="en-US" altLang="zh-CN" sz="1600" dirty="0">
-                <a:solidFill>
-                  <a:srgbClr val="455F51"/>
-                </a:solidFill>
-              </a:rPr>
-              <a:t>strip()</a:t>
-            </a:r>
-            <a:r>
-              <a:rPr lang="zh-CN" altLang="en-US" sz="1600" dirty="0">
-                <a:solidFill>
-                  <a:srgbClr val="455F51"/>
-                </a:solidFill>
-              </a:rPr>
-              <a:t>方法：用于移除字符串头尾指定的字符（默认为空格）或字符序列。</a:t>
-            </a:r>
-            <a:endParaRPr lang="en-US" altLang="zh-CN" sz="1600" dirty="0">
-              <a:solidFill>
-                <a:srgbClr val="455F51"/>
-              </a:solidFill>
-            </a:endParaRPr>
-          </a:p>
-          <a:p>
-            <a:pPr marL="688086" lvl="1" indent="-285750">
-              <a:lnSpc>
-                <a:spcPct val="150000"/>
-              </a:lnSpc>
-              <a:buFont typeface="Arial" panose="020B0604020202020204" pitchFamily="34" charset="0"/>
-              <a:buChar char="•"/>
-            </a:pPr>
-            <a:r>
-              <a:rPr lang="zh-CN" altLang="en-US" sz="1200" dirty="0"/>
-              <a:t>注意：该方法只能删除开头或是结尾的字符。</a:t>
-            </a:r>
-            <a:endParaRPr lang="en-US" altLang="zh-CN" sz="1200" dirty="0"/>
-          </a:p>
-          <a:p>
-            <a:pPr marL="566928" lvl="0" indent="-457200">
-              <a:lnSpc>
-                <a:spcPct val="150000"/>
-              </a:lnSpc>
-              <a:buClr>
-                <a:srgbClr val="37A76F">
-                  <a:lumMod val="75000"/>
-                </a:srgbClr>
-              </a:buClr>
-              <a:buFont typeface="+mj-lt"/>
-              <a:buAutoNum type="arabicPeriod"/>
-            </a:pPr>
-            <a:r>
-              <a:rPr lang="en-US" altLang="zh-CN" sz="1600" dirty="0">
-                <a:solidFill>
-                  <a:srgbClr val="455F51"/>
-                </a:solidFill>
-              </a:rPr>
-              <a:t>split()</a:t>
-            </a:r>
-            <a:r>
-              <a:rPr lang="zh-CN" altLang="en-US" sz="1600" dirty="0">
-                <a:solidFill>
-                  <a:srgbClr val="455F51"/>
-                </a:solidFill>
-              </a:rPr>
-              <a:t>方法：通过指定分隔符对字符串进行切片。</a:t>
-            </a:r>
-            <a:endParaRPr lang="en-US" altLang="zh-CN" sz="1600" dirty="0">
-              <a:solidFill>
-                <a:srgbClr val="455F51"/>
-              </a:solidFill>
-            </a:endParaRPr>
-          </a:p>
-          <a:p>
-            <a:pPr marL="688086" lvl="1" indent="-285750">
-              <a:lnSpc>
-                <a:spcPct val="150000"/>
-              </a:lnSpc>
-              <a:buFont typeface="Arial" panose="020B0604020202020204" pitchFamily="34" charset="0"/>
-              <a:buChar char="•"/>
-            </a:pPr>
-            <a:endParaRPr lang="en-US" altLang="zh-CN" sz="1500" dirty="0"/>
-          </a:p>
-        </p:txBody>
-      </p:sp>
+        </p:txBody>
+      </p:sp>
+      <p:pic>
+        <p:nvPicPr>
+          <p:cNvPr id="2" name="图片 1">
+            <a:extLst>
+              <a:ext uri="{FF2B5EF4-FFF2-40B4-BE49-F238E27FC236}">
+                <a16:creationId xmlns:a16="http://schemas.microsoft.com/office/drawing/2014/main" id="{C4966089-4F4B-4253-A9A5-AC1404519A74}"/>
+              </a:ext>
+            </a:extLst>
+          </p:cNvPr>
+          <p:cNvPicPr>
+            <a:picLocks noChangeAspect="1"/>
+          </p:cNvPicPr>
+          <p:nvPr/>
+        </p:nvPicPr>
+        <p:blipFill>
+          <a:blip r:embed="rId3"/>
+          <a:stretch>
+            <a:fillRect/>
+          </a:stretch>
+        </p:blipFill>
+        <p:spPr>
+          <a:xfrm>
+            <a:off x="6162769" y="698318"/>
+            <a:ext cx="6015764" cy="6159682"/>
+          </a:xfrm>
+          <a:prstGeom prst="rect">
+            <a:avLst/>
+          </a:prstGeom>
+        </p:spPr>
+      </p:pic>
     </p:spTree>
     <p:extLst>
       <p:ext uri="{BB962C8B-B14F-4D97-AF65-F5344CB8AC3E}">
